--- a/Report/Presentation_3_IoT.pptx
+++ b/Report/Presentation_3_IoT.pptx
@@ -133,969 +133,6 @@
     </p:ext>
   </p:extLst>
 </p:presentation>
-</file>
-
-<file path=ppt/charts/chart1.xml><?xml version="1.0" encoding="utf-8"?>
-<c:chartSpace xmlns:c="http://schemas.openxmlformats.org/drawingml/2006/chart" xmlns:a="http://schemas.openxmlformats.org/drawingml/2006/main" xmlns:r="http://schemas.openxmlformats.org/officeDocument/2006/relationships" xmlns:c16r2="http://schemas.microsoft.com/office/drawing/2015/06/chart">
-  <c:date1904 val="0"/>
-  <c:lang val="en-US"/>
-  <c:roundedCorners val="0"/>
-  <mc:AlternateContent xmlns:mc="http://schemas.openxmlformats.org/markup-compatibility/2006">
-    <mc:Choice xmlns:c14="http://schemas.microsoft.com/office/drawing/2007/8/2/chart" Requires="c14">
-      <c14:style val="101"/>
-    </mc:Choice>
-    <mc:Fallback>
-      <c:style val="1"/>
-    </mc:Fallback>
-  </mc:AlternateContent>
-  <c:chart>
-    <c:autoTitleDeleted val="1"/>
-    <c:plotArea>
-      <c:layout/>
-      <c:barChart>
-        <c:barDir val="col"/>
-        <c:grouping val="clustered"/>
-        <c:varyColors val="0"/>
-        <c:ser>
-          <c:idx val="0"/>
-          <c:order val="0"/>
-          <c:tx>
-            <c:strRef>
-              <c:f>Sheet1!$B$1</c:f>
-              <c:strCache>
-                <c:ptCount val="1"/>
-                <c:pt idx="0">
-                  <c:v>Series 1</c:v>
-                </c:pt>
-              </c:strCache>
-            </c:strRef>
-          </c:tx>
-          <c:spPr>
-            <a:solidFill>
-              <a:schemeClr val="dk1">
-                <a:tint val="88500"/>
-              </a:schemeClr>
-            </a:solidFill>
-            <a:ln>
-              <a:noFill/>
-            </a:ln>
-            <a:effectLst/>
-          </c:spPr>
-          <c:invertIfNegative val="0"/>
-          <c:cat>
-            <c:strRef>
-              <c:f>Sheet1!$A$2:$A$5</c:f>
-              <c:strCache>
-                <c:ptCount val="4"/>
-                <c:pt idx="0">
-                  <c:v>Q1</c:v>
-                </c:pt>
-                <c:pt idx="1">
-                  <c:v>Q2</c:v>
-                </c:pt>
-                <c:pt idx="2">
-                  <c:v>Q3</c:v>
-                </c:pt>
-                <c:pt idx="3">
-                  <c:v>Category 4</c:v>
-                </c:pt>
-              </c:strCache>
-            </c:strRef>
-          </c:cat>
-          <c:val>
-            <c:numRef>
-              <c:f>Sheet1!$B$2:$B$5</c:f>
-              <c:numCache>
-                <c:formatCode>General</c:formatCode>
-                <c:ptCount val="4"/>
-                <c:pt idx="0">
-                  <c:v>4.3</c:v>
-                </c:pt>
-                <c:pt idx="1">
-                  <c:v>2.5</c:v>
-                </c:pt>
-                <c:pt idx="2">
-                  <c:v>3.5</c:v>
-                </c:pt>
-                <c:pt idx="3">
-                  <c:v>4.5</c:v>
-                </c:pt>
-              </c:numCache>
-            </c:numRef>
-          </c:val>
-          <c:extLst>
-            <c:ext xmlns:c16="http://schemas.microsoft.com/office/drawing/2014/chart" uri="{C3380CC4-5D6E-409C-BE32-E72D297353CC}">
-              <c16:uniqueId val="{00000000-2161-4FC4-B3E4-D37A5AEE23BB}"/>
-            </c:ext>
-          </c:extLst>
-        </c:ser>
-        <c:ser>
-          <c:idx val="1"/>
-          <c:order val="1"/>
-          <c:tx>
-            <c:strRef>
-              <c:f>Sheet1!$C$1</c:f>
-              <c:strCache>
-                <c:ptCount val="1"/>
-                <c:pt idx="0">
-                  <c:v>Series 2</c:v>
-                </c:pt>
-              </c:strCache>
-            </c:strRef>
-          </c:tx>
-          <c:spPr>
-            <a:solidFill>
-              <a:schemeClr val="dk1">
-                <a:tint val="55000"/>
-              </a:schemeClr>
-            </a:solidFill>
-            <a:ln>
-              <a:noFill/>
-            </a:ln>
-            <a:effectLst/>
-          </c:spPr>
-          <c:invertIfNegative val="0"/>
-          <c:cat>
-            <c:strRef>
-              <c:f>Sheet1!$A$2:$A$5</c:f>
-              <c:strCache>
-                <c:ptCount val="4"/>
-                <c:pt idx="0">
-                  <c:v>Q1</c:v>
-                </c:pt>
-                <c:pt idx="1">
-                  <c:v>Q2</c:v>
-                </c:pt>
-                <c:pt idx="2">
-                  <c:v>Q3</c:v>
-                </c:pt>
-                <c:pt idx="3">
-                  <c:v>Category 4</c:v>
-                </c:pt>
-              </c:strCache>
-            </c:strRef>
-          </c:cat>
-          <c:val>
-            <c:numRef>
-              <c:f>Sheet1!$C$2:$C$5</c:f>
-              <c:numCache>
-                <c:formatCode>General</c:formatCode>
-                <c:ptCount val="4"/>
-                <c:pt idx="0">
-                  <c:v>2.4</c:v>
-                </c:pt>
-                <c:pt idx="1">
-                  <c:v>4.4000000000000004</c:v>
-                </c:pt>
-                <c:pt idx="2">
-                  <c:v>1.8</c:v>
-                </c:pt>
-                <c:pt idx="3">
-                  <c:v>2.8</c:v>
-                </c:pt>
-              </c:numCache>
-            </c:numRef>
-          </c:val>
-          <c:extLst>
-            <c:ext xmlns:c16="http://schemas.microsoft.com/office/drawing/2014/chart" uri="{C3380CC4-5D6E-409C-BE32-E72D297353CC}">
-              <c16:uniqueId val="{00000001-2161-4FC4-B3E4-D37A5AEE23BB}"/>
-            </c:ext>
-          </c:extLst>
-        </c:ser>
-        <c:ser>
-          <c:idx val="2"/>
-          <c:order val="2"/>
-          <c:tx>
-            <c:strRef>
-              <c:f>Sheet1!$D$1</c:f>
-              <c:strCache>
-                <c:ptCount val="1"/>
-                <c:pt idx="0">
-                  <c:v>Series 3</c:v>
-                </c:pt>
-              </c:strCache>
-            </c:strRef>
-          </c:tx>
-          <c:spPr>
-            <a:solidFill>
-              <a:schemeClr val="dk1">
-                <a:tint val="75000"/>
-              </a:schemeClr>
-            </a:solidFill>
-            <a:ln>
-              <a:noFill/>
-            </a:ln>
-            <a:effectLst/>
-          </c:spPr>
-          <c:invertIfNegative val="0"/>
-          <c:cat>
-            <c:strRef>
-              <c:f>Sheet1!$A$2:$A$5</c:f>
-              <c:strCache>
-                <c:ptCount val="4"/>
-                <c:pt idx="0">
-                  <c:v>Q1</c:v>
-                </c:pt>
-                <c:pt idx="1">
-                  <c:v>Q2</c:v>
-                </c:pt>
-                <c:pt idx="2">
-                  <c:v>Q3</c:v>
-                </c:pt>
-                <c:pt idx="3">
-                  <c:v>Category 4</c:v>
-                </c:pt>
-              </c:strCache>
-            </c:strRef>
-          </c:cat>
-          <c:val>
-            <c:numRef>
-              <c:f>Sheet1!$D$2:$D$5</c:f>
-              <c:numCache>
-                <c:formatCode>General</c:formatCode>
-                <c:ptCount val="4"/>
-                <c:pt idx="0">
-                  <c:v>2</c:v>
-                </c:pt>
-                <c:pt idx="1">
-                  <c:v>2</c:v>
-                </c:pt>
-                <c:pt idx="2">
-                  <c:v>3</c:v>
-                </c:pt>
-                <c:pt idx="3">
-                  <c:v>5</c:v>
-                </c:pt>
-              </c:numCache>
-            </c:numRef>
-          </c:val>
-          <c:extLst>
-            <c:ext xmlns:c16="http://schemas.microsoft.com/office/drawing/2014/chart" uri="{C3380CC4-5D6E-409C-BE32-E72D297353CC}">
-              <c16:uniqueId val="{00000002-2161-4FC4-B3E4-D37A5AEE23BB}"/>
-            </c:ext>
-          </c:extLst>
-        </c:ser>
-        <c:dLbls>
-          <c:showLegendKey val="0"/>
-          <c:showVal val="0"/>
-          <c:showCatName val="0"/>
-          <c:showSerName val="0"/>
-          <c:showPercent val="0"/>
-          <c:showBubbleSize val="0"/>
-        </c:dLbls>
-        <c:gapWidth val="219"/>
-        <c:overlap val="-27"/>
-        <c:axId val="229001183"/>
-        <c:axId val="228998687"/>
-      </c:barChart>
-      <c:catAx>
-        <c:axId val="229001183"/>
-        <c:scaling>
-          <c:orientation val="minMax"/>
-        </c:scaling>
-        <c:delete val="0"/>
-        <c:axPos val="b"/>
-        <c:numFmt formatCode="General" sourceLinked="1"/>
-        <c:majorTickMark val="none"/>
-        <c:minorTickMark val="none"/>
-        <c:tickLblPos val="nextTo"/>
-        <c:spPr>
-          <a:noFill/>
-          <a:ln w="9525" cap="flat" cmpd="sng" algn="ctr">
-            <a:solidFill>
-              <a:schemeClr val="tx1">
-                <a:lumMod val="15000"/>
-                <a:lumOff val="85000"/>
-              </a:schemeClr>
-            </a:solidFill>
-            <a:round/>
-          </a:ln>
-          <a:effectLst/>
-        </c:spPr>
-        <c:txPr>
-          <a:bodyPr rot="-60000000" spcFirstLastPara="1" vertOverflow="ellipsis" vert="horz" wrap="square" anchor="ctr" anchorCtr="1"/>
-          <a:lstStyle/>
-          <a:p>
-            <a:pPr>
-              <a:defRPr sz="1197" b="0" i="0" u="none" strike="noStrike" kern="1200" baseline="0">
-                <a:solidFill>
-                  <a:schemeClr val="tx1">
-                    <a:lumMod val="65000"/>
-                    <a:lumOff val="35000"/>
-                  </a:schemeClr>
-                </a:solidFill>
-                <a:latin typeface="+mn-lt"/>
-                <a:ea typeface="+mn-ea"/>
-                <a:cs typeface="+mn-cs"/>
-              </a:defRPr>
-            </a:pPr>
-            <a:endParaRPr lang="en-US"/>
-          </a:p>
-        </c:txPr>
-        <c:crossAx val="228998687"/>
-        <c:crosses val="autoZero"/>
-        <c:auto val="1"/>
-        <c:lblAlgn val="ctr"/>
-        <c:lblOffset val="100"/>
-        <c:noMultiLvlLbl val="0"/>
-      </c:catAx>
-      <c:valAx>
-        <c:axId val="228998687"/>
-        <c:scaling>
-          <c:orientation val="minMax"/>
-        </c:scaling>
-        <c:delete val="0"/>
-        <c:axPos val="l"/>
-        <c:majorGridlines>
-          <c:spPr>
-            <a:ln w="9525" cap="flat" cmpd="sng" algn="ctr">
-              <a:solidFill>
-                <a:schemeClr val="tx1">
-                  <a:lumMod val="15000"/>
-                  <a:lumOff val="85000"/>
-                </a:schemeClr>
-              </a:solidFill>
-              <a:round/>
-            </a:ln>
-            <a:effectLst/>
-          </c:spPr>
-        </c:majorGridlines>
-        <c:numFmt formatCode="General" sourceLinked="1"/>
-        <c:majorTickMark val="none"/>
-        <c:minorTickMark val="none"/>
-        <c:tickLblPos val="nextTo"/>
-        <c:spPr>
-          <a:noFill/>
-          <a:ln>
-            <a:noFill/>
-          </a:ln>
-          <a:effectLst/>
-        </c:spPr>
-        <c:txPr>
-          <a:bodyPr rot="-60000000" spcFirstLastPara="1" vertOverflow="ellipsis" vert="horz" wrap="square" anchor="ctr" anchorCtr="1"/>
-          <a:lstStyle/>
-          <a:p>
-            <a:pPr>
-              <a:defRPr sz="1197" b="0" i="0" u="none" strike="noStrike" kern="1200" baseline="0">
-                <a:solidFill>
-                  <a:schemeClr val="tx1">
-                    <a:lumMod val="65000"/>
-                    <a:lumOff val="35000"/>
-                  </a:schemeClr>
-                </a:solidFill>
-                <a:latin typeface="+mn-lt"/>
-                <a:ea typeface="+mn-ea"/>
-                <a:cs typeface="+mn-cs"/>
-              </a:defRPr>
-            </a:pPr>
-            <a:endParaRPr lang="en-US"/>
-          </a:p>
-        </c:txPr>
-        <c:crossAx val="229001183"/>
-        <c:crosses val="autoZero"/>
-        <c:crossBetween val="between"/>
-      </c:valAx>
-      <c:spPr>
-        <a:noFill/>
-        <a:ln>
-          <a:noFill/>
-        </a:ln>
-        <a:effectLst/>
-      </c:spPr>
-    </c:plotArea>
-    <c:legend>
-      <c:legendPos val="b"/>
-      <c:overlay val="0"/>
-      <c:spPr>
-        <a:noFill/>
-        <a:ln>
-          <a:noFill/>
-        </a:ln>
-        <a:effectLst/>
-      </c:spPr>
-      <c:txPr>
-        <a:bodyPr rot="0" spcFirstLastPara="1" vertOverflow="ellipsis" vert="horz" wrap="square" anchor="ctr" anchorCtr="1"/>
-        <a:lstStyle/>
-        <a:p>
-          <a:pPr>
-            <a:defRPr sz="1197" b="0" i="0" u="none" strike="noStrike" kern="1200" baseline="0">
-              <a:solidFill>
-                <a:schemeClr val="tx1">
-                  <a:lumMod val="65000"/>
-                  <a:lumOff val="35000"/>
-                </a:schemeClr>
-              </a:solidFill>
-              <a:latin typeface="+mn-lt"/>
-              <a:ea typeface="+mn-ea"/>
-              <a:cs typeface="+mn-cs"/>
-            </a:defRPr>
-          </a:pPr>
-          <a:endParaRPr lang="en-US"/>
-        </a:p>
-      </c:txPr>
-    </c:legend>
-    <c:plotVisOnly val="1"/>
-    <c:dispBlanksAs val="gap"/>
-    <c:extLst>
-      <c:ext xmlns:c16r3="http://schemas.microsoft.com/office/drawing/2017/03/chart" uri="{56B9EC1D-385E-4148-901F-78D8002777C0}">
-        <c16r3:dataDisplayOptions16>
-          <c16r3:dispNaAsBlank val="1"/>
-        </c16r3:dataDisplayOptions16>
-      </c:ext>
-    </c:extLst>
-    <c:showDLblsOverMax val="0"/>
-  </c:chart>
-  <c:spPr>
-    <a:noFill/>
-    <a:ln>
-      <a:noFill/>
-    </a:ln>
-    <a:effectLst/>
-  </c:spPr>
-  <c:txPr>
-    <a:bodyPr/>
-    <a:lstStyle/>
-    <a:p>
-      <a:pPr>
-        <a:defRPr/>
-      </a:pPr>
-      <a:endParaRPr lang="en-US"/>
-    </a:p>
-  </c:txPr>
-  <c:externalData r:id="rId3">
-    <c:autoUpdate val="0"/>
-  </c:externalData>
-</c:chartSpace>
-</file>
-
-<file path=ppt/charts/colors1.xml><?xml version="1.0" encoding="utf-8"?>
-<cs:colorStyle xmlns:cs="http://schemas.microsoft.com/office/drawing/2012/chartStyle" xmlns:a="http://schemas.openxmlformats.org/drawingml/2006/main" meth="cycle" id="20">
-  <a:schemeClr val="dk1"/>
-  <cs:variation>
-    <a:tint val="88500"/>
-  </cs:variation>
-  <cs:variation>
-    <a:tint val="55000"/>
-  </cs:variation>
-  <cs:variation>
-    <a:tint val="75000"/>
-  </cs:variation>
-  <cs:variation>
-    <a:tint val="98500"/>
-  </cs:variation>
-  <cs:variation>
-    <a:tint val="30000"/>
-  </cs:variation>
-  <cs:variation>
-    <a:tint val="60000"/>
-  </cs:variation>
-  <cs:variation>
-    <a:tint val="80000"/>
-  </cs:variation>
-</cs:colorStyle>
-</file>
-
-<file path=ppt/charts/style1.xml><?xml version="1.0" encoding="utf-8"?>
-<cs:chartStyle xmlns:cs="http://schemas.microsoft.com/office/drawing/2012/chartStyle" xmlns:a="http://schemas.openxmlformats.org/drawingml/2006/main" id="201">
-  <cs:axisTitle>
-    <cs:lnRef idx="0"/>
-    <cs:fillRef idx="0"/>
-    <cs:effectRef idx="0"/>
-    <cs:fontRef idx="minor">
-      <a:schemeClr val="tx1">
-        <a:lumMod val="65000"/>
-        <a:lumOff val="35000"/>
-      </a:schemeClr>
-    </cs:fontRef>
-    <cs:defRPr sz="1330" kern="1200"/>
-  </cs:axisTitle>
-  <cs:categoryAxis>
-    <cs:lnRef idx="0"/>
-    <cs:fillRef idx="0"/>
-    <cs:effectRef idx="0"/>
-    <cs:fontRef idx="minor">
-      <a:schemeClr val="tx1">
-        <a:lumMod val="65000"/>
-        <a:lumOff val="35000"/>
-      </a:schemeClr>
-    </cs:fontRef>
-    <cs:spPr>
-      <a:ln w="9525" cap="flat" cmpd="sng" algn="ctr">
-        <a:solidFill>
-          <a:schemeClr val="tx1">
-            <a:lumMod val="15000"/>
-            <a:lumOff val="85000"/>
-          </a:schemeClr>
-        </a:solidFill>
-        <a:round/>
-      </a:ln>
-    </cs:spPr>
-    <cs:defRPr sz="1197" kern="1200"/>
-  </cs:categoryAxis>
-  <cs:chartArea mods="allowNoFillOverride allowNoLineOverride">
-    <cs:lnRef idx="0"/>
-    <cs:fillRef idx="0"/>
-    <cs:effectRef idx="0"/>
-    <cs:fontRef idx="minor">
-      <a:schemeClr val="tx1"/>
-    </cs:fontRef>
-    <cs:spPr>
-      <a:solidFill>
-        <a:schemeClr val="bg1"/>
-      </a:solidFill>
-      <a:ln w="9525" cap="flat" cmpd="sng" algn="ctr">
-        <a:solidFill>
-          <a:schemeClr val="tx1">
-            <a:lumMod val="15000"/>
-            <a:lumOff val="85000"/>
-          </a:schemeClr>
-        </a:solidFill>
-        <a:round/>
-      </a:ln>
-    </cs:spPr>
-    <cs:defRPr sz="1330" kern="1200"/>
-  </cs:chartArea>
-  <cs:dataLabel>
-    <cs:lnRef idx="0"/>
-    <cs:fillRef idx="0"/>
-    <cs:effectRef idx="0"/>
-    <cs:fontRef idx="minor">
-      <a:schemeClr val="tx1">
-        <a:lumMod val="75000"/>
-        <a:lumOff val="25000"/>
-      </a:schemeClr>
-    </cs:fontRef>
-    <cs:defRPr sz="1197" kern="1200"/>
-  </cs:dataLabel>
-  <cs:dataLabelCallout>
-    <cs:lnRef idx="0"/>
-    <cs:fillRef idx="0"/>
-    <cs:effectRef idx="0"/>
-    <cs:fontRef idx="minor">
-      <a:schemeClr val="dk1">
-        <a:lumMod val="65000"/>
-        <a:lumOff val="35000"/>
-      </a:schemeClr>
-    </cs:fontRef>
-    <cs:spPr>
-      <a:solidFill>
-        <a:schemeClr val="lt1"/>
-      </a:solidFill>
-      <a:ln>
-        <a:solidFill>
-          <a:schemeClr val="dk1">
-            <a:lumMod val="25000"/>
-            <a:lumOff val="75000"/>
-          </a:schemeClr>
-        </a:solidFill>
-      </a:ln>
-    </cs:spPr>
-    <cs:defRPr sz="1197" kern="1200"/>
-    <cs:bodyPr rot="0" spcFirstLastPara="1" vertOverflow="clip" horzOverflow="clip" vert="horz" wrap="square" lIns="36576" tIns="18288" rIns="36576" bIns="18288" anchor="ctr" anchorCtr="1">
-      <a:spAutoFit/>
-    </cs:bodyPr>
-  </cs:dataLabelCallout>
-  <cs:dataPoint>
-    <cs:lnRef idx="0"/>
-    <cs:fillRef idx="1">
-      <cs:styleClr val="auto"/>
-    </cs:fillRef>
-    <cs:effectRef idx="0"/>
-    <cs:fontRef idx="minor">
-      <a:schemeClr val="tx1"/>
-    </cs:fontRef>
-  </cs:dataPoint>
-  <cs:dataPoint3D>
-    <cs:lnRef idx="0"/>
-    <cs:fillRef idx="1">
-      <cs:styleClr val="auto"/>
-    </cs:fillRef>
-    <cs:effectRef idx="0"/>
-    <cs:fontRef idx="minor">
-      <a:schemeClr val="tx1"/>
-    </cs:fontRef>
-  </cs:dataPoint3D>
-  <cs:dataPointLine>
-    <cs:lnRef idx="0">
-      <cs:styleClr val="auto"/>
-    </cs:lnRef>
-    <cs:fillRef idx="1"/>
-    <cs:effectRef idx="0"/>
-    <cs:fontRef idx="minor">
-      <a:schemeClr val="tx1"/>
-    </cs:fontRef>
-    <cs:spPr>
-      <a:ln w="28575" cap="rnd">
-        <a:solidFill>
-          <a:schemeClr val="phClr"/>
-        </a:solidFill>
-        <a:round/>
-      </a:ln>
-    </cs:spPr>
-  </cs:dataPointLine>
-  <cs:dataPointMarker>
-    <cs:lnRef idx="0">
-      <cs:styleClr val="auto"/>
-    </cs:lnRef>
-    <cs:fillRef idx="1">
-      <cs:styleClr val="auto"/>
-    </cs:fillRef>
-    <cs:effectRef idx="0"/>
-    <cs:fontRef idx="minor">
-      <a:schemeClr val="tx1"/>
-    </cs:fontRef>
-    <cs:spPr>
-      <a:ln w="9525">
-        <a:solidFill>
-          <a:schemeClr val="phClr"/>
-        </a:solidFill>
-      </a:ln>
-    </cs:spPr>
-  </cs:dataPointMarker>
-  <cs:dataPointMarkerLayout symbol="circle" size="5"/>
-  <cs:dataPointWireframe>
-    <cs:lnRef idx="0">
-      <cs:styleClr val="auto"/>
-    </cs:lnRef>
-    <cs:fillRef idx="1"/>
-    <cs:effectRef idx="0"/>
-    <cs:fontRef idx="minor">
-      <a:schemeClr val="tx1"/>
-    </cs:fontRef>
-    <cs:spPr>
-      <a:ln w="9525" cap="rnd">
-        <a:solidFill>
-          <a:schemeClr val="phClr"/>
-        </a:solidFill>
-        <a:round/>
-      </a:ln>
-    </cs:spPr>
-  </cs:dataPointWireframe>
-  <cs:dataTable>
-    <cs:lnRef idx="0"/>
-    <cs:fillRef idx="0"/>
-    <cs:effectRef idx="0"/>
-    <cs:fontRef idx="minor">
-      <a:schemeClr val="tx1">
-        <a:lumMod val="65000"/>
-        <a:lumOff val="35000"/>
-      </a:schemeClr>
-    </cs:fontRef>
-    <cs:spPr>
-      <a:noFill/>
-      <a:ln w="9525" cap="flat" cmpd="sng" algn="ctr">
-        <a:solidFill>
-          <a:schemeClr val="tx1">
-            <a:lumMod val="15000"/>
-            <a:lumOff val="85000"/>
-          </a:schemeClr>
-        </a:solidFill>
-        <a:round/>
-      </a:ln>
-    </cs:spPr>
-    <cs:defRPr sz="1197" kern="1200"/>
-  </cs:dataTable>
-  <cs:downBar>
-    <cs:lnRef idx="0"/>
-    <cs:fillRef idx="0"/>
-    <cs:effectRef idx="0"/>
-    <cs:fontRef idx="minor">
-      <a:schemeClr val="dk1"/>
-    </cs:fontRef>
-    <cs:spPr>
-      <a:solidFill>
-        <a:schemeClr val="dk1">
-          <a:lumMod val="65000"/>
-          <a:lumOff val="35000"/>
-        </a:schemeClr>
-      </a:solidFill>
-      <a:ln w="9525">
-        <a:solidFill>
-          <a:schemeClr val="tx1">
-            <a:lumMod val="65000"/>
-            <a:lumOff val="35000"/>
-          </a:schemeClr>
-        </a:solidFill>
-      </a:ln>
-    </cs:spPr>
-  </cs:downBar>
-  <cs:dropLine>
-    <cs:lnRef idx="0"/>
-    <cs:fillRef idx="0"/>
-    <cs:effectRef idx="0"/>
-    <cs:fontRef idx="minor">
-      <a:schemeClr val="tx1"/>
-    </cs:fontRef>
-    <cs:spPr>
-      <a:ln w="9525" cap="flat" cmpd="sng" algn="ctr">
-        <a:solidFill>
-          <a:schemeClr val="tx1">
-            <a:lumMod val="35000"/>
-            <a:lumOff val="65000"/>
-          </a:schemeClr>
-        </a:solidFill>
-        <a:round/>
-      </a:ln>
-    </cs:spPr>
-  </cs:dropLine>
-  <cs:errorBar>
-    <cs:lnRef idx="0"/>
-    <cs:fillRef idx="0"/>
-    <cs:effectRef idx="0"/>
-    <cs:fontRef idx="minor">
-      <a:schemeClr val="tx1"/>
-    </cs:fontRef>
-    <cs:spPr>
-      <a:ln w="9525" cap="flat" cmpd="sng" algn="ctr">
-        <a:solidFill>
-          <a:schemeClr val="tx1">
-            <a:lumMod val="65000"/>
-            <a:lumOff val="35000"/>
-          </a:schemeClr>
-        </a:solidFill>
-        <a:round/>
-      </a:ln>
-    </cs:spPr>
-  </cs:errorBar>
-  <cs:floor>
-    <cs:lnRef idx="0"/>
-    <cs:fillRef idx="0"/>
-    <cs:effectRef idx="0"/>
-    <cs:fontRef idx="minor">
-      <a:schemeClr val="tx1"/>
-    </cs:fontRef>
-    <cs:spPr>
-      <a:noFill/>
-      <a:ln>
-        <a:noFill/>
-      </a:ln>
-    </cs:spPr>
-  </cs:floor>
-  <cs:gridlineMajor>
-    <cs:lnRef idx="0"/>
-    <cs:fillRef idx="0"/>
-    <cs:effectRef idx="0"/>
-    <cs:fontRef idx="minor">
-      <a:schemeClr val="tx1"/>
-    </cs:fontRef>
-    <cs:spPr>
-      <a:ln w="9525" cap="flat" cmpd="sng" algn="ctr">
-        <a:solidFill>
-          <a:schemeClr val="tx1">
-            <a:lumMod val="15000"/>
-            <a:lumOff val="85000"/>
-          </a:schemeClr>
-        </a:solidFill>
-        <a:round/>
-      </a:ln>
-    </cs:spPr>
-  </cs:gridlineMajor>
-  <cs:gridlineMinor>
-    <cs:lnRef idx="0"/>
-    <cs:fillRef idx="0"/>
-    <cs:effectRef idx="0"/>
-    <cs:fontRef idx="minor">
-      <a:schemeClr val="tx1"/>
-    </cs:fontRef>
-    <cs:spPr>
-      <a:ln w="9525" cap="flat" cmpd="sng" algn="ctr">
-        <a:solidFill>
-          <a:schemeClr val="tx1">
-            <a:lumMod val="5000"/>
-            <a:lumOff val="95000"/>
-          </a:schemeClr>
-        </a:solidFill>
-        <a:round/>
-      </a:ln>
-    </cs:spPr>
-  </cs:gridlineMinor>
-  <cs:hiLoLine>
-    <cs:lnRef idx="0"/>
-    <cs:fillRef idx="0"/>
-    <cs:effectRef idx="0"/>
-    <cs:fontRef idx="minor">
-      <a:schemeClr val="tx1"/>
-    </cs:fontRef>
-    <cs:spPr>
-      <a:ln w="9525" cap="flat" cmpd="sng" algn="ctr">
-        <a:solidFill>
-          <a:schemeClr val="tx1">
-            <a:lumMod val="75000"/>
-            <a:lumOff val="25000"/>
-          </a:schemeClr>
-        </a:solidFill>
-        <a:round/>
-      </a:ln>
-    </cs:spPr>
-  </cs:hiLoLine>
-  <cs:leaderLine>
-    <cs:lnRef idx="0"/>
-    <cs:fillRef idx="0"/>
-    <cs:effectRef idx="0"/>
-    <cs:fontRef idx="minor">
-      <a:schemeClr val="tx1"/>
-    </cs:fontRef>
-    <cs:spPr>
-      <a:ln w="9525" cap="flat" cmpd="sng" algn="ctr">
-        <a:solidFill>
-          <a:schemeClr val="tx1">
-            <a:lumMod val="35000"/>
-            <a:lumOff val="65000"/>
-          </a:schemeClr>
-        </a:solidFill>
-        <a:round/>
-      </a:ln>
-    </cs:spPr>
-  </cs:leaderLine>
-  <cs:legend>
-    <cs:lnRef idx="0"/>
-    <cs:fillRef idx="0"/>
-    <cs:effectRef idx="0"/>
-    <cs:fontRef idx="minor">
-      <a:schemeClr val="tx1">
-        <a:lumMod val="65000"/>
-        <a:lumOff val="35000"/>
-      </a:schemeClr>
-    </cs:fontRef>
-    <cs:defRPr sz="1197" kern="1200"/>
-  </cs:legend>
-  <cs:plotArea mods="allowNoFillOverride allowNoLineOverride">
-    <cs:lnRef idx="0"/>
-    <cs:fillRef idx="0"/>
-    <cs:effectRef idx="0"/>
-    <cs:fontRef idx="minor">
-      <a:schemeClr val="tx1"/>
-    </cs:fontRef>
-  </cs:plotArea>
-  <cs:plotArea3D mods="allowNoFillOverride allowNoLineOverride">
-    <cs:lnRef idx="0"/>
-    <cs:fillRef idx="0"/>
-    <cs:effectRef idx="0"/>
-    <cs:fontRef idx="minor">
-      <a:schemeClr val="tx1"/>
-    </cs:fontRef>
-  </cs:plotArea3D>
-  <cs:seriesAxis>
-    <cs:lnRef idx="0"/>
-    <cs:fillRef idx="0"/>
-    <cs:effectRef idx="0"/>
-    <cs:fontRef idx="minor">
-      <a:schemeClr val="tx1">
-        <a:lumMod val="65000"/>
-        <a:lumOff val="35000"/>
-      </a:schemeClr>
-    </cs:fontRef>
-    <cs:defRPr sz="1197" kern="1200"/>
-  </cs:seriesAxis>
-  <cs:seriesLine>
-    <cs:lnRef idx="0"/>
-    <cs:fillRef idx="0"/>
-    <cs:effectRef idx="0"/>
-    <cs:fontRef idx="minor">
-      <a:schemeClr val="tx1"/>
-    </cs:fontRef>
-    <cs:spPr>
-      <a:ln w="9525" cap="flat" cmpd="sng" algn="ctr">
-        <a:solidFill>
-          <a:schemeClr val="tx1">
-            <a:lumMod val="35000"/>
-            <a:lumOff val="65000"/>
-          </a:schemeClr>
-        </a:solidFill>
-        <a:round/>
-      </a:ln>
-    </cs:spPr>
-  </cs:seriesLine>
-  <cs:title>
-    <cs:lnRef idx="0"/>
-    <cs:fillRef idx="0"/>
-    <cs:effectRef idx="0"/>
-    <cs:fontRef idx="minor">
-      <a:schemeClr val="tx1">
-        <a:lumMod val="65000"/>
-        <a:lumOff val="35000"/>
-      </a:schemeClr>
-    </cs:fontRef>
-    <cs:defRPr sz="1862" b="0" kern="1200" spc="0" baseline="0"/>
-  </cs:title>
-  <cs:trendline>
-    <cs:lnRef idx="0">
-      <cs:styleClr val="auto"/>
-    </cs:lnRef>
-    <cs:fillRef idx="0"/>
-    <cs:effectRef idx="0"/>
-    <cs:fontRef idx="minor">
-      <a:schemeClr val="tx1"/>
-    </cs:fontRef>
-    <cs:spPr>
-      <a:ln w="19050" cap="rnd">
-        <a:solidFill>
-          <a:schemeClr val="phClr"/>
-        </a:solidFill>
-        <a:prstDash val="sysDot"/>
-      </a:ln>
-    </cs:spPr>
-  </cs:trendline>
-  <cs:trendlineLabel>
-    <cs:lnRef idx="0"/>
-    <cs:fillRef idx="0"/>
-    <cs:effectRef idx="0"/>
-    <cs:fontRef idx="minor">
-      <a:schemeClr val="tx1">
-        <a:lumMod val="65000"/>
-        <a:lumOff val="35000"/>
-      </a:schemeClr>
-    </cs:fontRef>
-    <cs:defRPr sz="1197" kern="1200"/>
-  </cs:trendlineLabel>
-  <cs:upBar>
-    <cs:lnRef idx="0"/>
-    <cs:fillRef idx="0"/>
-    <cs:effectRef idx="0"/>
-    <cs:fontRef idx="minor">
-      <a:schemeClr val="dk1"/>
-    </cs:fontRef>
-    <cs:spPr>
-      <a:solidFill>
-        <a:schemeClr val="lt1"/>
-      </a:solidFill>
-      <a:ln w="9525">
-        <a:solidFill>
-          <a:schemeClr val="tx1">
-            <a:lumMod val="15000"/>
-            <a:lumOff val="85000"/>
-          </a:schemeClr>
-        </a:solidFill>
-      </a:ln>
-    </cs:spPr>
-  </cs:upBar>
-  <cs:valueAxis>
-    <cs:lnRef idx="0"/>
-    <cs:fillRef idx="0"/>
-    <cs:effectRef idx="0"/>
-    <cs:fontRef idx="minor">
-      <a:schemeClr val="tx1">
-        <a:lumMod val="65000"/>
-        <a:lumOff val="35000"/>
-      </a:schemeClr>
-    </cs:fontRef>
-    <cs:defRPr sz="1197" kern="1200"/>
-  </cs:valueAxis>
-  <cs:wall>
-    <cs:lnRef idx="0"/>
-    <cs:fillRef idx="0"/>
-    <cs:effectRef idx="0"/>
-    <cs:fontRef idx="minor">
-      <a:schemeClr val="tx1"/>
-    </cs:fontRef>
-    <cs:spPr>
-      <a:noFill/>
-      <a:ln>
-        <a:noFill/>
-      </a:ln>
-    </cs:spPr>
-  </cs:wall>
-</cs:chartStyle>
 </file>
 
 <file path=ppt/diagrams/colors1.xml><?xml version="1.0" encoding="utf-8"?>
@@ -4763,7 +3800,7 @@
           <a:p>
             <a:fld id="{B56F32FC-4BD9-442A-A8C6-51598C909FE3}" type="datetimeFigureOut">
               <a:rPr lang="en-US" smtClean="0"/>
-              <a:t>2/13/2023</a:t>
+              <a:t>2/14/2023</a:t>
             </a:fld>
             <a:endParaRPr lang="en-US" dirty="0"/>
           </a:p>
@@ -4940,7 +3977,7 @@
           <a:p>
             <a:fld id="{056371FA-A98D-41E8-93F4-09945841298A}" type="datetimeFigureOut">
               <a:rPr lang="en-US" smtClean="0"/>
-              <a:t>2/13/2023</a:t>
+              <a:t>2/14/2023</a:t>
             </a:fld>
             <a:endParaRPr lang="en-US" dirty="0"/>
           </a:p>
@@ -15995,7 +15032,7 @@
           <a:p>
             <a:r>
               <a:rPr lang="en-US" dirty="0"/>
-              <a:t>Goals &amp; Requirements</a:t>
+              <a:t>Goals &amp; System Design</a:t>
             </a:r>
           </a:p>
           <a:p>
@@ -16206,17 +15243,43 @@
         </p:nvSpPr>
         <p:spPr>
           <a:xfrm>
-            <a:off x="1362075" y="3660774"/>
-            <a:ext cx="5111750" cy="1525588"/>
-          </a:xfrm>
-        </p:spPr>
-        <p:txBody>
-          <a:bodyPr/>
+            <a:off x="1362074" y="3660774"/>
+            <a:ext cx="5327793" cy="2026204"/>
+          </a:xfrm>
+        </p:spPr>
+        <p:txBody>
+          <a:bodyPr>
+            <a:normAutofit fontScale="85000" lnSpcReduction="20000"/>
+          </a:bodyPr>
           <a:lstStyle/>
           <a:p>
+            <a:pPr marL="285750" indent="-285750">
+              <a:buFont typeface="Arial" panose="020B0604020202020204" pitchFamily="34" charset="0"/>
+              <a:buChar char="•"/>
+            </a:pPr>
             <a:r>
               <a:rPr lang="en-US" dirty="0"/>
-              <a:t>At Contoso, we empower organizations to foster collaborative thinking to further drive workplace innovation. By closing the loop and leveraging agile frameworks, we help business grow organically and foster a consumer-first mindset.​</a:t>
+              <a:t>A Device, Cloud and Processing infrastructure for distributed digital twins of herbaceous plant type greenhouses. </a:t>
+            </a:r>
+          </a:p>
+          <a:p>
+            <a:pPr marL="285750" indent="-285750">
+              <a:buFont typeface="Arial" panose="020B0604020202020204" pitchFamily="34" charset="0"/>
+              <a:buChar char="•"/>
+            </a:pPr>
+            <a:r>
+              <a:rPr lang="en-US" dirty="0"/>
+              <a:t>Taking advantage of dwindling power and hardware cost for edge data ingestion we implement an AI solution in top-view image mapping and detection along with a distributed database cloud solution. </a:t>
+            </a:r>
+          </a:p>
+          <a:p>
+            <a:pPr marL="285750" indent="-285750">
+              <a:buFont typeface="Arial" panose="020B0604020202020204" pitchFamily="34" charset="0"/>
+              <a:buChar char="•"/>
+            </a:pPr>
+            <a:r>
+              <a:rPr lang="en-US" dirty="0"/>
+              <a:t>Our cable-lift low cost and easy installation robot moves through the length of a greenhouse, takes top-down images and in real time maps it’s position while detecting individual plants, saving multiple snapshots for each and forwarding metrics &amp; sensor data to the cloud. </a:t>
             </a:r>
           </a:p>
         </p:txBody>
@@ -16319,6 +15382,734 @@
               <a:t>3</a:t>
             </a:fld>
             <a:endParaRPr lang="en-US" dirty="0"/>
+          </a:p>
+        </p:txBody>
+      </p:sp>
+      <p:pic>
+        <p:nvPicPr>
+          <p:cNvPr id="8" name="Picture 7" descr="A picture containing text, sky&#10;&#10;Description automatically generated">
+            <a:extLst>
+              <a:ext uri="{FF2B5EF4-FFF2-40B4-BE49-F238E27FC236}">
+                <a16:creationId xmlns:a16="http://schemas.microsoft.com/office/drawing/2014/main" id="{FD37F02A-DB20-E032-ACB6-736EB79A77DC}"/>
+              </a:ext>
+            </a:extLst>
+          </p:cNvPr>
+          <p:cNvPicPr>
+            <a:picLocks noChangeAspect="1"/>
+          </p:cNvPicPr>
+          <p:nvPr/>
+        </p:nvPicPr>
+        <p:blipFill>
+          <a:blip r:embed="rId2"/>
+          <a:stretch>
+            <a:fillRect/>
+          </a:stretch>
+        </p:blipFill>
+        <p:spPr>
+          <a:xfrm>
+            <a:off x="8680355" y="3888198"/>
+            <a:ext cx="3200018" cy="2650714"/>
+          </a:xfrm>
+          <a:prstGeom prst="rect">
+            <a:avLst/>
+          </a:prstGeom>
+        </p:spPr>
+      </p:pic>
+      <p:pic>
+        <p:nvPicPr>
+          <p:cNvPr id="10" name="Picture 9" descr="A picture containing outdoor, lush&#10;&#10;Description automatically generated">
+            <a:extLst>
+              <a:ext uri="{FF2B5EF4-FFF2-40B4-BE49-F238E27FC236}">
+                <a16:creationId xmlns:a16="http://schemas.microsoft.com/office/drawing/2014/main" id="{6E588D49-86CC-97FC-4997-122081884E37}"/>
+              </a:ext>
+            </a:extLst>
+          </p:cNvPr>
+          <p:cNvPicPr>
+            <a:picLocks noChangeAspect="1"/>
+          </p:cNvPicPr>
+          <p:nvPr/>
+        </p:nvPicPr>
+        <p:blipFill rotWithShape="1">
+          <a:blip r:embed="rId3"/>
+          <a:srcRect l="5201" r="6265"/>
+          <a:stretch/>
+        </p:blipFill>
+        <p:spPr>
+          <a:xfrm>
+            <a:off x="397921" y="136525"/>
+            <a:ext cx="3427526" cy="1287402"/>
+          </a:xfrm>
+          <a:prstGeom prst="rect">
+            <a:avLst/>
+          </a:prstGeom>
+        </p:spPr>
+      </p:pic>
+      <p:pic>
+        <p:nvPicPr>
+          <p:cNvPr id="12" name="Picture 11" descr="A screenshot of a computer&#10;&#10;Description automatically generated with medium confidence">
+            <a:extLst>
+              <a:ext uri="{FF2B5EF4-FFF2-40B4-BE49-F238E27FC236}">
+                <a16:creationId xmlns:a16="http://schemas.microsoft.com/office/drawing/2014/main" id="{C98D764F-C2A1-ADA1-50EF-54E2C2179FD6}"/>
+              </a:ext>
+            </a:extLst>
+          </p:cNvPr>
+          <p:cNvPicPr>
+            <a:picLocks noChangeAspect="1"/>
+          </p:cNvPicPr>
+          <p:nvPr/>
+        </p:nvPicPr>
+        <p:blipFill rotWithShape="1">
+          <a:blip r:embed="rId4"/>
+          <a:srcRect t="6542"/>
+          <a:stretch/>
+        </p:blipFill>
+        <p:spPr>
+          <a:xfrm>
+            <a:off x="4980434" y="136525"/>
+            <a:ext cx="3427526" cy="1287402"/>
+          </a:xfrm>
+          <a:prstGeom prst="rect">
+            <a:avLst/>
+          </a:prstGeom>
+        </p:spPr>
+      </p:pic>
+      <p:pic>
+        <p:nvPicPr>
+          <p:cNvPr id="19" name="Picture 18" descr="Graphical user interface, chart, application&#10;&#10;Description automatically generated">
+            <a:extLst>
+              <a:ext uri="{FF2B5EF4-FFF2-40B4-BE49-F238E27FC236}">
+                <a16:creationId xmlns:a16="http://schemas.microsoft.com/office/drawing/2014/main" id="{46CCC14D-2017-BFAB-2709-3EF4D3DB7401}"/>
+              </a:ext>
+            </a:extLst>
+          </p:cNvPr>
+          <p:cNvPicPr>
+            <a:picLocks noChangeAspect="1"/>
+          </p:cNvPicPr>
+          <p:nvPr/>
+        </p:nvPicPr>
+        <p:blipFill>
+          <a:blip r:embed="rId5"/>
+          <a:stretch>
+            <a:fillRect/>
+          </a:stretch>
+        </p:blipFill>
+        <p:spPr>
+          <a:xfrm>
+            <a:off x="10135610" y="1774178"/>
+            <a:ext cx="1744763" cy="1886596"/>
+          </a:xfrm>
+          <a:prstGeom prst="rect">
+            <a:avLst/>
+          </a:prstGeom>
+        </p:spPr>
+      </p:pic>
+      <p:cxnSp>
+        <p:nvCxnSpPr>
+          <p:cNvPr id="27" name="Straight Arrow Connector 26">
+            <a:extLst>
+              <a:ext uri="{FF2B5EF4-FFF2-40B4-BE49-F238E27FC236}">
+                <a16:creationId xmlns:a16="http://schemas.microsoft.com/office/drawing/2014/main" id="{59C3945B-AA91-F486-04BD-FC0C31D09924}"/>
+              </a:ext>
+            </a:extLst>
+          </p:cNvPr>
+          <p:cNvCxnSpPr>
+            <a:stCxn id="10" idx="3"/>
+            <a:endCxn id="12" idx="1"/>
+          </p:cNvCxnSpPr>
+          <p:nvPr/>
+        </p:nvCxnSpPr>
+        <p:spPr>
+          <a:xfrm>
+            <a:off x="3825447" y="780226"/>
+            <a:ext cx="1154987" cy="0"/>
+          </a:xfrm>
+          <a:prstGeom prst="straightConnector1">
+            <a:avLst/>
+          </a:prstGeom>
+          <a:ln w="57150">
+            <a:tailEnd type="triangle"/>
+          </a:ln>
+        </p:spPr>
+        <p:style>
+          <a:lnRef idx="1">
+            <a:schemeClr val="accent1"/>
+          </a:lnRef>
+          <a:fillRef idx="0">
+            <a:schemeClr val="accent1"/>
+          </a:fillRef>
+          <a:effectRef idx="0">
+            <a:schemeClr val="accent1"/>
+          </a:effectRef>
+          <a:fontRef idx="minor">
+            <a:schemeClr val="tx1"/>
+          </a:fontRef>
+        </p:style>
+      </p:cxnSp>
+      <p:pic>
+        <p:nvPicPr>
+          <p:cNvPr id="31" name="Picture 30">
+            <a:extLst>
+              <a:ext uri="{FF2B5EF4-FFF2-40B4-BE49-F238E27FC236}">
+                <a16:creationId xmlns:a16="http://schemas.microsoft.com/office/drawing/2014/main" id="{8DBA968B-25C5-6268-B99D-27FEB6E36170}"/>
+              </a:ext>
+            </a:extLst>
+          </p:cNvPr>
+          <p:cNvPicPr>
+            <a:picLocks noChangeAspect="1"/>
+          </p:cNvPicPr>
+          <p:nvPr/>
+        </p:nvPicPr>
+        <p:blipFill>
+          <a:blip r:embed="rId6"/>
+          <a:stretch>
+            <a:fillRect/>
+          </a:stretch>
+        </p:blipFill>
+        <p:spPr>
+          <a:xfrm>
+            <a:off x="9051453" y="1421564"/>
+            <a:ext cx="657317" cy="219106"/>
+          </a:xfrm>
+          <a:prstGeom prst="rect">
+            <a:avLst/>
+          </a:prstGeom>
+        </p:spPr>
+      </p:pic>
+      <p:cxnSp>
+        <p:nvCxnSpPr>
+          <p:cNvPr id="21" name="Connector: Elbow 20">
+            <a:extLst>
+              <a:ext uri="{FF2B5EF4-FFF2-40B4-BE49-F238E27FC236}">
+                <a16:creationId xmlns:a16="http://schemas.microsoft.com/office/drawing/2014/main" id="{7700C4C8-CA20-6428-7498-FBF5B74F4D42}"/>
+              </a:ext>
+            </a:extLst>
+          </p:cNvPr>
+          <p:cNvCxnSpPr>
+            <a:cxnSpLocks/>
+          </p:cNvCxnSpPr>
+          <p:nvPr/>
+        </p:nvCxnSpPr>
+        <p:spPr>
+          <a:xfrm>
+            <a:off x="8403630" y="887416"/>
+            <a:ext cx="1731980" cy="1830060"/>
+          </a:xfrm>
+          <a:prstGeom prst="bentConnector3">
+            <a:avLst/>
+          </a:prstGeom>
+          <a:ln w="57150">
+            <a:tailEnd type="triangle"/>
+          </a:ln>
+        </p:spPr>
+        <p:style>
+          <a:lnRef idx="1">
+            <a:schemeClr val="accent1"/>
+          </a:lnRef>
+          <a:fillRef idx="0">
+            <a:schemeClr val="accent1"/>
+          </a:fillRef>
+          <a:effectRef idx="0">
+            <a:schemeClr val="accent1"/>
+          </a:effectRef>
+          <a:fontRef idx="minor">
+            <a:schemeClr val="tx1"/>
+          </a:fontRef>
+        </p:style>
+      </p:cxnSp>
+      <p:grpSp>
+        <p:nvGrpSpPr>
+          <p:cNvPr id="54" name="Group 53">
+            <a:extLst>
+              <a:ext uri="{FF2B5EF4-FFF2-40B4-BE49-F238E27FC236}">
+                <a16:creationId xmlns:a16="http://schemas.microsoft.com/office/drawing/2014/main" id="{1D1409E7-69E3-E762-BD6A-1F4937953F87}"/>
+              </a:ext>
+            </a:extLst>
+          </p:cNvPr>
+          <p:cNvGrpSpPr/>
+          <p:nvPr/>
+        </p:nvGrpSpPr>
+        <p:grpSpPr>
+          <a:xfrm>
+            <a:off x="193177" y="1562618"/>
+            <a:ext cx="1844572" cy="365125"/>
+            <a:chOff x="370594" y="1555881"/>
+            <a:chExt cx="3517969" cy="729988"/>
+          </a:xfrm>
+        </p:grpSpPr>
+        <p:pic>
+          <p:nvPicPr>
+            <p:cNvPr id="34" name="Picture 33" descr="A picture containing outdoor, plant, tree, lush&#10;&#10;Description automatically generated">
+              <a:extLst>
+                <a:ext uri="{FF2B5EF4-FFF2-40B4-BE49-F238E27FC236}">
+                  <a16:creationId xmlns:a16="http://schemas.microsoft.com/office/drawing/2014/main" id="{E415B087-8273-376C-69EC-3DE1DDF7DDBE}"/>
+                </a:ext>
+              </a:extLst>
+            </p:cNvPr>
+            <p:cNvPicPr>
+              <a:picLocks noChangeAspect="1"/>
+            </p:cNvPicPr>
+            <p:nvPr/>
+          </p:nvPicPr>
+          <p:blipFill>
+            <a:blip r:embed="rId7"/>
+            <a:stretch>
+              <a:fillRect/>
+            </a:stretch>
+          </p:blipFill>
+          <p:spPr>
+            <a:xfrm>
+              <a:off x="370594" y="1570413"/>
+              <a:ext cx="408832" cy="700924"/>
+            </a:xfrm>
+            <a:prstGeom prst="rect">
+              <a:avLst/>
+            </a:prstGeom>
+          </p:spPr>
+        </p:pic>
+        <p:pic>
+          <p:nvPicPr>
+            <p:cNvPr id="39" name="Picture 38" descr="A picture containing outdoor, plant, tree, lush&#10;&#10;Description automatically generated">
+              <a:extLst>
+                <a:ext uri="{FF2B5EF4-FFF2-40B4-BE49-F238E27FC236}">
+                  <a16:creationId xmlns:a16="http://schemas.microsoft.com/office/drawing/2014/main" id="{1B127933-7672-183E-899E-C402323A3CDE}"/>
+                </a:ext>
+              </a:extLst>
+            </p:cNvPr>
+            <p:cNvPicPr>
+              <a:picLocks noChangeAspect="1"/>
+            </p:cNvPicPr>
+            <p:nvPr/>
+          </p:nvPicPr>
+          <p:blipFill>
+            <a:blip r:embed="rId7"/>
+            <a:stretch>
+              <a:fillRect/>
+            </a:stretch>
+          </p:blipFill>
+          <p:spPr>
+            <a:xfrm>
+              <a:off x="901316" y="1570413"/>
+              <a:ext cx="408832" cy="715456"/>
+            </a:xfrm>
+            <a:prstGeom prst="rect">
+              <a:avLst/>
+            </a:prstGeom>
+          </p:spPr>
+        </p:pic>
+        <p:pic>
+          <p:nvPicPr>
+            <p:cNvPr id="40" name="Picture 39" descr="A picture containing outdoor, plant, tree, lush&#10;&#10;Description automatically generated">
+              <a:extLst>
+                <a:ext uri="{FF2B5EF4-FFF2-40B4-BE49-F238E27FC236}">
+                  <a16:creationId xmlns:a16="http://schemas.microsoft.com/office/drawing/2014/main" id="{29C69C9C-1C9B-9C98-60F3-1EFF7F6CC89A}"/>
+                </a:ext>
+              </a:extLst>
+            </p:cNvPr>
+            <p:cNvPicPr>
+              <a:picLocks noChangeAspect="1"/>
+            </p:cNvPicPr>
+            <p:nvPr/>
+          </p:nvPicPr>
+          <p:blipFill>
+            <a:blip r:embed="rId7"/>
+            <a:stretch>
+              <a:fillRect/>
+            </a:stretch>
+          </p:blipFill>
+          <p:spPr>
+            <a:xfrm>
+              <a:off x="1908106" y="1555881"/>
+              <a:ext cx="408832" cy="715456"/>
+            </a:xfrm>
+            <a:prstGeom prst="rect">
+              <a:avLst/>
+            </a:prstGeom>
+          </p:spPr>
+        </p:pic>
+        <p:pic>
+          <p:nvPicPr>
+            <p:cNvPr id="41" name="Picture 40" descr="A picture containing outdoor, plant, tree, lush&#10;&#10;Description automatically generated">
+              <a:extLst>
+                <a:ext uri="{FF2B5EF4-FFF2-40B4-BE49-F238E27FC236}">
+                  <a16:creationId xmlns:a16="http://schemas.microsoft.com/office/drawing/2014/main" id="{F6B31AEE-4D18-85B2-1E87-CFDC6A3498D7}"/>
+                </a:ext>
+              </a:extLst>
+            </p:cNvPr>
+            <p:cNvPicPr>
+              <a:picLocks noChangeAspect="1"/>
+            </p:cNvPicPr>
+            <p:nvPr/>
+          </p:nvPicPr>
+          <p:blipFill>
+            <a:blip r:embed="rId7"/>
+            <a:stretch>
+              <a:fillRect/>
+            </a:stretch>
+          </p:blipFill>
+          <p:spPr>
+            <a:xfrm>
+              <a:off x="1404711" y="1570413"/>
+              <a:ext cx="408832" cy="715456"/>
+            </a:xfrm>
+            <a:prstGeom prst="rect">
+              <a:avLst/>
+            </a:prstGeom>
+          </p:spPr>
+        </p:pic>
+        <p:pic>
+          <p:nvPicPr>
+            <p:cNvPr id="42" name="Picture 41" descr="A picture containing outdoor, plant, tree, lush&#10;&#10;Description automatically generated">
+              <a:extLst>
+                <a:ext uri="{FF2B5EF4-FFF2-40B4-BE49-F238E27FC236}">
+                  <a16:creationId xmlns:a16="http://schemas.microsoft.com/office/drawing/2014/main" id="{C35FF87B-F2DB-BC86-2483-4E883266A4A9}"/>
+                </a:ext>
+              </a:extLst>
+            </p:cNvPr>
+            <p:cNvPicPr>
+              <a:picLocks noChangeAspect="1"/>
+            </p:cNvPicPr>
+            <p:nvPr/>
+          </p:nvPicPr>
+          <p:blipFill>
+            <a:blip r:embed="rId7"/>
+            <a:stretch>
+              <a:fillRect/>
+            </a:stretch>
+          </p:blipFill>
+          <p:spPr>
+            <a:xfrm>
+              <a:off x="2431981" y="1555881"/>
+              <a:ext cx="408832" cy="715456"/>
+            </a:xfrm>
+            <a:prstGeom prst="rect">
+              <a:avLst/>
+            </a:prstGeom>
+          </p:spPr>
+        </p:pic>
+        <p:pic>
+          <p:nvPicPr>
+            <p:cNvPr id="43" name="Picture 42" descr="A picture containing outdoor, plant, tree, lush&#10;&#10;Description automatically generated">
+              <a:extLst>
+                <a:ext uri="{FF2B5EF4-FFF2-40B4-BE49-F238E27FC236}">
+                  <a16:creationId xmlns:a16="http://schemas.microsoft.com/office/drawing/2014/main" id="{6068610A-AE83-C78F-9E97-625E14FB4203}"/>
+                </a:ext>
+              </a:extLst>
+            </p:cNvPr>
+            <p:cNvPicPr>
+              <a:picLocks noChangeAspect="1"/>
+            </p:cNvPicPr>
+            <p:nvPr/>
+          </p:nvPicPr>
+          <p:blipFill>
+            <a:blip r:embed="rId7"/>
+            <a:stretch>
+              <a:fillRect/>
+            </a:stretch>
+          </p:blipFill>
+          <p:spPr>
+            <a:xfrm>
+              <a:off x="2955856" y="1555881"/>
+              <a:ext cx="408832" cy="715456"/>
+            </a:xfrm>
+            <a:prstGeom prst="rect">
+              <a:avLst/>
+            </a:prstGeom>
+          </p:spPr>
+        </p:pic>
+        <p:pic>
+          <p:nvPicPr>
+            <p:cNvPr id="44" name="Picture 43" descr="A picture containing outdoor, plant, tree, lush&#10;&#10;Description automatically generated">
+              <a:extLst>
+                <a:ext uri="{FF2B5EF4-FFF2-40B4-BE49-F238E27FC236}">
+                  <a16:creationId xmlns:a16="http://schemas.microsoft.com/office/drawing/2014/main" id="{A4AB5383-15CB-3598-9ED8-5139D35F0A1A}"/>
+                </a:ext>
+              </a:extLst>
+            </p:cNvPr>
+            <p:cNvPicPr>
+              <a:picLocks noChangeAspect="1"/>
+            </p:cNvPicPr>
+            <p:nvPr/>
+          </p:nvPicPr>
+          <p:blipFill>
+            <a:blip r:embed="rId7"/>
+            <a:stretch>
+              <a:fillRect/>
+            </a:stretch>
+          </p:blipFill>
+          <p:spPr>
+            <a:xfrm>
+              <a:off x="3479731" y="1555881"/>
+              <a:ext cx="408832" cy="715456"/>
+            </a:xfrm>
+            <a:prstGeom prst="rect">
+              <a:avLst/>
+            </a:prstGeom>
+          </p:spPr>
+        </p:pic>
+      </p:grpSp>
+      <p:grpSp>
+        <p:nvGrpSpPr>
+          <p:cNvPr id="55" name="Group 54">
+            <a:extLst>
+              <a:ext uri="{FF2B5EF4-FFF2-40B4-BE49-F238E27FC236}">
+                <a16:creationId xmlns:a16="http://schemas.microsoft.com/office/drawing/2014/main" id="{337A8317-1CCE-9F71-6A7A-C19EB9C4D349}"/>
+              </a:ext>
+            </a:extLst>
+          </p:cNvPr>
+          <p:cNvGrpSpPr/>
+          <p:nvPr/>
+        </p:nvGrpSpPr>
+        <p:grpSpPr>
+          <a:xfrm>
+            <a:off x="2411279" y="1563214"/>
+            <a:ext cx="1844572" cy="365125"/>
+            <a:chOff x="370594" y="1555881"/>
+            <a:chExt cx="3517969" cy="729988"/>
+          </a:xfrm>
+        </p:grpSpPr>
+        <p:pic>
+          <p:nvPicPr>
+            <p:cNvPr id="56" name="Picture 55" descr="A picture containing outdoor, plant, tree, lush&#10;&#10;Description automatically generated">
+              <a:extLst>
+                <a:ext uri="{FF2B5EF4-FFF2-40B4-BE49-F238E27FC236}">
+                  <a16:creationId xmlns:a16="http://schemas.microsoft.com/office/drawing/2014/main" id="{AC9C7B36-C5A6-0AB6-CD56-C34C27529C86}"/>
+                </a:ext>
+              </a:extLst>
+            </p:cNvPr>
+            <p:cNvPicPr>
+              <a:picLocks noChangeAspect="1"/>
+            </p:cNvPicPr>
+            <p:nvPr/>
+          </p:nvPicPr>
+          <p:blipFill>
+            <a:blip r:embed="rId7"/>
+            <a:stretch>
+              <a:fillRect/>
+            </a:stretch>
+          </p:blipFill>
+          <p:spPr>
+            <a:xfrm>
+              <a:off x="370594" y="1570413"/>
+              <a:ext cx="408832" cy="700924"/>
+            </a:xfrm>
+            <a:prstGeom prst="rect">
+              <a:avLst/>
+            </a:prstGeom>
+          </p:spPr>
+        </p:pic>
+        <p:pic>
+          <p:nvPicPr>
+            <p:cNvPr id="57" name="Picture 56" descr="A picture containing outdoor, plant, tree, lush&#10;&#10;Description automatically generated">
+              <a:extLst>
+                <a:ext uri="{FF2B5EF4-FFF2-40B4-BE49-F238E27FC236}">
+                  <a16:creationId xmlns:a16="http://schemas.microsoft.com/office/drawing/2014/main" id="{B891C818-3D04-74F8-8F8B-63A93A361918}"/>
+                </a:ext>
+              </a:extLst>
+            </p:cNvPr>
+            <p:cNvPicPr>
+              <a:picLocks noChangeAspect="1"/>
+            </p:cNvPicPr>
+            <p:nvPr/>
+          </p:nvPicPr>
+          <p:blipFill>
+            <a:blip r:embed="rId7"/>
+            <a:stretch>
+              <a:fillRect/>
+            </a:stretch>
+          </p:blipFill>
+          <p:spPr>
+            <a:xfrm>
+              <a:off x="901316" y="1570413"/>
+              <a:ext cx="408832" cy="715456"/>
+            </a:xfrm>
+            <a:prstGeom prst="rect">
+              <a:avLst/>
+            </a:prstGeom>
+          </p:spPr>
+        </p:pic>
+        <p:pic>
+          <p:nvPicPr>
+            <p:cNvPr id="58" name="Picture 57" descr="A picture containing outdoor, plant, tree, lush&#10;&#10;Description automatically generated">
+              <a:extLst>
+                <a:ext uri="{FF2B5EF4-FFF2-40B4-BE49-F238E27FC236}">
+                  <a16:creationId xmlns:a16="http://schemas.microsoft.com/office/drawing/2014/main" id="{3D9FB10E-DDE6-33C9-B100-3613756DE60B}"/>
+                </a:ext>
+              </a:extLst>
+            </p:cNvPr>
+            <p:cNvPicPr>
+              <a:picLocks noChangeAspect="1"/>
+            </p:cNvPicPr>
+            <p:nvPr/>
+          </p:nvPicPr>
+          <p:blipFill>
+            <a:blip r:embed="rId7"/>
+            <a:stretch>
+              <a:fillRect/>
+            </a:stretch>
+          </p:blipFill>
+          <p:spPr>
+            <a:xfrm>
+              <a:off x="1908106" y="1555881"/>
+              <a:ext cx="408832" cy="715456"/>
+            </a:xfrm>
+            <a:prstGeom prst="rect">
+              <a:avLst/>
+            </a:prstGeom>
+          </p:spPr>
+        </p:pic>
+        <p:pic>
+          <p:nvPicPr>
+            <p:cNvPr id="59" name="Picture 58" descr="A picture containing outdoor, plant, tree, lush&#10;&#10;Description automatically generated">
+              <a:extLst>
+                <a:ext uri="{FF2B5EF4-FFF2-40B4-BE49-F238E27FC236}">
+                  <a16:creationId xmlns:a16="http://schemas.microsoft.com/office/drawing/2014/main" id="{C3B62722-A8A0-BC7B-DEFC-B6991D8A2B17}"/>
+                </a:ext>
+              </a:extLst>
+            </p:cNvPr>
+            <p:cNvPicPr>
+              <a:picLocks noChangeAspect="1"/>
+            </p:cNvPicPr>
+            <p:nvPr/>
+          </p:nvPicPr>
+          <p:blipFill>
+            <a:blip r:embed="rId7"/>
+            <a:stretch>
+              <a:fillRect/>
+            </a:stretch>
+          </p:blipFill>
+          <p:spPr>
+            <a:xfrm>
+              <a:off x="1404711" y="1570413"/>
+              <a:ext cx="408832" cy="715456"/>
+            </a:xfrm>
+            <a:prstGeom prst="rect">
+              <a:avLst/>
+            </a:prstGeom>
+          </p:spPr>
+        </p:pic>
+        <p:pic>
+          <p:nvPicPr>
+            <p:cNvPr id="60" name="Picture 59" descr="A picture containing outdoor, plant, tree, lush&#10;&#10;Description automatically generated">
+              <a:extLst>
+                <a:ext uri="{FF2B5EF4-FFF2-40B4-BE49-F238E27FC236}">
+                  <a16:creationId xmlns:a16="http://schemas.microsoft.com/office/drawing/2014/main" id="{04471F3B-93FA-0682-D71B-A7CE2032E968}"/>
+                </a:ext>
+              </a:extLst>
+            </p:cNvPr>
+            <p:cNvPicPr>
+              <a:picLocks noChangeAspect="1"/>
+            </p:cNvPicPr>
+            <p:nvPr/>
+          </p:nvPicPr>
+          <p:blipFill>
+            <a:blip r:embed="rId7"/>
+            <a:stretch>
+              <a:fillRect/>
+            </a:stretch>
+          </p:blipFill>
+          <p:spPr>
+            <a:xfrm>
+              <a:off x="2431981" y="1555881"/>
+              <a:ext cx="408832" cy="715456"/>
+            </a:xfrm>
+            <a:prstGeom prst="rect">
+              <a:avLst/>
+            </a:prstGeom>
+          </p:spPr>
+        </p:pic>
+        <p:pic>
+          <p:nvPicPr>
+            <p:cNvPr id="61" name="Picture 60" descr="A picture containing outdoor, plant, tree, lush&#10;&#10;Description automatically generated">
+              <a:extLst>
+                <a:ext uri="{FF2B5EF4-FFF2-40B4-BE49-F238E27FC236}">
+                  <a16:creationId xmlns:a16="http://schemas.microsoft.com/office/drawing/2014/main" id="{B07E5925-EBA3-AD7C-6FC0-CEB3D678FA96}"/>
+                </a:ext>
+              </a:extLst>
+            </p:cNvPr>
+            <p:cNvPicPr>
+              <a:picLocks noChangeAspect="1"/>
+            </p:cNvPicPr>
+            <p:nvPr/>
+          </p:nvPicPr>
+          <p:blipFill>
+            <a:blip r:embed="rId7"/>
+            <a:stretch>
+              <a:fillRect/>
+            </a:stretch>
+          </p:blipFill>
+          <p:spPr>
+            <a:xfrm>
+              <a:off x="2955856" y="1555881"/>
+              <a:ext cx="408832" cy="715456"/>
+            </a:xfrm>
+            <a:prstGeom prst="rect">
+              <a:avLst/>
+            </a:prstGeom>
+          </p:spPr>
+        </p:pic>
+        <p:pic>
+          <p:nvPicPr>
+            <p:cNvPr id="62" name="Picture 61" descr="A picture containing outdoor, plant, tree, lush&#10;&#10;Description automatically generated">
+              <a:extLst>
+                <a:ext uri="{FF2B5EF4-FFF2-40B4-BE49-F238E27FC236}">
+                  <a16:creationId xmlns:a16="http://schemas.microsoft.com/office/drawing/2014/main" id="{E830B301-4B2C-8696-0F76-20E662CA5866}"/>
+                </a:ext>
+              </a:extLst>
+            </p:cNvPr>
+            <p:cNvPicPr>
+              <a:picLocks noChangeAspect="1"/>
+            </p:cNvPicPr>
+            <p:nvPr/>
+          </p:nvPicPr>
+          <p:blipFill>
+            <a:blip r:embed="rId7"/>
+            <a:stretch>
+              <a:fillRect/>
+            </a:stretch>
+          </p:blipFill>
+          <p:spPr>
+            <a:xfrm>
+              <a:off x="3479731" y="1555881"/>
+              <a:ext cx="408832" cy="715456"/>
+            </a:xfrm>
+            <a:prstGeom prst="rect">
+              <a:avLst/>
+            </a:prstGeom>
+          </p:spPr>
+        </p:pic>
+      </p:grpSp>
+      <p:sp>
+        <p:nvSpPr>
+          <p:cNvPr id="64" name="TextBox 63">
+            <a:extLst>
+              <a:ext uri="{FF2B5EF4-FFF2-40B4-BE49-F238E27FC236}">
+                <a16:creationId xmlns:a16="http://schemas.microsoft.com/office/drawing/2014/main" id="{D9E3A449-5390-08A1-EA18-7A77D8E62C05}"/>
+              </a:ext>
+            </a:extLst>
+          </p:cNvPr>
+          <p:cNvSpPr txBox="1"/>
+          <p:nvPr/>
+        </p:nvSpPr>
+        <p:spPr>
+          <a:xfrm>
+            <a:off x="1967049" y="1486973"/>
+            <a:ext cx="523204" cy="369332"/>
+          </a:xfrm>
+          <a:prstGeom prst="rect">
+            <a:avLst/>
+          </a:prstGeom>
+          <a:noFill/>
+        </p:spPr>
+        <p:txBody>
+          <a:bodyPr wrap="square">
+            <a:spAutoFit/>
+          </a:bodyPr>
+          <a:lstStyle/>
+          <a:p>
+            <a:r>
+              <a:rPr lang="en-US" dirty="0"/>
+              <a:t>…..</a:t>
+            </a:r>
           </a:p>
         </p:txBody>
       </p:sp>
@@ -16370,8 +16161,8 @@
         </p:nvSpPr>
         <p:spPr>
           <a:xfrm>
-            <a:off x="6991350" y="2148840"/>
-            <a:ext cx="4179570" cy="1715531"/>
+            <a:off x="6096000" y="206062"/>
+            <a:ext cx="4179570" cy="721926"/>
           </a:xfrm>
         </p:spPr>
         <p:txBody>
@@ -16403,18 +16194,446 @@
         </p:nvSpPr>
         <p:spPr>
           <a:xfrm>
-            <a:off x="6991350" y="3962003"/>
-            <a:ext cx="4179570" cy="365125"/>
-          </a:xfrm>
-        </p:spPr>
-        <p:txBody>
-          <a:bodyPr/>
+            <a:off x="6096000" y="1169337"/>
+            <a:ext cx="4179570" cy="1715531"/>
+          </a:xfrm>
+        </p:spPr>
+        <p:txBody>
+          <a:bodyPr>
+            <a:normAutofit/>
+          </a:bodyPr>
           <a:lstStyle/>
           <a:p>
+            <a:pPr marL="285750" indent="-285750">
+              <a:buFont typeface="Arial" panose="020B0604020202020204" pitchFamily="34" charset="0"/>
+              <a:buChar char="•"/>
+            </a:pPr>
             <a:r>
               <a:rPr lang="en-US" dirty="0"/>
-              <a:t>Annual revenue growth</a:t>
-            </a:r>
+              <a:t>Low cellular data usage</a:t>
+            </a:r>
+          </a:p>
+          <a:p>
+            <a:pPr marL="285750" indent="-285750">
+              <a:buFont typeface="Arial" panose="020B0604020202020204" pitchFamily="34" charset="0"/>
+              <a:buChar char="•"/>
+            </a:pPr>
+            <a:r>
+              <a:rPr lang="en-US" dirty="0"/>
+              <a:t>Inexpensive hardware &amp; installation</a:t>
+            </a:r>
+          </a:p>
+          <a:p>
+            <a:pPr marL="285750" indent="-285750">
+              <a:buFont typeface="Arial" panose="020B0604020202020204" pitchFamily="34" charset="0"/>
+              <a:buChar char="•"/>
+            </a:pPr>
+            <a:r>
+              <a:rPr lang="en-US" dirty="0"/>
+              <a:t>Full digital representation</a:t>
+            </a:r>
+          </a:p>
+        </p:txBody>
+      </p:sp>
+      <p:sp>
+        <p:nvSpPr>
+          <p:cNvPr id="7" name="TextBox 6">
+            <a:extLst>
+              <a:ext uri="{FF2B5EF4-FFF2-40B4-BE49-F238E27FC236}">
+                <a16:creationId xmlns:a16="http://schemas.microsoft.com/office/drawing/2014/main" id="{DC8F745A-C438-857C-8A84-9A1969B73AEE}"/>
+              </a:ext>
+            </a:extLst>
+          </p:cNvPr>
+          <p:cNvSpPr txBox="1"/>
+          <p:nvPr/>
+        </p:nvSpPr>
+        <p:spPr>
+          <a:xfrm>
+            <a:off x="8772042" y="861560"/>
+            <a:ext cx="1711280" cy="307777"/>
+          </a:xfrm>
+          <a:prstGeom prst="rect">
+            <a:avLst/>
+          </a:prstGeom>
+          <a:noFill/>
+        </p:spPr>
+        <p:txBody>
+          <a:bodyPr wrap="square">
+            <a:spAutoFit/>
+          </a:bodyPr>
+          <a:lstStyle/>
+          <a:p>
+            <a:r>
+              <a:rPr lang="en-US" sz="1400" i="1" dirty="0">
+                <a:solidFill>
+                  <a:schemeClr val="bg1"/>
+                </a:solidFill>
+              </a:rPr>
+              <a:t>Optimization Axes </a:t>
+            </a:r>
+          </a:p>
+        </p:txBody>
+      </p:sp>
+      <p:sp>
+        <p:nvSpPr>
+          <p:cNvPr id="15" name="TextBox 14">
+            <a:extLst>
+              <a:ext uri="{FF2B5EF4-FFF2-40B4-BE49-F238E27FC236}">
+                <a16:creationId xmlns:a16="http://schemas.microsoft.com/office/drawing/2014/main" id="{0F76AEB9-F409-4DD4-AC0D-F7AD92C95C1F}"/>
+              </a:ext>
+            </a:extLst>
+          </p:cNvPr>
+          <p:cNvSpPr txBox="1"/>
+          <p:nvPr/>
+        </p:nvSpPr>
+        <p:spPr>
+          <a:xfrm>
+            <a:off x="6096000" y="2609998"/>
+            <a:ext cx="6094926" cy="646331"/>
+          </a:xfrm>
+          <a:prstGeom prst="rect">
+            <a:avLst/>
+          </a:prstGeom>
+          <a:noFill/>
+        </p:spPr>
+        <p:txBody>
+          <a:bodyPr wrap="square">
+            <a:spAutoFit/>
+          </a:bodyPr>
+          <a:lstStyle/>
+          <a:p>
+            <a:r>
+              <a:rPr lang="en-US" sz="3600" cap="all" spc="150" dirty="0">
+                <a:solidFill>
+                  <a:prstClr val="white"/>
+                </a:solidFill>
+                <a:latin typeface="Tenorite"/>
+                <a:ea typeface="+mj-ea"/>
+                <a:cs typeface="+mj-cs"/>
+              </a:rPr>
+              <a:t>ARCHITECTURAL CHOICES</a:t>
+            </a:r>
+            <a:endParaRPr lang="en-US" dirty="0"/>
+          </a:p>
+        </p:txBody>
+      </p:sp>
+      <p:sp>
+        <p:nvSpPr>
+          <p:cNvPr id="19" name="TextBox 18">
+            <a:extLst>
+              <a:ext uri="{FF2B5EF4-FFF2-40B4-BE49-F238E27FC236}">
+                <a16:creationId xmlns:a16="http://schemas.microsoft.com/office/drawing/2014/main" id="{53A2202B-6FAE-7F79-A852-E422A33619B8}"/>
+              </a:ext>
+            </a:extLst>
+          </p:cNvPr>
+          <p:cNvSpPr txBox="1"/>
+          <p:nvPr/>
+        </p:nvSpPr>
+        <p:spPr>
+          <a:xfrm>
+            <a:off x="10483322" y="3049922"/>
+            <a:ext cx="1377316" cy="379078"/>
+          </a:xfrm>
+          <a:prstGeom prst="rect">
+            <a:avLst/>
+          </a:prstGeom>
+          <a:noFill/>
+        </p:spPr>
+        <p:txBody>
+          <a:bodyPr wrap="square">
+            <a:spAutoFit/>
+          </a:bodyPr>
+          <a:lstStyle/>
+          <a:p>
+            <a:pPr marL="0" marR="0" lvl="0" indent="0" algn="l" defTabSz="914400" rtl="0" eaLnBrk="1" fontAlgn="auto" latinLnBrk="0" hangingPunct="1">
+              <a:lnSpc>
+                <a:spcPct val="150000"/>
+              </a:lnSpc>
+              <a:spcBef>
+                <a:spcPts val="1000"/>
+              </a:spcBef>
+              <a:spcAft>
+                <a:spcPts val="0"/>
+              </a:spcAft>
+              <a:buClrTx/>
+              <a:buSzTx/>
+              <a:buFont typeface="Arial" panose="020B0604020202020204" pitchFamily="34" charset="0"/>
+              <a:buNone/>
+              <a:tabLst/>
+              <a:defRPr/>
+            </a:pPr>
+            <a:r>
+              <a:rPr kumimoji="0" lang="en-US" sz="1400" b="0" i="1" strike="noStrike" kern="1200" cap="none" spc="0" normalizeH="0" baseline="0" noProof="0" dirty="0">
+                <a:ln>
+                  <a:noFill/>
+                </a:ln>
+                <a:solidFill>
+                  <a:prstClr val="white"/>
+                </a:solidFill>
+                <a:effectLst/>
+                <a:uLnTx/>
+                <a:uFillTx/>
+                <a:latin typeface="Tenorite"/>
+                <a:ea typeface="+mn-ea"/>
+                <a:cs typeface="+mn-cs"/>
+              </a:rPr>
+              <a:t>System Design</a:t>
+            </a:r>
+          </a:p>
+        </p:txBody>
+      </p:sp>
+      <p:sp>
+        <p:nvSpPr>
+          <p:cNvPr id="21" name="TextBox 20">
+            <a:extLst>
+              <a:ext uri="{FF2B5EF4-FFF2-40B4-BE49-F238E27FC236}">
+                <a16:creationId xmlns:a16="http://schemas.microsoft.com/office/drawing/2014/main" id="{AE98FE2C-4211-51A5-9D21-552DA7116331}"/>
+              </a:ext>
+            </a:extLst>
+          </p:cNvPr>
+          <p:cNvSpPr txBox="1"/>
+          <p:nvPr/>
+        </p:nvSpPr>
+        <p:spPr>
+          <a:xfrm>
+            <a:off x="6127125" y="3395854"/>
+            <a:ext cx="6127124" cy="1962589"/>
+          </a:xfrm>
+          <a:prstGeom prst="rect">
+            <a:avLst/>
+          </a:prstGeom>
+          <a:noFill/>
+        </p:spPr>
+        <p:txBody>
+          <a:bodyPr wrap="square">
+            <a:spAutoFit/>
+          </a:bodyPr>
+          <a:lstStyle/>
+          <a:p>
+            <a:pPr marL="285750" marR="0" lvl="0" indent="-285750" algn="l" defTabSz="914400" rtl="0" eaLnBrk="1" fontAlgn="auto" latinLnBrk="0" hangingPunct="1">
+              <a:lnSpc>
+                <a:spcPct val="90000"/>
+              </a:lnSpc>
+              <a:spcBef>
+                <a:spcPts val="1000"/>
+              </a:spcBef>
+              <a:spcAft>
+                <a:spcPts val="0"/>
+              </a:spcAft>
+              <a:buClrTx/>
+              <a:buSzTx/>
+              <a:buFont typeface="Arial" panose="020B0604020202020204" pitchFamily="34" charset="0"/>
+              <a:buChar char="•"/>
+              <a:tabLst/>
+              <a:defRPr/>
+            </a:pPr>
+            <a:r>
+              <a:rPr lang="en-US" sz="1400" dirty="0">
+                <a:solidFill>
+                  <a:prstClr val="white"/>
+                </a:solidFill>
+                <a:latin typeface="Tenorite"/>
+              </a:rPr>
+              <a:t>Mapping and detection on edge (cost, data usage) </a:t>
+            </a:r>
+            <a:endParaRPr kumimoji="0" lang="en-US" sz="1400" b="0" i="0" u="none" strike="noStrike" kern="1200" cap="none" spc="0" normalizeH="0" baseline="0" noProof="0" dirty="0">
+              <a:ln>
+                <a:noFill/>
+              </a:ln>
+              <a:solidFill>
+                <a:prstClr val="white"/>
+              </a:solidFill>
+              <a:effectLst/>
+              <a:uLnTx/>
+              <a:uFillTx/>
+              <a:latin typeface="Tenorite"/>
+              <a:ea typeface="+mn-ea"/>
+              <a:cs typeface="+mn-cs"/>
+            </a:endParaRPr>
+          </a:p>
+          <a:p>
+            <a:pPr marL="285750" marR="0" lvl="0" indent="-285750" algn="l" defTabSz="914400" rtl="0" eaLnBrk="1" fontAlgn="auto" latinLnBrk="0" hangingPunct="1">
+              <a:lnSpc>
+                <a:spcPct val="90000"/>
+              </a:lnSpc>
+              <a:spcBef>
+                <a:spcPts val="1000"/>
+              </a:spcBef>
+              <a:spcAft>
+                <a:spcPts val="0"/>
+              </a:spcAft>
+              <a:buClrTx/>
+              <a:buSzTx/>
+              <a:buFont typeface="Arial" panose="020B0604020202020204" pitchFamily="34" charset="0"/>
+              <a:buChar char="•"/>
+              <a:tabLst/>
+              <a:defRPr/>
+            </a:pPr>
+            <a:r>
+              <a:rPr lang="en-US" sz="1400" dirty="0">
+                <a:solidFill>
+                  <a:prstClr val="white"/>
+                </a:solidFill>
+                <a:latin typeface="Tenorite"/>
+              </a:rPr>
+              <a:t>Metrics extraction on site , updating central Db only for metrics </a:t>
+            </a:r>
+            <a:br>
+              <a:rPr lang="en-US" sz="1400" dirty="0">
+                <a:solidFill>
+                  <a:prstClr val="white"/>
+                </a:solidFill>
+                <a:latin typeface="Tenorite"/>
+              </a:rPr>
+            </a:br>
+            <a:r>
+              <a:rPr lang="en-US" sz="1400" dirty="0">
+                <a:solidFill>
+                  <a:prstClr val="white"/>
+                </a:solidFill>
+                <a:latin typeface="Tenorite"/>
+              </a:rPr>
+              <a:t>(data usage)</a:t>
+            </a:r>
+            <a:endParaRPr kumimoji="0" lang="en-US" sz="1400" b="0" i="0" u="none" strike="noStrike" kern="1200" cap="none" spc="0" normalizeH="0" baseline="0" noProof="0" dirty="0">
+              <a:ln>
+                <a:noFill/>
+              </a:ln>
+              <a:solidFill>
+                <a:prstClr val="white"/>
+              </a:solidFill>
+              <a:effectLst/>
+              <a:uLnTx/>
+              <a:uFillTx/>
+              <a:latin typeface="Tenorite"/>
+              <a:ea typeface="+mn-ea"/>
+              <a:cs typeface="+mn-cs"/>
+            </a:endParaRPr>
+          </a:p>
+          <a:p>
+            <a:pPr marL="285750" indent="-285750">
+              <a:lnSpc>
+                <a:spcPct val="90000"/>
+              </a:lnSpc>
+              <a:spcBef>
+                <a:spcPts val="1000"/>
+              </a:spcBef>
+              <a:buFont typeface="Arial" panose="020B0604020202020204" pitchFamily="34" charset="0"/>
+              <a:buChar char="•"/>
+              <a:defRPr/>
+            </a:pPr>
+            <a:r>
+              <a:rPr lang="en-US" sz="1400" dirty="0">
+                <a:solidFill>
+                  <a:prstClr val="white"/>
+                </a:solidFill>
+                <a:latin typeface="Tenorite"/>
+              </a:rPr>
+              <a:t>On demand access to media through distributed Db, central Db cache</a:t>
+            </a:r>
+            <a:br>
+              <a:rPr lang="en-US" sz="1400" dirty="0">
+                <a:solidFill>
+                  <a:prstClr val="white"/>
+                </a:solidFill>
+                <a:latin typeface="Tenorite"/>
+              </a:rPr>
+            </a:br>
+            <a:r>
+              <a:rPr lang="en-US" sz="1400" dirty="0">
+                <a:solidFill>
+                  <a:prstClr val="white"/>
+                </a:solidFill>
+                <a:latin typeface="Tenorite"/>
+              </a:rPr>
+              <a:t>(data usage)</a:t>
+            </a:r>
+          </a:p>
+          <a:p>
+            <a:pPr marL="285750" indent="-285750">
+              <a:lnSpc>
+                <a:spcPct val="90000"/>
+              </a:lnSpc>
+              <a:spcBef>
+                <a:spcPts val="1000"/>
+              </a:spcBef>
+              <a:buFont typeface="Arial" panose="020B0604020202020204" pitchFamily="34" charset="0"/>
+              <a:buChar char="•"/>
+              <a:defRPr/>
+            </a:pPr>
+            <a:r>
+              <a:rPr kumimoji="0" lang="en-US" sz="1400" b="0" i="0" u="none" strike="noStrike" kern="1200" cap="none" spc="0" normalizeH="0" baseline="0" noProof="0" dirty="0">
+                <a:ln>
+                  <a:noFill/>
+                </a:ln>
+                <a:solidFill>
+                  <a:prstClr val="white"/>
+                </a:solidFill>
+                <a:effectLst/>
+                <a:uLnTx/>
+                <a:uFillTx/>
+                <a:latin typeface="Tenorite"/>
+                <a:ea typeface="+mn-ea"/>
+                <a:cs typeface="+mn-cs"/>
+              </a:rPr>
+              <a:t>LAN option for data extraction </a:t>
+            </a:r>
+            <a:r>
+              <a:rPr lang="en-US" sz="1400" dirty="0">
+                <a:solidFill>
+                  <a:prstClr val="white"/>
+                </a:solidFill>
+                <a:latin typeface="Tenorite"/>
+              </a:rPr>
+              <a:t>(data usage)</a:t>
+            </a:r>
+            <a:endParaRPr kumimoji="0" lang="en-US" sz="1400" b="0" i="0" u="none" strike="noStrike" kern="1200" cap="none" spc="0" normalizeH="0" baseline="0" noProof="0" dirty="0">
+              <a:ln>
+                <a:noFill/>
+              </a:ln>
+              <a:solidFill>
+                <a:prstClr val="white"/>
+              </a:solidFill>
+              <a:effectLst/>
+              <a:uLnTx/>
+              <a:uFillTx/>
+              <a:latin typeface="Tenorite"/>
+              <a:ea typeface="+mn-ea"/>
+              <a:cs typeface="+mn-cs"/>
+            </a:endParaRPr>
+          </a:p>
+          <a:p>
+            <a:pPr marL="285750" marR="0" lvl="0" indent="-285750" algn="l" defTabSz="914400" rtl="0" eaLnBrk="1" fontAlgn="auto" latinLnBrk="0" hangingPunct="1">
+              <a:lnSpc>
+                <a:spcPct val="90000"/>
+              </a:lnSpc>
+              <a:spcBef>
+                <a:spcPts val="1000"/>
+              </a:spcBef>
+              <a:spcAft>
+                <a:spcPts val="0"/>
+              </a:spcAft>
+              <a:buClrTx/>
+              <a:buSzTx/>
+              <a:buFont typeface="Arial" panose="020B0604020202020204" pitchFamily="34" charset="0"/>
+              <a:buChar char="•"/>
+              <a:tabLst/>
+              <a:defRPr/>
+            </a:pPr>
+            <a:endParaRPr kumimoji="0" lang="en-US" sz="1400" b="0" i="0" u="none" strike="noStrike" kern="1200" cap="none" spc="0" normalizeH="0" baseline="0" noProof="0" dirty="0">
+              <a:ln>
+                <a:noFill/>
+              </a:ln>
+              <a:solidFill>
+                <a:prstClr val="white"/>
+              </a:solidFill>
+              <a:effectLst/>
+              <a:uLnTx/>
+              <a:uFillTx/>
+              <a:latin typeface="Tenorite"/>
+              <a:ea typeface="+mn-ea"/>
+              <a:cs typeface="+mn-cs"/>
+            </a:endParaRPr>
           </a:p>
         </p:txBody>
       </p:sp>
@@ -16476,7 +16695,7 @@
           <a:p>
             <a:r>
               <a:rPr lang="en-US" dirty="0"/>
-              <a:t>QUARTERLY PERFORMANCE</a:t>
+              <a:t>Architecture</a:t>
             </a:r>
           </a:p>
         </p:txBody>
@@ -16582,37 +16801,36 @@
           </a:p>
         </p:txBody>
       </p:sp>
-      <p:graphicFrame>
-        <p:nvGraphicFramePr>
-          <p:cNvPr id="6" name="Chart Placeholder 5" descr="Chart Placeholder">
-            <a:extLst>
-              <a:ext uri="{FF2B5EF4-FFF2-40B4-BE49-F238E27FC236}">
-                <a16:creationId xmlns:a16="http://schemas.microsoft.com/office/drawing/2014/main" id="{6F154ED7-FC5F-4626-9DAE-6254091B6B49}"/>
-              </a:ext>
-            </a:extLst>
-          </p:cNvPr>
-          <p:cNvGraphicFramePr>
-            <a:graphicFrameLocks noGrp="1"/>
-          </p:cNvGraphicFramePr>
-          <p:nvPr>
-            <p:ph type="chart" sz="quarter" idx="13"/>
-            <p:extLst>
-              <p:ext uri="{D42A27DB-BD31-4B8C-83A1-F6EECF244321}">
-                <p14:modId xmlns:p14="http://schemas.microsoft.com/office/powerpoint/2010/main" val="1404550861"/>
-              </p:ext>
-            </p:extLst>
-          </p:nvPr>
-        </p:nvGraphicFramePr>
-        <p:xfrm>
-          <a:off x="838200" y="2111375"/>
-          <a:ext cx="10515600" cy="3744913"/>
-        </p:xfrm>
-        <a:graphic>
-          <a:graphicData uri="http://schemas.openxmlformats.org/drawingml/2006/chart">
-            <c:chart xmlns:c="http://schemas.openxmlformats.org/drawingml/2006/chart" xmlns:r="http://schemas.openxmlformats.org/officeDocument/2006/relationships" r:id="rId2"/>
-          </a:graphicData>
-        </a:graphic>
-      </p:graphicFrame>
+      <p:pic>
+        <p:nvPicPr>
+          <p:cNvPr id="7" name="Picture 6">
+            <a:extLst>
+              <a:ext uri="{FF2B5EF4-FFF2-40B4-BE49-F238E27FC236}">
+                <a16:creationId xmlns:a16="http://schemas.microsoft.com/office/drawing/2014/main" id="{4A6BBBC6-390A-8227-4896-553900EA5DD9}"/>
+              </a:ext>
+            </a:extLst>
+          </p:cNvPr>
+          <p:cNvPicPr>
+            <a:picLocks noChangeAspect="1"/>
+          </p:cNvPicPr>
+          <p:nvPr/>
+        </p:nvPicPr>
+        <p:blipFill>
+          <a:blip r:embed="rId2"/>
+          <a:stretch>
+            <a:fillRect/>
+          </a:stretch>
+        </p:blipFill>
+        <p:spPr>
+          <a:xfrm>
+            <a:off x="367048" y="1690688"/>
+            <a:ext cx="5036181" cy="3912603"/>
+          </a:xfrm>
+          <a:prstGeom prst="rect">
+            <a:avLst/>
+          </a:prstGeom>
+        </p:spPr>
+      </p:pic>
     </p:spTree>
     <p:extLst>
       <p:ext uri="{BB962C8B-B14F-4D97-AF65-F5344CB8AC3E}">
@@ -20206,6 +20424,15 @@
 </file>
 
 <file path=customXml/item1.xml><?xml version="1.0" encoding="utf-8"?>
+<?mso-contentType ?>
+<FormTemplates xmlns="http://schemas.microsoft.com/sharepoint/v3/contenttype/forms">
+  <Display>DocumentLibraryForm</Display>
+  <Edit>DocumentLibraryForm</Edit>
+  <New>DocumentLibraryForm</New>
+</FormTemplates>
+</file>
+
+<file path=customXml/item2.xml><?xml version="1.0" encoding="utf-8"?>
 <p:properties xmlns:p="http://schemas.microsoft.com/office/2006/metadata/properties" xmlns:xsi="http://www.w3.org/2001/XMLSchema-instance" xmlns:pc="http://schemas.microsoft.com/office/infopath/2007/PartnerControls">
   <documentManagement>
     <_ip_UnifiedCompliancePolicyUIAction xmlns="http://schemas.microsoft.com/sharepoint/v3" xsi:nil="true"/>
@@ -20222,15 +20449,6 @@
     <MediaServiceKeyPoints xmlns="71af3243-3dd4-4a8d-8c0d-dd76da1f02a5" xsi:nil="true"/>
   </documentManagement>
 </p:properties>
-</file>
-
-<file path=customXml/item2.xml><?xml version="1.0" encoding="utf-8"?>
-<?mso-contentType ?>
-<FormTemplates xmlns="http://schemas.microsoft.com/sharepoint/v3/contenttype/forms">
-  <Display>DocumentLibraryForm</Display>
-  <Edit>DocumentLibraryForm</Edit>
-  <New>DocumentLibraryForm</New>
-</FormTemplates>
 </file>
 
 <file path=customXml/item3.xml><?xml version="1.0" encoding="utf-8"?>
@@ -20510,6 +20728,14 @@
 </file>
 
 <file path=customXml/itemProps1.xml><?xml version="1.0" encoding="utf-8"?>
+<ds:datastoreItem xmlns:ds="http://schemas.openxmlformats.org/officeDocument/2006/customXml" ds:itemID="{0FD6FE22-81A0-4500-AFD0-342D21BB9A2C}">
+  <ds:schemaRefs>
+    <ds:schemaRef ds:uri="http://schemas.microsoft.com/sharepoint/v3/contenttype/forms"/>
+  </ds:schemaRefs>
+</ds:datastoreItem>
+</file>
+
+<file path=customXml/itemProps2.xml><?xml version="1.0" encoding="utf-8"?>
 <ds:datastoreItem xmlns:ds="http://schemas.openxmlformats.org/officeDocument/2006/customXml" ds:itemID="{29C43685-694E-4579-B109-3C418D49DA65}">
   <ds:schemaRefs>
     <ds:schemaRef ds:uri="http://schemas.microsoft.com/office/2006/metadata/properties"/>
@@ -20517,14 +20743,6 @@
     <ds:schemaRef ds:uri="http://schemas.microsoft.com/sharepoint/v3"/>
     <ds:schemaRef ds:uri="71af3243-3dd4-4a8d-8c0d-dd76da1f02a5"/>
     <ds:schemaRef ds:uri="230e9df3-be65-4c73-a93b-d1236ebd677e"/>
-  </ds:schemaRefs>
-</ds:datastoreItem>
-</file>
-
-<file path=customXml/itemProps2.xml><?xml version="1.0" encoding="utf-8"?>
-<ds:datastoreItem xmlns:ds="http://schemas.openxmlformats.org/officeDocument/2006/customXml" ds:itemID="{0FD6FE22-81A0-4500-AFD0-342D21BB9A2C}">
-  <ds:schemaRefs>
-    <ds:schemaRef ds:uri="http://schemas.microsoft.com/sharepoint/v3/contenttype/forms"/>
   </ds:schemaRefs>
 </ds:datastoreItem>
 </file>

--- a/Report/Presentation_3_IoT.pptx
+++ b/Report/Presentation_3_IoT.pptx
@@ -16,7 +16,7 @@
     <p:sldId id="258" r:id="rId7"/>
     <p:sldId id="262" r:id="rId8"/>
     <p:sldId id="268" r:id="rId9"/>
-    <p:sldId id="269" r:id="rId10"/>
+    <p:sldId id="272" r:id="rId10"/>
     <p:sldId id="265" r:id="rId11"/>
     <p:sldId id="264" r:id="rId12"/>
     <p:sldId id="263" r:id="rId13"/>
@@ -3800,7 +3800,7 @@
           <a:p>
             <a:fld id="{B56F32FC-4BD9-442A-A8C6-51598C909FE3}" type="datetimeFigureOut">
               <a:rPr lang="en-US" smtClean="0"/>
-              <a:t>2/14/2023</a:t>
+              <a:t>2/15/2023</a:t>
             </a:fld>
             <a:endParaRPr lang="en-US" dirty="0"/>
           </a:p>
@@ -3977,7 +3977,7 @@
           <a:p>
             <a:fld id="{056371FA-A98D-41E8-93F4-09945841298A}" type="datetimeFigureOut">
               <a:rPr lang="en-US" smtClean="0"/>
-              <a:t>2/14/2023</a:t>
+              <a:t>2/15/2023</a:t>
             </a:fld>
             <a:endParaRPr lang="en-US" dirty="0"/>
           </a:p>
@@ -16397,7 +16397,7 @@
         <p:spPr>
           <a:xfrm>
             <a:off x="6127125" y="3395854"/>
-            <a:ext cx="6127124" cy="1962589"/>
+            <a:ext cx="6127124" cy="2606867"/>
           </a:xfrm>
           <a:prstGeom prst="rect">
             <a:avLst/>
@@ -16562,6 +16562,28 @@
               <a:defRPr/>
             </a:pPr>
             <a:r>
+              <a:rPr lang="en-US" sz="1400" dirty="0">
+                <a:solidFill>
+                  <a:prstClr val="white"/>
+                </a:solidFill>
+                <a:latin typeface="Tenorite"/>
+              </a:rPr>
+              <a:t>MQTT front view refresher</a:t>
+            </a:r>
+          </a:p>
+          <a:p>
+            <a:pPr marL="285750" indent="-285750">
+              <a:lnSpc>
+                <a:spcPct val="90000"/>
+              </a:lnSpc>
+              <a:spcBef>
+                <a:spcPts val="1000"/>
+              </a:spcBef>
+              <a:buFont typeface="Arial" panose="020B0604020202020204" pitchFamily="34" charset="0"/>
+              <a:buChar char="•"/>
+              <a:defRPr/>
+            </a:pPr>
+            <a:r>
               <a:rPr kumimoji="0" lang="en-US" sz="1400" b="0" i="0" u="none" strike="noStrike" kern="1200" cap="none" spc="0" normalizeH="0" baseline="0" noProof="0" dirty="0">
                 <a:ln>
                   <a:noFill/>
@@ -16587,6 +16609,17 @@
               </a:rPr>
               <a:t>(data usage)</a:t>
             </a:r>
+          </a:p>
+          <a:p>
+            <a:pPr>
+              <a:lnSpc>
+                <a:spcPct val="90000"/>
+              </a:lnSpc>
+              <a:spcBef>
+                <a:spcPts val="1000"/>
+              </a:spcBef>
+              <a:defRPr/>
+            </a:pPr>
             <a:endParaRPr kumimoji="0" lang="en-US" sz="1400" b="0" i="0" u="none" strike="noStrike" kern="1200" cap="none" spc="0" normalizeH="0" baseline="0" noProof="0" dirty="0">
               <a:ln>
                 <a:noFill/>
@@ -16685,8 +16718,8 @@
         </p:nvSpPr>
         <p:spPr>
           <a:xfrm>
-            <a:off x="838200" y="365125"/>
-            <a:ext cx="10515600" cy="1325563"/>
+            <a:off x="2151726" y="113308"/>
+            <a:ext cx="7094465" cy="876647"/>
           </a:xfrm>
         </p:spPr>
         <p:txBody>
@@ -16695,7 +16728,7 @@
           <a:p>
             <a:r>
               <a:rPr lang="en-US" dirty="0"/>
-              <a:t>Architecture</a:t>
+              <a:t>SOFTWARE Architecture</a:t>
             </a:r>
           </a:p>
         </p:txBody>
@@ -16801,36 +16834,1656 @@
           </a:p>
         </p:txBody>
       </p:sp>
-      <p:pic>
-        <p:nvPicPr>
-          <p:cNvPr id="7" name="Picture 6">
-            <a:extLst>
-              <a:ext uri="{FF2B5EF4-FFF2-40B4-BE49-F238E27FC236}">
-                <a16:creationId xmlns:a16="http://schemas.microsoft.com/office/drawing/2014/main" id="{4A6BBBC6-390A-8227-4896-553900EA5DD9}"/>
-              </a:ext>
-            </a:extLst>
-          </p:cNvPr>
-          <p:cNvPicPr>
-            <a:picLocks noChangeAspect="1"/>
-          </p:cNvPicPr>
+      <p:grpSp>
+        <p:nvGrpSpPr>
+          <p:cNvPr id="16" name="Group 15">
+            <a:extLst>
+              <a:ext uri="{FF2B5EF4-FFF2-40B4-BE49-F238E27FC236}">
+                <a16:creationId xmlns:a16="http://schemas.microsoft.com/office/drawing/2014/main" id="{C97A7752-8F58-B1A9-9CD5-E1E7FAC5BBDE}"/>
+              </a:ext>
+            </a:extLst>
+          </p:cNvPr>
+          <p:cNvGrpSpPr/>
           <p:nvPr/>
-        </p:nvPicPr>
-        <p:blipFill>
-          <a:blip r:embed="rId2"/>
-          <a:stretch>
-            <a:fillRect/>
-          </a:stretch>
-        </p:blipFill>
-        <p:spPr>
-          <a:xfrm>
-            <a:off x="367048" y="1690688"/>
-            <a:ext cx="5036181" cy="3912603"/>
+        </p:nvGrpSpPr>
+        <p:grpSpPr>
+          <a:xfrm>
+            <a:off x="758742" y="3143854"/>
+            <a:ext cx="1246238" cy="365125"/>
+            <a:chOff x="477848" y="2338588"/>
+            <a:chExt cx="1246238" cy="365125"/>
+          </a:xfrm>
+        </p:grpSpPr>
+        <p:sp>
+          <p:nvSpPr>
+            <p:cNvPr id="13" name="Rectangle: Diagonal Corners Snipped 12">
+              <a:extLst>
+                <a:ext uri="{FF2B5EF4-FFF2-40B4-BE49-F238E27FC236}">
+                  <a16:creationId xmlns:a16="http://schemas.microsoft.com/office/drawing/2014/main" id="{FE179296-2425-9678-4016-77F54CC8A423}"/>
+                </a:ext>
+              </a:extLst>
+            </p:cNvPr>
+            <p:cNvSpPr/>
+            <p:nvPr/>
+          </p:nvSpPr>
+          <p:spPr>
+            <a:xfrm>
+              <a:off x="477848" y="2338588"/>
+              <a:ext cx="1002890" cy="365125"/>
+            </a:xfrm>
+            <a:prstGeom prst="snip2DiagRect">
+              <a:avLst/>
+            </a:prstGeom>
+            <a:solidFill>
+              <a:schemeClr val="accent4">
+                <a:lumMod val="40000"/>
+                <a:lumOff val="60000"/>
+              </a:schemeClr>
+            </a:solidFill>
+          </p:spPr>
+          <p:style>
+            <a:lnRef idx="2">
+              <a:schemeClr val="accent1">
+                <a:shade val="50000"/>
+              </a:schemeClr>
+            </a:lnRef>
+            <a:fillRef idx="1">
+              <a:schemeClr val="accent1"/>
+            </a:fillRef>
+            <a:effectRef idx="0">
+              <a:schemeClr val="accent1"/>
+            </a:effectRef>
+            <a:fontRef idx="minor">
+              <a:schemeClr val="lt1"/>
+            </a:fontRef>
+          </p:style>
+          <p:txBody>
+            <a:bodyPr rtlCol="0" anchor="ctr"/>
+            <a:lstStyle/>
+            <a:p>
+              <a:pPr algn="ctr"/>
+              <a:endParaRPr lang="en-US"/>
+            </a:p>
+          </p:txBody>
+        </p:sp>
+        <p:sp>
+          <p:nvSpPr>
+            <p:cNvPr id="12" name="TextBox 11">
+              <a:extLst>
+                <a:ext uri="{FF2B5EF4-FFF2-40B4-BE49-F238E27FC236}">
+                  <a16:creationId xmlns:a16="http://schemas.microsoft.com/office/drawing/2014/main" id="{92299F82-D89C-FA15-FE5C-102DAE6E2806}"/>
+                </a:ext>
+              </a:extLst>
+            </p:cNvPr>
+            <p:cNvSpPr txBox="1"/>
+            <p:nvPr/>
+          </p:nvSpPr>
+          <p:spPr>
+            <a:xfrm>
+              <a:off x="477848" y="2338588"/>
+              <a:ext cx="1246238" cy="307777"/>
+            </a:xfrm>
+            <a:prstGeom prst="rect">
+              <a:avLst/>
+            </a:prstGeom>
+            <a:noFill/>
+          </p:spPr>
+          <p:txBody>
+            <a:bodyPr wrap="square">
+              <a:spAutoFit/>
+            </a:bodyPr>
+            <a:lstStyle/>
+            <a:p>
+              <a:r>
+                <a:rPr lang="en-US" sz="1400" dirty="0"/>
+                <a:t>Front View</a:t>
+              </a:r>
+            </a:p>
+          </p:txBody>
+        </p:sp>
+      </p:grpSp>
+      <p:sp>
+        <p:nvSpPr>
+          <p:cNvPr id="14" name="Rectangle: Rounded Corners 13">
+            <a:extLst>
+              <a:ext uri="{FF2B5EF4-FFF2-40B4-BE49-F238E27FC236}">
+                <a16:creationId xmlns:a16="http://schemas.microsoft.com/office/drawing/2014/main" id="{46DE674B-4552-1D9B-40AA-C011803061CD}"/>
+              </a:ext>
+            </a:extLst>
+          </p:cNvPr>
+          <p:cNvSpPr/>
+          <p:nvPr/>
+        </p:nvSpPr>
+        <p:spPr>
+          <a:xfrm>
+            <a:off x="3985689" y="3561255"/>
+            <a:ext cx="1327355" cy="796413"/>
+          </a:xfrm>
+          <a:prstGeom prst="roundRect">
+            <a:avLst/>
+          </a:prstGeom>
+          <a:solidFill>
+            <a:schemeClr val="accent2">
+              <a:lumMod val="60000"/>
+              <a:lumOff val="40000"/>
+            </a:schemeClr>
+          </a:solidFill>
+          <a:ln>
+            <a:solidFill>
+              <a:schemeClr val="tx1">
+                <a:lumMod val="75000"/>
+                <a:lumOff val="25000"/>
+              </a:schemeClr>
+            </a:solidFill>
+          </a:ln>
+        </p:spPr>
+        <p:style>
+          <a:lnRef idx="2">
+            <a:schemeClr val="accent1">
+              <a:shade val="50000"/>
+            </a:schemeClr>
+          </a:lnRef>
+          <a:fillRef idx="1">
+            <a:schemeClr val="accent1"/>
+          </a:fillRef>
+          <a:effectRef idx="0">
+            <a:schemeClr val="accent1"/>
+          </a:effectRef>
+          <a:fontRef idx="minor">
+            <a:schemeClr val="lt1"/>
+          </a:fontRef>
+        </p:style>
+        <p:txBody>
+          <a:bodyPr rtlCol="0" anchor="ctr"/>
+          <a:lstStyle/>
+          <a:p>
+            <a:pPr algn="ctr"/>
+            <a:r>
+              <a:rPr lang="en-US" sz="2000" dirty="0">
+                <a:solidFill>
+                  <a:schemeClr val="tx1"/>
+                </a:solidFill>
+              </a:rPr>
+              <a:t>Server</a:t>
+            </a:r>
+          </a:p>
+          <a:p>
+            <a:pPr algn="ctr"/>
+            <a:r>
+              <a:rPr lang="en-US" sz="1200" dirty="0">
+                <a:solidFill>
+                  <a:schemeClr val="tx1"/>
+                </a:solidFill>
+              </a:rPr>
+              <a:t>(back-end)</a:t>
+            </a:r>
+          </a:p>
+        </p:txBody>
+      </p:sp>
+      <p:grpSp>
+        <p:nvGrpSpPr>
+          <p:cNvPr id="17" name="Group 16">
+            <a:extLst>
+              <a:ext uri="{FF2B5EF4-FFF2-40B4-BE49-F238E27FC236}">
+                <a16:creationId xmlns:a16="http://schemas.microsoft.com/office/drawing/2014/main" id="{71D94533-8008-F990-BCE9-CF79D24F52E9}"/>
+              </a:ext>
+            </a:extLst>
+          </p:cNvPr>
+          <p:cNvGrpSpPr/>
+          <p:nvPr/>
+        </p:nvGrpSpPr>
+        <p:grpSpPr>
+          <a:xfrm>
+            <a:off x="745223" y="4567959"/>
+            <a:ext cx="1246238" cy="365125"/>
+            <a:chOff x="477848" y="2338588"/>
+            <a:chExt cx="1246238" cy="365125"/>
+          </a:xfrm>
+        </p:grpSpPr>
+        <p:sp>
+          <p:nvSpPr>
+            <p:cNvPr id="18" name="Rectangle: Diagonal Corners Snipped 17">
+              <a:extLst>
+                <a:ext uri="{FF2B5EF4-FFF2-40B4-BE49-F238E27FC236}">
+                  <a16:creationId xmlns:a16="http://schemas.microsoft.com/office/drawing/2014/main" id="{5AD8A625-5622-37DE-F099-62650D5D4B38}"/>
+                </a:ext>
+              </a:extLst>
+            </p:cNvPr>
+            <p:cNvSpPr/>
+            <p:nvPr/>
+          </p:nvSpPr>
+          <p:spPr>
+            <a:xfrm>
+              <a:off x="477848" y="2338588"/>
+              <a:ext cx="1002890" cy="365125"/>
+            </a:xfrm>
+            <a:prstGeom prst="snip2DiagRect">
+              <a:avLst/>
+            </a:prstGeom>
+            <a:solidFill>
+              <a:schemeClr val="accent4">
+                <a:lumMod val="40000"/>
+                <a:lumOff val="60000"/>
+              </a:schemeClr>
+            </a:solidFill>
+          </p:spPr>
+          <p:style>
+            <a:lnRef idx="2">
+              <a:schemeClr val="accent1">
+                <a:shade val="50000"/>
+              </a:schemeClr>
+            </a:lnRef>
+            <a:fillRef idx="1">
+              <a:schemeClr val="accent1"/>
+            </a:fillRef>
+            <a:effectRef idx="0">
+              <a:schemeClr val="accent1"/>
+            </a:effectRef>
+            <a:fontRef idx="minor">
+              <a:schemeClr val="lt1"/>
+            </a:fontRef>
+          </p:style>
+          <p:txBody>
+            <a:bodyPr rtlCol="0" anchor="ctr"/>
+            <a:lstStyle/>
+            <a:p>
+              <a:pPr algn="ctr"/>
+              <a:endParaRPr lang="en-US"/>
+            </a:p>
+          </p:txBody>
+        </p:sp>
+        <p:sp>
+          <p:nvSpPr>
+            <p:cNvPr id="19" name="TextBox 18">
+              <a:extLst>
+                <a:ext uri="{FF2B5EF4-FFF2-40B4-BE49-F238E27FC236}">
+                  <a16:creationId xmlns:a16="http://schemas.microsoft.com/office/drawing/2014/main" id="{E5E35B2E-BAE6-AF0A-22F3-B5EAFAAD5BED}"/>
+                </a:ext>
+              </a:extLst>
+            </p:cNvPr>
+            <p:cNvSpPr txBox="1"/>
+            <p:nvPr/>
+          </p:nvSpPr>
+          <p:spPr>
+            <a:xfrm>
+              <a:off x="477848" y="2338588"/>
+              <a:ext cx="1246238" cy="307777"/>
+            </a:xfrm>
+            <a:prstGeom prst="rect">
+              <a:avLst/>
+            </a:prstGeom>
+            <a:noFill/>
+          </p:spPr>
+          <p:txBody>
+            <a:bodyPr wrap="square">
+              <a:spAutoFit/>
+            </a:bodyPr>
+            <a:lstStyle/>
+            <a:p>
+              <a:r>
+                <a:rPr lang="en-US" sz="1400" dirty="0"/>
+                <a:t>Front View</a:t>
+              </a:r>
+            </a:p>
+          </p:txBody>
+        </p:sp>
+      </p:grpSp>
+      <p:sp>
+        <p:nvSpPr>
+          <p:cNvPr id="21" name="TextBox 20">
+            <a:extLst>
+              <a:ext uri="{FF2B5EF4-FFF2-40B4-BE49-F238E27FC236}">
+                <a16:creationId xmlns:a16="http://schemas.microsoft.com/office/drawing/2014/main" id="{5059E044-A4BB-2419-6332-22AC3F1EE578}"/>
+              </a:ext>
+            </a:extLst>
+          </p:cNvPr>
+          <p:cNvSpPr txBox="1"/>
+          <p:nvPr/>
+        </p:nvSpPr>
+        <p:spPr>
+          <a:xfrm>
+            <a:off x="1152032" y="3451631"/>
+            <a:ext cx="216310" cy="1015663"/>
           </a:xfrm>
           <a:prstGeom prst="rect">
             <a:avLst/>
           </a:prstGeom>
-        </p:spPr>
-      </p:pic>
+          <a:noFill/>
+        </p:spPr>
+        <p:txBody>
+          <a:bodyPr wrap="square">
+            <a:spAutoFit/>
+          </a:bodyPr>
+          <a:lstStyle/>
+          <a:p>
+            <a:r>
+              <a:rPr lang="en-US" sz="2000" b="1" dirty="0"/>
+              <a:t>.</a:t>
+            </a:r>
+            <a:br>
+              <a:rPr lang="en-US" sz="2000" b="1" dirty="0"/>
+            </a:br>
+            <a:r>
+              <a:rPr lang="en-US" sz="2000" b="1" dirty="0"/>
+              <a:t>.</a:t>
+            </a:r>
+            <a:br>
+              <a:rPr lang="en-US" sz="2000" b="1" dirty="0"/>
+            </a:br>
+            <a:r>
+              <a:rPr lang="en-US" sz="2000" b="1" dirty="0"/>
+              <a:t>.</a:t>
+            </a:r>
+          </a:p>
+        </p:txBody>
+      </p:sp>
+      <p:cxnSp>
+        <p:nvCxnSpPr>
+          <p:cNvPr id="23" name="Straight Arrow Connector 22">
+            <a:extLst>
+              <a:ext uri="{FF2B5EF4-FFF2-40B4-BE49-F238E27FC236}">
+                <a16:creationId xmlns:a16="http://schemas.microsoft.com/office/drawing/2014/main" id="{6F53EF1D-26E2-8FA6-4D99-34D9EFA9316A}"/>
+              </a:ext>
+            </a:extLst>
+          </p:cNvPr>
+          <p:cNvCxnSpPr>
+            <a:stCxn id="21" idx="3"/>
+          </p:cNvCxnSpPr>
+          <p:nvPr/>
+        </p:nvCxnSpPr>
+        <p:spPr>
+          <a:xfrm flipV="1">
+            <a:off x="1368342" y="3666453"/>
+            <a:ext cx="700057" cy="293010"/>
+          </a:xfrm>
+          <a:prstGeom prst="straightConnector1">
+            <a:avLst/>
+          </a:prstGeom>
+          <a:ln>
+            <a:tailEnd type="triangle"/>
+          </a:ln>
+        </p:spPr>
+        <p:style>
+          <a:lnRef idx="1">
+            <a:schemeClr val="accent1"/>
+          </a:lnRef>
+          <a:fillRef idx="0">
+            <a:schemeClr val="accent1"/>
+          </a:fillRef>
+          <a:effectRef idx="0">
+            <a:schemeClr val="accent1"/>
+          </a:effectRef>
+          <a:fontRef idx="minor">
+            <a:schemeClr val="tx1"/>
+          </a:fontRef>
+        </p:style>
+      </p:cxnSp>
+      <p:cxnSp>
+        <p:nvCxnSpPr>
+          <p:cNvPr id="25" name="Connector: Elbow 24">
+            <a:extLst>
+              <a:ext uri="{FF2B5EF4-FFF2-40B4-BE49-F238E27FC236}">
+                <a16:creationId xmlns:a16="http://schemas.microsoft.com/office/drawing/2014/main" id="{8CB23902-CC7C-7DA1-E00E-6F533448CB15}"/>
+              </a:ext>
+            </a:extLst>
+          </p:cNvPr>
+          <p:cNvCxnSpPr>
+            <a:cxnSpLocks/>
+          </p:cNvCxnSpPr>
+          <p:nvPr/>
+        </p:nvCxnSpPr>
+        <p:spPr>
+          <a:xfrm rot="5400000" flipH="1" flipV="1">
+            <a:off x="1011121" y="1724504"/>
+            <a:ext cx="1654898" cy="1183804"/>
+          </a:xfrm>
+          <a:prstGeom prst="bentConnector3">
+            <a:avLst>
+              <a:gd name="adj1" fmla="val 50000"/>
+            </a:avLst>
+          </a:prstGeom>
+          <a:ln>
+            <a:tailEnd type="triangle"/>
+          </a:ln>
+        </p:spPr>
+        <p:style>
+          <a:lnRef idx="1">
+            <a:schemeClr val="dk1"/>
+          </a:lnRef>
+          <a:fillRef idx="0">
+            <a:schemeClr val="dk1"/>
+          </a:fillRef>
+          <a:effectRef idx="0">
+            <a:schemeClr val="dk1"/>
+          </a:effectRef>
+          <a:fontRef idx="minor">
+            <a:schemeClr val="tx1"/>
+          </a:fontRef>
+        </p:style>
+      </p:cxnSp>
+      <p:cxnSp>
+        <p:nvCxnSpPr>
+          <p:cNvPr id="32" name="Connector: Elbow 31">
+            <a:extLst>
+              <a:ext uri="{FF2B5EF4-FFF2-40B4-BE49-F238E27FC236}">
+                <a16:creationId xmlns:a16="http://schemas.microsoft.com/office/drawing/2014/main" id="{06F86B4E-7DCB-C15C-9400-03AF27B836AB}"/>
+              </a:ext>
+            </a:extLst>
+          </p:cNvPr>
+          <p:cNvCxnSpPr>
+            <a:cxnSpLocks/>
+            <a:stCxn id="14" idx="0"/>
+          </p:cNvCxnSpPr>
+          <p:nvPr/>
+        </p:nvCxnSpPr>
+        <p:spPr>
+          <a:xfrm rot="16200000" flipV="1">
+            <a:off x="2815330" y="1727218"/>
+            <a:ext cx="2072298" cy="1595776"/>
+          </a:xfrm>
+          <a:prstGeom prst="bentConnector3">
+            <a:avLst/>
+          </a:prstGeom>
+          <a:ln>
+            <a:tailEnd type="triangle"/>
+          </a:ln>
+        </p:spPr>
+        <p:style>
+          <a:lnRef idx="1">
+            <a:schemeClr val="dk1"/>
+          </a:lnRef>
+          <a:fillRef idx="0">
+            <a:schemeClr val="dk1"/>
+          </a:fillRef>
+          <a:effectRef idx="0">
+            <a:schemeClr val="dk1"/>
+          </a:effectRef>
+          <a:fontRef idx="minor">
+            <a:schemeClr val="tx1"/>
+          </a:fontRef>
+        </p:style>
+      </p:cxnSp>
+      <p:sp>
+        <p:nvSpPr>
+          <p:cNvPr id="35" name="Rectangle: Rounded Corners 34">
+            <a:extLst>
+              <a:ext uri="{FF2B5EF4-FFF2-40B4-BE49-F238E27FC236}">
+                <a16:creationId xmlns:a16="http://schemas.microsoft.com/office/drawing/2014/main" id="{26132D51-6F3D-E2F6-5063-16CDAB14F85F}"/>
+              </a:ext>
+            </a:extLst>
+          </p:cNvPr>
+          <p:cNvSpPr/>
+          <p:nvPr/>
+        </p:nvSpPr>
+        <p:spPr>
+          <a:xfrm>
+            <a:off x="2237760" y="1170391"/>
+            <a:ext cx="1010510" cy="318566"/>
+          </a:xfrm>
+          <a:prstGeom prst="roundRect">
+            <a:avLst/>
+          </a:prstGeom>
+          <a:solidFill>
+            <a:schemeClr val="accent5">
+              <a:lumMod val="20000"/>
+              <a:lumOff val="80000"/>
+            </a:schemeClr>
+          </a:solidFill>
+        </p:spPr>
+        <p:style>
+          <a:lnRef idx="2">
+            <a:schemeClr val="accent1">
+              <a:shade val="50000"/>
+            </a:schemeClr>
+          </a:lnRef>
+          <a:fillRef idx="1">
+            <a:schemeClr val="accent1"/>
+          </a:fillRef>
+          <a:effectRef idx="0">
+            <a:schemeClr val="accent1"/>
+          </a:effectRef>
+          <a:fontRef idx="minor">
+            <a:schemeClr val="lt1"/>
+          </a:fontRef>
+        </p:style>
+        <p:txBody>
+          <a:bodyPr rtlCol="0" anchor="ctr"/>
+          <a:lstStyle/>
+          <a:p>
+            <a:pPr algn="ctr"/>
+            <a:r>
+              <a:rPr lang="en-US" sz="1100" dirty="0">
+                <a:solidFill>
+                  <a:schemeClr val="tx1"/>
+                </a:solidFill>
+              </a:rPr>
+              <a:t>MQTT Broker</a:t>
+            </a:r>
+          </a:p>
+        </p:txBody>
+      </p:sp>
+      <p:sp>
+        <p:nvSpPr>
+          <p:cNvPr id="39" name="TextBox 38">
+            <a:extLst>
+              <a:ext uri="{FF2B5EF4-FFF2-40B4-BE49-F238E27FC236}">
+                <a16:creationId xmlns:a16="http://schemas.microsoft.com/office/drawing/2014/main" id="{D155CE62-E3D9-3458-2D1F-9EB6426F2F59}"/>
+              </a:ext>
+            </a:extLst>
+          </p:cNvPr>
+          <p:cNvSpPr txBox="1"/>
+          <p:nvPr/>
+        </p:nvSpPr>
+        <p:spPr>
+          <a:xfrm>
+            <a:off x="3444425" y="2206865"/>
+            <a:ext cx="762491" cy="307777"/>
+          </a:xfrm>
+          <a:prstGeom prst="rect">
+            <a:avLst/>
+          </a:prstGeom>
+          <a:noFill/>
+        </p:spPr>
+        <p:txBody>
+          <a:bodyPr wrap="square">
+            <a:spAutoFit/>
+          </a:bodyPr>
+          <a:lstStyle/>
+          <a:p>
+            <a:r>
+              <a:rPr lang="en-US" sz="1400" dirty="0"/>
+              <a:t>Publish</a:t>
+            </a:r>
+          </a:p>
+        </p:txBody>
+      </p:sp>
+      <p:sp>
+        <p:nvSpPr>
+          <p:cNvPr id="41" name="TextBox 40">
+            <a:extLst>
+              <a:ext uri="{FF2B5EF4-FFF2-40B4-BE49-F238E27FC236}">
+                <a16:creationId xmlns:a16="http://schemas.microsoft.com/office/drawing/2014/main" id="{72BF968F-4908-D4A4-1393-6CBEDFBAE5A2}"/>
+              </a:ext>
+            </a:extLst>
+          </p:cNvPr>
+          <p:cNvSpPr txBox="1"/>
+          <p:nvPr/>
+        </p:nvSpPr>
+        <p:spPr>
+          <a:xfrm>
+            <a:off x="1404721" y="2047039"/>
+            <a:ext cx="833039" cy="276999"/>
+          </a:xfrm>
+          <a:prstGeom prst="rect">
+            <a:avLst/>
+          </a:prstGeom>
+          <a:noFill/>
+        </p:spPr>
+        <p:txBody>
+          <a:bodyPr wrap="square">
+            <a:spAutoFit/>
+          </a:bodyPr>
+          <a:lstStyle/>
+          <a:p>
+            <a:pPr marL="0" marR="0" lvl="0" indent="0" algn="l" defTabSz="914400" rtl="0" eaLnBrk="1" fontAlgn="auto" latinLnBrk="0" hangingPunct="1">
+              <a:lnSpc>
+                <a:spcPct val="100000"/>
+              </a:lnSpc>
+              <a:spcBef>
+                <a:spcPts val="0"/>
+              </a:spcBef>
+              <a:spcAft>
+                <a:spcPts val="0"/>
+              </a:spcAft>
+              <a:buClrTx/>
+              <a:buSzTx/>
+              <a:buFontTx/>
+              <a:buNone/>
+              <a:tabLst/>
+              <a:defRPr/>
+            </a:pPr>
+            <a:r>
+              <a:rPr kumimoji="0" lang="en-US" sz="1200" b="0" i="0" u="none" strike="noStrike" kern="1200" cap="none" spc="0" normalizeH="0" baseline="0" noProof="0" dirty="0">
+                <a:ln>
+                  <a:noFill/>
+                </a:ln>
+                <a:solidFill>
+                  <a:prstClr val="black"/>
+                </a:solidFill>
+                <a:effectLst/>
+                <a:uLnTx/>
+                <a:uFillTx/>
+                <a:latin typeface="Tenorite"/>
+                <a:ea typeface="+mn-ea"/>
+                <a:cs typeface="+mn-cs"/>
+              </a:rPr>
+              <a:t>Subscribe</a:t>
+            </a:r>
+          </a:p>
+        </p:txBody>
+      </p:sp>
+      <p:cxnSp>
+        <p:nvCxnSpPr>
+          <p:cNvPr id="43" name="Straight Arrow Connector 42">
+            <a:extLst>
+              <a:ext uri="{FF2B5EF4-FFF2-40B4-BE49-F238E27FC236}">
+                <a16:creationId xmlns:a16="http://schemas.microsoft.com/office/drawing/2014/main" id="{6F597417-9690-5A10-C1DF-D107B2468C0F}"/>
+              </a:ext>
+            </a:extLst>
+          </p:cNvPr>
+          <p:cNvCxnSpPr>
+            <a:cxnSpLocks/>
+            <a:stCxn id="14" idx="1"/>
+          </p:cNvCxnSpPr>
+          <p:nvPr/>
+        </p:nvCxnSpPr>
+        <p:spPr>
+          <a:xfrm flipH="1" flipV="1">
+            <a:off x="1926814" y="3959461"/>
+            <a:ext cx="2058875" cy="1"/>
+          </a:xfrm>
+          <a:prstGeom prst="straightConnector1">
+            <a:avLst/>
+          </a:prstGeom>
+          <a:ln>
+            <a:tailEnd type="triangle"/>
+          </a:ln>
+        </p:spPr>
+        <p:style>
+          <a:lnRef idx="1">
+            <a:schemeClr val="dk1"/>
+          </a:lnRef>
+          <a:fillRef idx="0">
+            <a:schemeClr val="dk1"/>
+          </a:fillRef>
+          <a:effectRef idx="0">
+            <a:schemeClr val="dk1"/>
+          </a:effectRef>
+          <a:fontRef idx="minor">
+            <a:schemeClr val="tx1"/>
+          </a:fontRef>
+        </p:style>
+      </p:cxnSp>
+      <p:sp>
+        <p:nvSpPr>
+          <p:cNvPr id="46" name="TextBox 45">
+            <a:extLst>
+              <a:ext uri="{FF2B5EF4-FFF2-40B4-BE49-F238E27FC236}">
+                <a16:creationId xmlns:a16="http://schemas.microsoft.com/office/drawing/2014/main" id="{AE315007-5918-A119-29CE-0BD588EA6FA7}"/>
+              </a:ext>
+            </a:extLst>
+          </p:cNvPr>
+          <p:cNvSpPr txBox="1"/>
+          <p:nvPr/>
+        </p:nvSpPr>
+        <p:spPr>
+          <a:xfrm>
+            <a:off x="2430472" y="3666453"/>
+            <a:ext cx="1150928" cy="307777"/>
+          </a:xfrm>
+          <a:prstGeom prst="rect">
+            <a:avLst/>
+          </a:prstGeom>
+          <a:noFill/>
+        </p:spPr>
+        <p:txBody>
+          <a:bodyPr wrap="square">
+            <a:spAutoFit/>
+          </a:bodyPr>
+          <a:lstStyle/>
+          <a:p>
+            <a:r>
+              <a:rPr lang="en-US" sz="1400" dirty="0"/>
+              <a:t>Serve Pages</a:t>
+            </a:r>
+          </a:p>
+        </p:txBody>
+      </p:sp>
+      <p:sp>
+        <p:nvSpPr>
+          <p:cNvPr id="47" name="Rectangle: Top Corners One Rounded and One Snipped 46">
+            <a:extLst>
+              <a:ext uri="{FF2B5EF4-FFF2-40B4-BE49-F238E27FC236}">
+                <a16:creationId xmlns:a16="http://schemas.microsoft.com/office/drawing/2014/main" id="{A13D0D5F-0870-DBB3-658B-C24553DC2701}"/>
+              </a:ext>
+            </a:extLst>
+          </p:cNvPr>
+          <p:cNvSpPr/>
+          <p:nvPr/>
+        </p:nvSpPr>
+        <p:spPr>
+          <a:xfrm>
+            <a:off x="4091877" y="5092155"/>
+            <a:ext cx="1114978" cy="415494"/>
+          </a:xfrm>
+          <a:prstGeom prst="snipRoundRect">
+            <a:avLst>
+              <a:gd name="adj1" fmla="val 18087"/>
+              <a:gd name="adj2" fmla="val 16667"/>
+            </a:avLst>
+          </a:prstGeom>
+          <a:solidFill>
+            <a:srgbClr val="E76767"/>
+          </a:solidFill>
+          <a:ln>
+            <a:solidFill>
+              <a:schemeClr val="tx1">
+                <a:lumMod val="75000"/>
+                <a:lumOff val="25000"/>
+              </a:schemeClr>
+            </a:solidFill>
+          </a:ln>
+        </p:spPr>
+        <p:style>
+          <a:lnRef idx="2">
+            <a:schemeClr val="accent1">
+              <a:shade val="50000"/>
+            </a:schemeClr>
+          </a:lnRef>
+          <a:fillRef idx="1">
+            <a:schemeClr val="accent1"/>
+          </a:fillRef>
+          <a:effectRef idx="0">
+            <a:schemeClr val="accent1"/>
+          </a:effectRef>
+          <a:fontRef idx="minor">
+            <a:schemeClr val="lt1"/>
+          </a:fontRef>
+        </p:style>
+        <p:txBody>
+          <a:bodyPr rtlCol="0" anchor="ctr"/>
+          <a:lstStyle/>
+          <a:p>
+            <a:pPr algn="ctr"/>
+            <a:r>
+              <a:rPr lang="en-US" sz="1400" dirty="0">
+                <a:solidFill>
+                  <a:schemeClr val="tx1"/>
+                </a:solidFill>
+              </a:rPr>
+              <a:t>Central Db</a:t>
+            </a:r>
+          </a:p>
+        </p:txBody>
+      </p:sp>
+      <p:cxnSp>
+        <p:nvCxnSpPr>
+          <p:cNvPr id="49" name="Straight Arrow Connector 48">
+            <a:extLst>
+              <a:ext uri="{FF2B5EF4-FFF2-40B4-BE49-F238E27FC236}">
+                <a16:creationId xmlns:a16="http://schemas.microsoft.com/office/drawing/2014/main" id="{850ACD68-E791-2328-A21B-3D33AFD77011}"/>
+              </a:ext>
+            </a:extLst>
+          </p:cNvPr>
+          <p:cNvCxnSpPr>
+            <a:stCxn id="14" idx="2"/>
+            <a:endCxn id="47" idx="3"/>
+          </p:cNvCxnSpPr>
+          <p:nvPr/>
+        </p:nvCxnSpPr>
+        <p:spPr>
+          <a:xfrm flipH="1">
+            <a:off x="4649366" y="4357668"/>
+            <a:ext cx="1" cy="734487"/>
+          </a:xfrm>
+          <a:prstGeom prst="straightConnector1">
+            <a:avLst/>
+          </a:prstGeom>
+          <a:ln>
+            <a:headEnd type="triangle"/>
+            <a:tailEnd type="triangle"/>
+          </a:ln>
+        </p:spPr>
+        <p:style>
+          <a:lnRef idx="1">
+            <a:schemeClr val="dk1"/>
+          </a:lnRef>
+          <a:fillRef idx="0">
+            <a:schemeClr val="dk1"/>
+          </a:fillRef>
+          <a:effectRef idx="0">
+            <a:schemeClr val="dk1"/>
+          </a:effectRef>
+          <a:fontRef idx="minor">
+            <a:schemeClr val="tx1"/>
+          </a:fontRef>
+        </p:style>
+      </p:cxnSp>
+      <p:grpSp>
+        <p:nvGrpSpPr>
+          <p:cNvPr id="58" name="Group 57">
+            <a:extLst>
+              <a:ext uri="{FF2B5EF4-FFF2-40B4-BE49-F238E27FC236}">
+                <a16:creationId xmlns:a16="http://schemas.microsoft.com/office/drawing/2014/main" id="{3BCA455C-EA01-DAB8-F6F8-5B93DFCAC060}"/>
+              </a:ext>
+            </a:extLst>
+          </p:cNvPr>
+          <p:cNvGrpSpPr/>
+          <p:nvPr/>
+        </p:nvGrpSpPr>
+        <p:grpSpPr>
+          <a:xfrm>
+            <a:off x="7546935" y="2912616"/>
+            <a:ext cx="1144474" cy="2179539"/>
+            <a:chOff x="6679055" y="1895819"/>
+            <a:chExt cx="1144474" cy="2179539"/>
+          </a:xfrm>
+        </p:grpSpPr>
+        <p:sp>
+          <p:nvSpPr>
+            <p:cNvPr id="53" name="Rectangle: Rounded Corners 52">
+              <a:extLst>
+                <a:ext uri="{FF2B5EF4-FFF2-40B4-BE49-F238E27FC236}">
+                  <a16:creationId xmlns:a16="http://schemas.microsoft.com/office/drawing/2014/main" id="{984804EE-B2C8-9C73-81C0-BDE623C5F527}"/>
+                </a:ext>
+              </a:extLst>
+            </p:cNvPr>
+            <p:cNvSpPr/>
+            <p:nvPr/>
+          </p:nvSpPr>
+          <p:spPr>
+            <a:xfrm>
+              <a:off x="6679055" y="1895819"/>
+              <a:ext cx="1144474" cy="625331"/>
+            </a:xfrm>
+            <a:prstGeom prst="roundRect">
+              <a:avLst/>
+            </a:prstGeom>
+            <a:solidFill>
+              <a:schemeClr val="accent2">
+                <a:lumMod val="60000"/>
+                <a:lumOff val="40000"/>
+              </a:schemeClr>
+            </a:solidFill>
+            <a:ln>
+              <a:solidFill>
+                <a:schemeClr val="tx1">
+                  <a:lumMod val="65000"/>
+                  <a:lumOff val="35000"/>
+                </a:schemeClr>
+              </a:solidFill>
+            </a:ln>
+          </p:spPr>
+          <p:style>
+            <a:lnRef idx="2">
+              <a:schemeClr val="accent1">
+                <a:shade val="50000"/>
+              </a:schemeClr>
+            </a:lnRef>
+            <a:fillRef idx="1">
+              <a:schemeClr val="accent1"/>
+            </a:fillRef>
+            <a:effectRef idx="0">
+              <a:schemeClr val="accent1"/>
+            </a:effectRef>
+            <a:fontRef idx="minor">
+              <a:schemeClr val="lt1"/>
+            </a:fontRef>
+          </p:style>
+          <p:txBody>
+            <a:bodyPr rtlCol="0" anchor="ctr"/>
+            <a:lstStyle/>
+            <a:p>
+              <a:pPr algn="ctr"/>
+              <a:r>
+                <a:rPr lang="en-US" sz="1600" dirty="0">
+                  <a:solidFill>
+                    <a:prstClr val="black"/>
+                  </a:solidFill>
+                  <a:latin typeface="Tenorite"/>
+                </a:rPr>
+                <a:t>Edge API Controller</a:t>
+              </a:r>
+              <a:endParaRPr lang="en-US" sz="1400" dirty="0"/>
+            </a:p>
+          </p:txBody>
+        </p:sp>
+        <p:sp>
+          <p:nvSpPr>
+            <p:cNvPr id="56" name="TextBox 55">
+              <a:extLst>
+                <a:ext uri="{FF2B5EF4-FFF2-40B4-BE49-F238E27FC236}">
+                  <a16:creationId xmlns:a16="http://schemas.microsoft.com/office/drawing/2014/main" id="{4618EBAC-754B-5B69-A770-FF18146A65C8}"/>
+                </a:ext>
+              </a:extLst>
+            </p:cNvPr>
+            <p:cNvSpPr txBox="1"/>
+            <p:nvPr/>
+          </p:nvSpPr>
+          <p:spPr>
+            <a:xfrm>
+              <a:off x="7126422" y="2413337"/>
+              <a:ext cx="216310" cy="1015663"/>
+            </a:xfrm>
+            <a:prstGeom prst="rect">
+              <a:avLst/>
+            </a:prstGeom>
+            <a:noFill/>
+          </p:spPr>
+          <p:txBody>
+            <a:bodyPr wrap="square">
+              <a:spAutoFit/>
+            </a:bodyPr>
+            <a:lstStyle/>
+            <a:p>
+              <a:r>
+                <a:rPr lang="en-US" sz="2000" b="1" dirty="0"/>
+                <a:t>.</a:t>
+              </a:r>
+              <a:br>
+                <a:rPr lang="en-US" sz="2000" b="1" dirty="0"/>
+              </a:br>
+              <a:r>
+                <a:rPr lang="en-US" sz="2000" b="1" dirty="0"/>
+                <a:t>.</a:t>
+              </a:r>
+              <a:br>
+                <a:rPr lang="en-US" sz="2000" b="1" dirty="0"/>
+              </a:br>
+              <a:r>
+                <a:rPr lang="en-US" sz="2000" b="1" dirty="0"/>
+                <a:t>.</a:t>
+              </a:r>
+            </a:p>
+          </p:txBody>
+        </p:sp>
+        <p:sp>
+          <p:nvSpPr>
+            <p:cNvPr id="57" name="Rectangle: Rounded Corners 56">
+              <a:extLst>
+                <a:ext uri="{FF2B5EF4-FFF2-40B4-BE49-F238E27FC236}">
+                  <a16:creationId xmlns:a16="http://schemas.microsoft.com/office/drawing/2014/main" id="{C171D805-365C-B483-DDD0-88E72684649E}"/>
+                </a:ext>
+              </a:extLst>
+            </p:cNvPr>
+            <p:cNvSpPr/>
+            <p:nvPr/>
+          </p:nvSpPr>
+          <p:spPr>
+            <a:xfrm>
+              <a:off x="6679055" y="3450027"/>
+              <a:ext cx="1144474" cy="625331"/>
+            </a:xfrm>
+            <a:prstGeom prst="roundRect">
+              <a:avLst/>
+            </a:prstGeom>
+            <a:solidFill>
+              <a:schemeClr val="accent2">
+                <a:lumMod val="60000"/>
+                <a:lumOff val="40000"/>
+              </a:schemeClr>
+            </a:solidFill>
+            <a:ln>
+              <a:solidFill>
+                <a:schemeClr val="tx1">
+                  <a:lumMod val="65000"/>
+                  <a:lumOff val="35000"/>
+                </a:schemeClr>
+              </a:solidFill>
+            </a:ln>
+          </p:spPr>
+          <p:style>
+            <a:lnRef idx="2">
+              <a:schemeClr val="accent1">
+                <a:shade val="50000"/>
+              </a:schemeClr>
+            </a:lnRef>
+            <a:fillRef idx="1">
+              <a:schemeClr val="accent1"/>
+            </a:fillRef>
+            <a:effectRef idx="0">
+              <a:schemeClr val="accent1"/>
+            </a:effectRef>
+            <a:fontRef idx="minor">
+              <a:schemeClr val="lt1"/>
+            </a:fontRef>
+          </p:style>
+          <p:txBody>
+            <a:bodyPr rtlCol="0" anchor="ctr"/>
+            <a:lstStyle/>
+            <a:p>
+              <a:pPr algn="ctr"/>
+              <a:r>
+                <a:rPr lang="en-US" sz="1600" dirty="0">
+                  <a:solidFill>
+                    <a:prstClr val="black"/>
+                  </a:solidFill>
+                  <a:latin typeface="Tenorite"/>
+                </a:rPr>
+                <a:t>Edge API Controller</a:t>
+              </a:r>
+              <a:endParaRPr lang="en-US" sz="1400" dirty="0"/>
+            </a:p>
+          </p:txBody>
+        </p:sp>
+      </p:grpSp>
+      <p:cxnSp>
+        <p:nvCxnSpPr>
+          <p:cNvPr id="66" name="Straight Arrow Connector 65">
+            <a:extLst>
+              <a:ext uri="{FF2B5EF4-FFF2-40B4-BE49-F238E27FC236}">
+                <a16:creationId xmlns:a16="http://schemas.microsoft.com/office/drawing/2014/main" id="{C6D0E525-FC36-AC55-B07D-EEA67F624057}"/>
+              </a:ext>
+            </a:extLst>
+          </p:cNvPr>
+          <p:cNvCxnSpPr>
+            <a:cxnSpLocks/>
+            <a:stCxn id="14" idx="3"/>
+          </p:cNvCxnSpPr>
+          <p:nvPr/>
+        </p:nvCxnSpPr>
+        <p:spPr>
+          <a:xfrm flipV="1">
+            <a:off x="5313044" y="3959461"/>
+            <a:ext cx="2070673" cy="1"/>
+          </a:xfrm>
+          <a:prstGeom prst="straightConnector1">
+            <a:avLst/>
+          </a:prstGeom>
+          <a:ln>
+            <a:headEnd type="triangle"/>
+            <a:tailEnd type="triangle"/>
+          </a:ln>
+        </p:spPr>
+        <p:style>
+          <a:lnRef idx="1">
+            <a:schemeClr val="dk1"/>
+          </a:lnRef>
+          <a:fillRef idx="0">
+            <a:schemeClr val="dk1"/>
+          </a:fillRef>
+          <a:effectRef idx="0">
+            <a:schemeClr val="dk1"/>
+          </a:effectRef>
+          <a:fontRef idx="minor">
+            <a:schemeClr val="tx1"/>
+          </a:fontRef>
+        </p:style>
+      </p:cxnSp>
+      <p:sp>
+        <p:nvSpPr>
+          <p:cNvPr id="69" name="TextBox 68">
+            <a:extLst>
+              <a:ext uri="{FF2B5EF4-FFF2-40B4-BE49-F238E27FC236}">
+                <a16:creationId xmlns:a16="http://schemas.microsoft.com/office/drawing/2014/main" id="{4AE787CA-C90A-AFA0-6869-AECA6685A7B2}"/>
+              </a:ext>
+            </a:extLst>
+          </p:cNvPr>
+          <p:cNvSpPr txBox="1"/>
+          <p:nvPr/>
+        </p:nvSpPr>
+        <p:spPr>
+          <a:xfrm>
+            <a:off x="5613173" y="3678965"/>
+            <a:ext cx="1383891" cy="307777"/>
+          </a:xfrm>
+          <a:prstGeom prst="rect">
+            <a:avLst/>
+          </a:prstGeom>
+          <a:noFill/>
+        </p:spPr>
+        <p:txBody>
+          <a:bodyPr wrap="square">
+            <a:spAutoFit/>
+          </a:bodyPr>
+          <a:lstStyle/>
+          <a:p>
+            <a:r>
+              <a:rPr kumimoji="0" lang="en-US" sz="1400" b="0" i="0" u="none" strike="noStrike" kern="1200" cap="none" spc="0" normalizeH="0" baseline="0" noProof="0" dirty="0">
+                <a:ln>
+                  <a:noFill/>
+                </a:ln>
+                <a:solidFill>
+                  <a:prstClr val="black"/>
+                </a:solidFill>
+                <a:effectLst/>
+                <a:uLnTx/>
+                <a:uFillTx/>
+                <a:latin typeface="Tenorite"/>
+                <a:ea typeface="+mn-ea"/>
+                <a:cs typeface="+mn-cs"/>
+              </a:rPr>
+              <a:t>Request Media</a:t>
+            </a:r>
+            <a:endParaRPr lang="en-US" dirty="0"/>
+          </a:p>
+        </p:txBody>
+      </p:sp>
+      <p:sp>
+        <p:nvSpPr>
+          <p:cNvPr id="71" name="TextBox 70">
+            <a:extLst>
+              <a:ext uri="{FF2B5EF4-FFF2-40B4-BE49-F238E27FC236}">
+                <a16:creationId xmlns:a16="http://schemas.microsoft.com/office/drawing/2014/main" id="{CF5F16D1-2570-A534-4D69-85D9DCF12D33}"/>
+              </a:ext>
+            </a:extLst>
+          </p:cNvPr>
+          <p:cNvSpPr txBox="1"/>
+          <p:nvPr/>
+        </p:nvSpPr>
+        <p:spPr>
+          <a:xfrm>
+            <a:off x="5523947" y="3913318"/>
+            <a:ext cx="1595776" cy="307777"/>
+          </a:xfrm>
+          <a:prstGeom prst="rect">
+            <a:avLst/>
+          </a:prstGeom>
+          <a:noFill/>
+        </p:spPr>
+        <p:txBody>
+          <a:bodyPr wrap="square">
+            <a:spAutoFit/>
+          </a:bodyPr>
+          <a:lstStyle/>
+          <a:p>
+            <a:r>
+              <a:rPr kumimoji="0" lang="en-US" sz="1400" b="0" i="0" u="none" strike="noStrike" kern="1200" cap="none" spc="0" normalizeH="0" baseline="0" noProof="0" dirty="0">
+                <a:ln>
+                  <a:noFill/>
+                </a:ln>
+                <a:solidFill>
+                  <a:prstClr val="black"/>
+                </a:solidFill>
+                <a:effectLst/>
+                <a:uLnTx/>
+                <a:uFillTx/>
+                <a:latin typeface="Tenorite"/>
+                <a:ea typeface="+mn-ea"/>
+                <a:cs typeface="+mn-cs"/>
+              </a:rPr>
+              <a:t>Update Database</a:t>
+            </a:r>
+            <a:endParaRPr lang="en-US" dirty="0"/>
+          </a:p>
+        </p:txBody>
+      </p:sp>
+      <p:sp>
+        <p:nvSpPr>
+          <p:cNvPr id="72" name="Rectangle: Rounded Corners 71">
+            <a:extLst>
+              <a:ext uri="{FF2B5EF4-FFF2-40B4-BE49-F238E27FC236}">
+                <a16:creationId xmlns:a16="http://schemas.microsoft.com/office/drawing/2014/main" id="{228217E8-504E-EEEA-16F6-2C43D121B79A}"/>
+              </a:ext>
+            </a:extLst>
+          </p:cNvPr>
+          <p:cNvSpPr/>
+          <p:nvPr/>
+        </p:nvSpPr>
+        <p:spPr>
+          <a:xfrm>
+            <a:off x="9700197" y="1588351"/>
+            <a:ext cx="1156273" cy="600297"/>
+          </a:xfrm>
+          <a:prstGeom prst="roundRect">
+            <a:avLst/>
+          </a:prstGeom>
+          <a:solidFill>
+            <a:schemeClr val="accent6">
+              <a:lumMod val="60000"/>
+              <a:lumOff val="40000"/>
+            </a:schemeClr>
+          </a:solidFill>
+        </p:spPr>
+        <p:style>
+          <a:lnRef idx="2">
+            <a:schemeClr val="accent1">
+              <a:shade val="50000"/>
+            </a:schemeClr>
+          </a:lnRef>
+          <a:fillRef idx="1">
+            <a:schemeClr val="accent1"/>
+          </a:fillRef>
+          <a:effectRef idx="0">
+            <a:schemeClr val="accent1"/>
+          </a:effectRef>
+          <a:fontRef idx="minor">
+            <a:schemeClr val="lt1"/>
+          </a:fontRef>
+        </p:style>
+        <p:txBody>
+          <a:bodyPr rtlCol="0" anchor="ctr"/>
+          <a:lstStyle/>
+          <a:p>
+            <a:pPr algn="ctr"/>
+            <a:r>
+              <a:rPr lang="en-US" sz="1600" dirty="0">
+                <a:solidFill>
+                  <a:prstClr val="black"/>
+                </a:solidFill>
+              </a:rPr>
+              <a:t>Data </a:t>
+            </a:r>
+            <a:r>
+              <a:rPr lang="en-US" sz="1600" dirty="0" err="1">
+                <a:solidFill>
+                  <a:prstClr val="black"/>
+                </a:solidFill>
+              </a:rPr>
+              <a:t>Ingestor</a:t>
+            </a:r>
+            <a:endParaRPr lang="en-US" sz="2000" dirty="0"/>
+          </a:p>
+        </p:txBody>
+      </p:sp>
+      <p:sp>
+        <p:nvSpPr>
+          <p:cNvPr id="73" name="Rectangle: Top Corners One Rounded and One Snipped 72">
+            <a:extLst>
+              <a:ext uri="{FF2B5EF4-FFF2-40B4-BE49-F238E27FC236}">
+                <a16:creationId xmlns:a16="http://schemas.microsoft.com/office/drawing/2014/main" id="{88181BB7-F97D-D171-F2A6-BE7A3003B8E4}"/>
+              </a:ext>
+            </a:extLst>
+          </p:cNvPr>
+          <p:cNvSpPr/>
+          <p:nvPr/>
+        </p:nvSpPr>
+        <p:spPr>
+          <a:xfrm>
+            <a:off x="9720844" y="2910922"/>
+            <a:ext cx="1114978" cy="415494"/>
+          </a:xfrm>
+          <a:prstGeom prst="snipRoundRect">
+            <a:avLst>
+              <a:gd name="adj1" fmla="val 18087"/>
+              <a:gd name="adj2" fmla="val 16667"/>
+            </a:avLst>
+          </a:prstGeom>
+          <a:solidFill>
+            <a:srgbClr val="E76767"/>
+          </a:solidFill>
+          <a:ln>
+            <a:solidFill>
+              <a:schemeClr val="tx1">
+                <a:lumMod val="75000"/>
+                <a:lumOff val="25000"/>
+              </a:schemeClr>
+            </a:solidFill>
+          </a:ln>
+        </p:spPr>
+        <p:style>
+          <a:lnRef idx="2">
+            <a:schemeClr val="accent1">
+              <a:shade val="50000"/>
+            </a:schemeClr>
+          </a:lnRef>
+          <a:fillRef idx="1">
+            <a:schemeClr val="accent1"/>
+          </a:fillRef>
+          <a:effectRef idx="0">
+            <a:schemeClr val="accent1"/>
+          </a:effectRef>
+          <a:fontRef idx="minor">
+            <a:schemeClr val="lt1"/>
+          </a:fontRef>
+        </p:style>
+        <p:txBody>
+          <a:bodyPr rtlCol="0" anchor="ctr"/>
+          <a:lstStyle/>
+          <a:p>
+            <a:pPr algn="ctr"/>
+            <a:r>
+              <a:rPr lang="en-US" sz="1600" dirty="0">
+                <a:solidFill>
+                  <a:schemeClr val="tx1"/>
+                </a:solidFill>
+              </a:rPr>
+              <a:t>Distr.</a:t>
+            </a:r>
+            <a:r>
+              <a:rPr lang="en-US" sz="1400" dirty="0">
+                <a:solidFill>
+                  <a:schemeClr val="tx1"/>
+                </a:solidFill>
+              </a:rPr>
+              <a:t> </a:t>
+            </a:r>
+            <a:r>
+              <a:rPr lang="en-US" sz="1600" dirty="0">
+                <a:solidFill>
+                  <a:schemeClr val="tx1"/>
+                </a:solidFill>
+              </a:rPr>
+              <a:t>Db</a:t>
+            </a:r>
+            <a:endParaRPr lang="en-US" sz="1400" dirty="0">
+              <a:solidFill>
+                <a:schemeClr val="tx1"/>
+              </a:solidFill>
+            </a:endParaRPr>
+          </a:p>
+        </p:txBody>
+      </p:sp>
+      <p:cxnSp>
+        <p:nvCxnSpPr>
+          <p:cNvPr id="75" name="Straight Arrow Connector 74">
+            <a:extLst>
+              <a:ext uri="{FF2B5EF4-FFF2-40B4-BE49-F238E27FC236}">
+                <a16:creationId xmlns:a16="http://schemas.microsoft.com/office/drawing/2014/main" id="{F5286D09-775B-CFEF-219D-6183AFE3237D}"/>
+              </a:ext>
+            </a:extLst>
+          </p:cNvPr>
+          <p:cNvCxnSpPr>
+            <a:stCxn id="72" idx="2"/>
+            <a:endCxn id="73" idx="3"/>
+          </p:cNvCxnSpPr>
+          <p:nvPr/>
+        </p:nvCxnSpPr>
+        <p:spPr>
+          <a:xfrm flipH="1">
+            <a:off x="10278333" y="2188648"/>
+            <a:ext cx="1" cy="722274"/>
+          </a:xfrm>
+          <a:prstGeom prst="straightConnector1">
+            <a:avLst/>
+          </a:prstGeom>
+          <a:ln>
+            <a:tailEnd type="triangle"/>
+          </a:ln>
+        </p:spPr>
+        <p:style>
+          <a:lnRef idx="1">
+            <a:schemeClr val="dk1"/>
+          </a:lnRef>
+          <a:fillRef idx="0">
+            <a:schemeClr val="dk1"/>
+          </a:fillRef>
+          <a:effectRef idx="0">
+            <a:schemeClr val="dk1"/>
+          </a:effectRef>
+          <a:fontRef idx="minor">
+            <a:schemeClr val="tx1"/>
+          </a:fontRef>
+        </p:style>
+      </p:cxnSp>
+      <p:cxnSp>
+        <p:nvCxnSpPr>
+          <p:cNvPr id="80" name="Straight Arrow Connector 79">
+            <a:extLst>
+              <a:ext uri="{FF2B5EF4-FFF2-40B4-BE49-F238E27FC236}">
+                <a16:creationId xmlns:a16="http://schemas.microsoft.com/office/drawing/2014/main" id="{EA0D3523-A186-18E7-7E40-CA27ED8B3F8E}"/>
+              </a:ext>
+            </a:extLst>
+          </p:cNvPr>
+          <p:cNvCxnSpPr>
+            <a:cxnSpLocks/>
+            <a:stCxn id="73" idx="2"/>
+          </p:cNvCxnSpPr>
+          <p:nvPr/>
+        </p:nvCxnSpPr>
+        <p:spPr>
+          <a:xfrm flipH="1" flipV="1">
+            <a:off x="8691409" y="3117525"/>
+            <a:ext cx="1029435" cy="1144"/>
+          </a:xfrm>
+          <a:prstGeom prst="straightConnector1">
+            <a:avLst/>
+          </a:prstGeom>
+          <a:ln>
+            <a:tailEnd type="triangle"/>
+          </a:ln>
+        </p:spPr>
+        <p:style>
+          <a:lnRef idx="1">
+            <a:schemeClr val="dk1"/>
+          </a:lnRef>
+          <a:fillRef idx="0">
+            <a:schemeClr val="dk1"/>
+          </a:fillRef>
+          <a:effectRef idx="0">
+            <a:schemeClr val="dk1"/>
+          </a:effectRef>
+          <a:fontRef idx="minor">
+            <a:schemeClr val="tx1"/>
+          </a:fontRef>
+        </p:style>
+      </p:cxnSp>
+      <p:cxnSp>
+        <p:nvCxnSpPr>
+          <p:cNvPr id="84" name="Connector: Elbow 83">
+            <a:extLst>
+              <a:ext uri="{FF2B5EF4-FFF2-40B4-BE49-F238E27FC236}">
+                <a16:creationId xmlns:a16="http://schemas.microsoft.com/office/drawing/2014/main" id="{D38E1822-850E-768A-92C9-94C769BAE380}"/>
+              </a:ext>
+            </a:extLst>
+          </p:cNvPr>
+          <p:cNvCxnSpPr>
+            <a:stCxn id="53" idx="0"/>
+            <a:endCxn id="72" idx="1"/>
+          </p:cNvCxnSpPr>
+          <p:nvPr/>
+        </p:nvCxnSpPr>
+        <p:spPr>
+          <a:xfrm rot="5400000" flipH="1" flipV="1">
+            <a:off x="8397626" y="1610046"/>
+            <a:ext cx="1024116" cy="1581025"/>
+          </a:xfrm>
+          <a:prstGeom prst="bentConnector2">
+            <a:avLst/>
+          </a:prstGeom>
+          <a:ln>
+            <a:tailEnd type="triangle"/>
+          </a:ln>
+        </p:spPr>
+        <p:style>
+          <a:lnRef idx="1">
+            <a:schemeClr val="dk1"/>
+          </a:lnRef>
+          <a:fillRef idx="0">
+            <a:schemeClr val="dk1"/>
+          </a:fillRef>
+          <a:effectRef idx="0">
+            <a:schemeClr val="dk1"/>
+          </a:effectRef>
+          <a:fontRef idx="minor">
+            <a:schemeClr val="tx1"/>
+          </a:fontRef>
+        </p:style>
+      </p:cxnSp>
+      <p:sp>
+        <p:nvSpPr>
+          <p:cNvPr id="85" name="TextBox 84">
+            <a:extLst>
+              <a:ext uri="{FF2B5EF4-FFF2-40B4-BE49-F238E27FC236}">
+                <a16:creationId xmlns:a16="http://schemas.microsoft.com/office/drawing/2014/main" id="{E5751D1C-94BD-4440-9A55-8B6AC5CF7F4C}"/>
+              </a:ext>
+            </a:extLst>
+          </p:cNvPr>
+          <p:cNvSpPr txBox="1"/>
+          <p:nvPr/>
+        </p:nvSpPr>
+        <p:spPr>
+          <a:xfrm>
+            <a:off x="8434294" y="1605465"/>
+            <a:ext cx="811897" cy="307777"/>
+          </a:xfrm>
+          <a:prstGeom prst="rect">
+            <a:avLst/>
+          </a:prstGeom>
+          <a:noFill/>
+        </p:spPr>
+        <p:txBody>
+          <a:bodyPr wrap="square">
+            <a:spAutoFit/>
+          </a:bodyPr>
+          <a:lstStyle/>
+          <a:p>
+            <a:r>
+              <a:rPr lang="en-US" sz="1400" dirty="0"/>
+              <a:t>Sys Call</a:t>
+            </a:r>
+          </a:p>
+        </p:txBody>
+      </p:sp>
+      <p:sp>
+        <p:nvSpPr>
+          <p:cNvPr id="86" name="Rectangle: Rounded Corners 85">
+            <a:extLst>
+              <a:ext uri="{FF2B5EF4-FFF2-40B4-BE49-F238E27FC236}">
+                <a16:creationId xmlns:a16="http://schemas.microsoft.com/office/drawing/2014/main" id="{4A8DA8F7-E782-1708-8B72-81117A6596BC}"/>
+              </a:ext>
+            </a:extLst>
+          </p:cNvPr>
+          <p:cNvSpPr/>
+          <p:nvPr/>
+        </p:nvSpPr>
+        <p:spPr>
+          <a:xfrm>
+            <a:off x="7383717" y="1377503"/>
+            <a:ext cx="3589020" cy="2280288"/>
+          </a:xfrm>
+          <a:prstGeom prst="roundRect">
+            <a:avLst/>
+          </a:prstGeom>
+          <a:noFill/>
+          <a:ln>
+            <a:prstDash val="dash"/>
+          </a:ln>
+        </p:spPr>
+        <p:style>
+          <a:lnRef idx="2">
+            <a:schemeClr val="accent1">
+              <a:shade val="50000"/>
+            </a:schemeClr>
+          </a:lnRef>
+          <a:fillRef idx="1">
+            <a:schemeClr val="accent1"/>
+          </a:fillRef>
+          <a:effectRef idx="0">
+            <a:schemeClr val="accent1"/>
+          </a:effectRef>
+          <a:fontRef idx="minor">
+            <a:schemeClr val="lt1"/>
+          </a:fontRef>
+        </p:style>
+        <p:txBody>
+          <a:bodyPr rtlCol="0" anchor="ctr"/>
+          <a:lstStyle/>
+          <a:p>
+            <a:pPr algn="ctr"/>
+            <a:endParaRPr lang="en-US"/>
+          </a:p>
+        </p:txBody>
+      </p:sp>
+      <p:sp>
+        <p:nvSpPr>
+          <p:cNvPr id="4" name="Rectangle: Rounded Corners 3">
+            <a:extLst>
+              <a:ext uri="{FF2B5EF4-FFF2-40B4-BE49-F238E27FC236}">
+                <a16:creationId xmlns:a16="http://schemas.microsoft.com/office/drawing/2014/main" id="{FD54DC9A-DD2D-4390-BC65-C493B8D75F6C}"/>
+              </a:ext>
+            </a:extLst>
+          </p:cNvPr>
+          <p:cNvSpPr/>
+          <p:nvPr/>
+        </p:nvSpPr>
+        <p:spPr>
+          <a:xfrm>
+            <a:off x="9779623" y="551631"/>
+            <a:ext cx="997419" cy="291516"/>
+          </a:xfrm>
+          <a:prstGeom prst="roundRect">
+            <a:avLst/>
+          </a:prstGeom>
+          <a:solidFill>
+            <a:schemeClr val="accent6">
+              <a:lumMod val="60000"/>
+              <a:lumOff val="40000"/>
+            </a:schemeClr>
+          </a:solidFill>
+        </p:spPr>
+        <p:style>
+          <a:lnRef idx="2">
+            <a:schemeClr val="accent1">
+              <a:shade val="50000"/>
+            </a:schemeClr>
+          </a:lnRef>
+          <a:fillRef idx="1">
+            <a:schemeClr val="accent1"/>
+          </a:fillRef>
+          <a:effectRef idx="0">
+            <a:schemeClr val="accent1"/>
+          </a:effectRef>
+          <a:fontRef idx="minor">
+            <a:schemeClr val="lt1"/>
+          </a:fontRef>
+        </p:style>
+        <p:txBody>
+          <a:bodyPr rtlCol="0" anchor="ctr"/>
+          <a:lstStyle/>
+          <a:p>
+            <a:pPr algn="ctr"/>
+            <a:r>
+              <a:rPr lang="en-US" sz="1000" dirty="0">
+                <a:solidFill>
+                  <a:prstClr val="black"/>
+                </a:solidFill>
+              </a:rPr>
+              <a:t>Simulation or</a:t>
+            </a:r>
+            <a:br>
+              <a:rPr lang="en-US" sz="1000" dirty="0">
+                <a:solidFill>
+                  <a:prstClr val="black"/>
+                </a:solidFill>
+              </a:rPr>
+            </a:br>
+            <a:r>
+              <a:rPr lang="en-US" sz="1000" dirty="0">
+                <a:solidFill>
+                  <a:prstClr val="black"/>
+                </a:solidFill>
+              </a:rPr>
+              <a:t>Environment</a:t>
+            </a:r>
+            <a:endParaRPr lang="en-US" sz="1100" dirty="0"/>
+          </a:p>
+        </p:txBody>
+      </p:sp>
+      <p:cxnSp>
+        <p:nvCxnSpPr>
+          <p:cNvPr id="6" name="Straight Arrow Connector 5">
+            <a:extLst>
+              <a:ext uri="{FF2B5EF4-FFF2-40B4-BE49-F238E27FC236}">
+                <a16:creationId xmlns:a16="http://schemas.microsoft.com/office/drawing/2014/main" id="{5333E676-0105-B5AC-D350-E23786DB298A}"/>
+              </a:ext>
+            </a:extLst>
+          </p:cNvPr>
+          <p:cNvCxnSpPr>
+            <a:stCxn id="4" idx="2"/>
+            <a:endCxn id="72" idx="0"/>
+          </p:cNvCxnSpPr>
+          <p:nvPr/>
+        </p:nvCxnSpPr>
+        <p:spPr>
+          <a:xfrm>
+            <a:off x="10278333" y="843147"/>
+            <a:ext cx="1" cy="745204"/>
+          </a:xfrm>
+          <a:prstGeom prst="straightConnector1">
+            <a:avLst/>
+          </a:prstGeom>
+          <a:ln>
+            <a:prstDash val="dashDot"/>
+            <a:headEnd type="triangle"/>
+            <a:tailEnd type="triangle"/>
+          </a:ln>
+        </p:spPr>
+        <p:style>
+          <a:lnRef idx="1">
+            <a:schemeClr val="dk1"/>
+          </a:lnRef>
+          <a:fillRef idx="0">
+            <a:schemeClr val="dk1"/>
+          </a:fillRef>
+          <a:effectRef idx="0">
+            <a:schemeClr val="dk1"/>
+          </a:effectRef>
+          <a:fontRef idx="minor">
+            <a:schemeClr val="tx1"/>
+          </a:fontRef>
+        </p:style>
+      </p:cxnSp>
     </p:spTree>
     <p:extLst>
       <p:ext uri="{BB962C8B-B14F-4D97-AF65-F5344CB8AC3E}">
@@ -16863,10 +18516,10 @@
       </p:grpSpPr>
       <p:sp>
         <p:nvSpPr>
-          <p:cNvPr id="3" name="Title 2">
-            <a:extLst>
-              <a:ext uri="{FF2B5EF4-FFF2-40B4-BE49-F238E27FC236}">
-                <a16:creationId xmlns:a16="http://schemas.microsoft.com/office/drawing/2014/main" id="{3E5FEE2D-79E5-4C1D-8BF7-EE619CA7039A}"/>
+          <p:cNvPr id="2" name="Title 1">
+            <a:extLst>
+              <a:ext uri="{FF2B5EF4-FFF2-40B4-BE49-F238E27FC236}">
+                <a16:creationId xmlns:a16="http://schemas.microsoft.com/office/drawing/2014/main" id="{AFC6D044-C704-4974-935B-AE3D7EFC9BC4}"/>
               </a:ext>
             </a:extLst>
           </p:cNvPr>
@@ -16879,8 +18532,8 @@
         </p:nvSpPr>
         <p:spPr>
           <a:xfrm>
-            <a:off x="838200" y="365125"/>
-            <a:ext cx="10515600" cy="1325563"/>
+            <a:off x="2151726" y="113308"/>
+            <a:ext cx="7094465" cy="876647"/>
           </a:xfrm>
         </p:spPr>
         <p:txBody>
@@ -16889,916 +18542,17 @@
           <a:p>
             <a:r>
               <a:rPr lang="en-US" dirty="0"/>
-              <a:t>AREAS OF GROWTH</a:t>
-            </a:r>
-          </a:p>
-        </p:txBody>
-      </p:sp>
-      <p:graphicFrame>
-        <p:nvGraphicFramePr>
-          <p:cNvPr id="4" name="Table 4">
-            <a:extLst>
-              <a:ext uri="{FF2B5EF4-FFF2-40B4-BE49-F238E27FC236}">
-                <a16:creationId xmlns:a16="http://schemas.microsoft.com/office/drawing/2014/main" id="{390E7E75-E57A-4FF0-A0E4-A4DBCF6EA89A}"/>
-              </a:ext>
-            </a:extLst>
-          </p:cNvPr>
-          <p:cNvGraphicFramePr>
-            <a:graphicFrameLocks noGrp="1"/>
-          </p:cNvGraphicFramePr>
-          <p:nvPr>
-            <p:ph type="tbl" sz="quarter" idx="14"/>
-            <p:extLst>
-              <p:ext uri="{D42A27DB-BD31-4B8C-83A1-F6EECF244321}">
-                <p14:modId xmlns:p14="http://schemas.microsoft.com/office/powerpoint/2010/main" val="3855681044"/>
-              </p:ext>
-            </p:extLst>
-          </p:nvPr>
-        </p:nvGraphicFramePr>
-        <p:xfrm>
-          <a:off x="838200" y="2111375"/>
-          <a:ext cx="10515600" cy="3570970"/>
-        </p:xfrm>
-        <a:graphic>
-          <a:graphicData uri="http://schemas.openxmlformats.org/drawingml/2006/table">
-            <a:tbl>
-              <a:tblPr firstRow="1" bandRow="1">
-                <a:tableStyleId>{7E9639D4-E3E2-4D34-9284-5A2195B3D0D7}</a:tableStyleId>
-              </a:tblPr>
-              <a:tblGrid>
-                <a:gridCol w="2103120">
-                  <a:extLst>
-                    <a:ext uri="{9D8B030D-6E8A-4147-A177-3AD203B41FA5}">
-                      <a16:colId xmlns:a16="http://schemas.microsoft.com/office/drawing/2014/main" val="3261104555"/>
-                    </a:ext>
-                  </a:extLst>
-                </a:gridCol>
-                <a:gridCol w="2103120">
-                  <a:extLst>
-                    <a:ext uri="{9D8B030D-6E8A-4147-A177-3AD203B41FA5}">
-                      <a16:colId xmlns:a16="http://schemas.microsoft.com/office/drawing/2014/main" val="2547279344"/>
-                    </a:ext>
-                  </a:extLst>
-                </a:gridCol>
-                <a:gridCol w="2103120">
-                  <a:extLst>
-                    <a:ext uri="{9D8B030D-6E8A-4147-A177-3AD203B41FA5}">
-                      <a16:colId xmlns:a16="http://schemas.microsoft.com/office/drawing/2014/main" val="2366228292"/>
-                    </a:ext>
-                  </a:extLst>
-                </a:gridCol>
-                <a:gridCol w="2103120">
-                  <a:extLst>
-                    <a:ext uri="{9D8B030D-6E8A-4147-A177-3AD203B41FA5}">
-                      <a16:colId xmlns:a16="http://schemas.microsoft.com/office/drawing/2014/main" val="934788178"/>
-                    </a:ext>
-                  </a:extLst>
-                </a:gridCol>
-                <a:gridCol w="2103120">
-                  <a:extLst>
-                    <a:ext uri="{9D8B030D-6E8A-4147-A177-3AD203B41FA5}">
-                      <a16:colId xmlns:a16="http://schemas.microsoft.com/office/drawing/2014/main" val="2596635212"/>
-                    </a:ext>
-                  </a:extLst>
-                </a:gridCol>
-              </a:tblGrid>
-              <a:tr h="714194">
-                <a:tc>
-                  <a:txBody>
-                    <a:bodyPr/>
-                    <a:lstStyle/>
-                    <a:p>
-                      <a:pPr algn="ctr" rtl="0" fontAlgn="auto"/>
-                      <a:r>
-                        <a:rPr lang="en-US" sz="1600" b="1" i="0" dirty="0">
-                          <a:solidFill>
-                            <a:srgbClr val="FFFFFF"/>
-                          </a:solidFill>
-                          <a:effectLst/>
-                          <a:latin typeface="+mn-lt"/>
-                        </a:rPr>
-                        <a:t>​</a:t>
-                      </a:r>
-                    </a:p>
-                  </a:txBody>
-                  <a:tcPr anchor="ctr"/>
-                </a:tc>
-                <a:tc>
-                  <a:txBody>
-                    <a:bodyPr/>
-                    <a:lstStyle/>
-                    <a:p>
-                      <a:pPr algn="ctr" rtl="0" fontAlgn="base"/>
-                      <a:r>
-                        <a:rPr lang="en-US" sz="1600" b="0" i="0" dirty="0">
-                          <a:solidFill>
-                            <a:schemeClr val="accent1"/>
-                          </a:solidFill>
-                          <a:effectLst/>
-                          <a:latin typeface="+mn-lt"/>
-                        </a:rPr>
-                        <a:t>CATEGORY 1</a:t>
-                      </a:r>
-                      <a:endParaRPr lang="en-US" sz="1600" b="1" i="0" dirty="0">
-                        <a:solidFill>
-                          <a:schemeClr val="accent1"/>
-                        </a:solidFill>
-                        <a:effectLst/>
-                        <a:latin typeface="+mn-lt"/>
-                      </a:endParaRPr>
-                    </a:p>
-                  </a:txBody>
-                  <a:tcPr anchor="ctr"/>
-                </a:tc>
-                <a:tc>
-                  <a:txBody>
-                    <a:bodyPr/>
-                    <a:lstStyle/>
-                    <a:p>
-                      <a:pPr algn="ctr" rtl="0" fontAlgn="base"/>
-                      <a:r>
-                        <a:rPr lang="en-US" sz="1600" b="0" i="0" dirty="0">
-                          <a:solidFill>
-                            <a:schemeClr val="accent1"/>
-                          </a:solidFill>
-                          <a:effectLst/>
-                          <a:latin typeface="+mn-lt"/>
-                        </a:rPr>
-                        <a:t>CATEGORY 2</a:t>
-                      </a:r>
-                      <a:endParaRPr lang="en-US" sz="1600" b="1" i="0" dirty="0">
-                        <a:solidFill>
-                          <a:schemeClr val="accent1"/>
-                        </a:solidFill>
-                        <a:effectLst/>
-                        <a:latin typeface="+mn-lt"/>
-                      </a:endParaRPr>
-                    </a:p>
-                  </a:txBody>
-                  <a:tcPr anchor="ctr"/>
-                </a:tc>
-                <a:tc>
-                  <a:txBody>
-                    <a:bodyPr/>
-                    <a:lstStyle/>
-                    <a:p>
-                      <a:pPr algn="ctr" rtl="0" fontAlgn="base"/>
-                      <a:r>
-                        <a:rPr lang="en-US" sz="1600" b="0" i="0" kern="1200" dirty="0">
-                          <a:solidFill>
-                            <a:schemeClr val="accent1"/>
-                          </a:solidFill>
-                          <a:effectLst/>
-                          <a:latin typeface="+mn-lt"/>
-                          <a:ea typeface="+mn-ea"/>
-                          <a:cs typeface="+mn-cs"/>
-                        </a:rPr>
-                        <a:t>CATEGORY 3</a:t>
-                      </a:r>
-                      <a:r>
-                        <a:rPr lang="en-US" sz="1600" b="1" i="0" dirty="0">
-                          <a:solidFill>
-                            <a:srgbClr val="FFFFFF"/>
-                          </a:solidFill>
-                          <a:effectLst/>
-                          <a:latin typeface="+mn-lt"/>
-                        </a:rPr>
-                        <a:t>​</a:t>
-                      </a:r>
-                    </a:p>
-                  </a:txBody>
-                  <a:tcPr anchor="ctr"/>
-                </a:tc>
-                <a:tc>
-                  <a:txBody>
-                    <a:bodyPr/>
-                    <a:lstStyle/>
-                    <a:p>
-                      <a:pPr algn="ctr" rtl="0" fontAlgn="base"/>
-                      <a:r>
-                        <a:rPr lang="en-US" sz="1600" b="0" i="0" kern="1200" dirty="0">
-                          <a:solidFill>
-                            <a:schemeClr val="accent1"/>
-                          </a:solidFill>
-                          <a:effectLst/>
-                          <a:latin typeface="+mn-lt"/>
-                          <a:ea typeface="+mn-ea"/>
-                          <a:cs typeface="+mn-cs"/>
-                        </a:rPr>
-                        <a:t>CATEGORY 4​</a:t>
-                      </a:r>
-                    </a:p>
-                  </a:txBody>
-                  <a:tcPr anchor="ctr"/>
-                </a:tc>
-                <a:extLst>
-                  <a:ext uri="{0D108BD9-81ED-4DB2-BD59-A6C34878D82A}">
-                    <a16:rowId xmlns:a16="http://schemas.microsoft.com/office/drawing/2014/main" val="3441328149"/>
-                  </a:ext>
-                </a:extLst>
-              </a:tr>
-              <a:tr h="714194">
-                <a:tc>
-                  <a:txBody>
-                    <a:bodyPr/>
-                    <a:lstStyle/>
-                    <a:p>
-                      <a:pPr algn="ctr" rtl="0" fontAlgn="base"/>
-                      <a:r>
-                        <a:rPr lang="en-US" sz="1400" b="0" i="0" dirty="0">
-                          <a:solidFill>
-                            <a:srgbClr val="333F50"/>
-                          </a:solidFill>
-                          <a:effectLst/>
-                          <a:latin typeface="+mn-lt"/>
-                        </a:rPr>
-                        <a:t>Q1</a:t>
-                      </a:r>
-                      <a:endParaRPr lang="en-US" sz="1400" b="0" i="0" dirty="0">
-                        <a:solidFill>
-                          <a:srgbClr val="000000"/>
-                        </a:solidFill>
-                        <a:effectLst/>
-                        <a:latin typeface="+mn-lt"/>
-                      </a:endParaRPr>
-                    </a:p>
-                  </a:txBody>
-                  <a:tcPr anchor="ctr">
-                    <a:lnL w="12700" cap="flat" cmpd="sng" algn="ctr">
-                      <a:noFill/>
-                      <a:prstDash val="solid"/>
-                      <a:round/>
-                      <a:headEnd type="none" w="med" len="med"/>
-                      <a:tailEnd type="none" w="med" len="med"/>
-                    </a:lnL>
-                  </a:tcPr>
-                </a:tc>
-                <a:tc>
-                  <a:txBody>
-                    <a:bodyPr/>
-                    <a:lstStyle/>
-                    <a:p>
-                      <a:pPr algn="ctr" rtl="0" fontAlgn="base"/>
-                      <a:r>
-                        <a:rPr lang="en-US" sz="1400" b="0" i="0" dirty="0">
-                          <a:solidFill>
-                            <a:srgbClr val="333F50"/>
-                          </a:solidFill>
-                          <a:effectLst/>
-                          <a:latin typeface="+mn-lt"/>
-                        </a:rPr>
-                        <a:t>4.5</a:t>
-                      </a:r>
-                      <a:r>
-                        <a:rPr lang="en-US" sz="1400" b="0" i="0" dirty="0">
-                          <a:solidFill>
-                            <a:srgbClr val="000000"/>
-                          </a:solidFill>
-                          <a:effectLst/>
-                          <a:latin typeface="+mn-lt"/>
-                        </a:rPr>
-                        <a:t>​</a:t>
-                      </a:r>
-                    </a:p>
-                  </a:txBody>
-                  <a:tcPr anchor="ctr"/>
-                </a:tc>
-                <a:tc>
-                  <a:txBody>
-                    <a:bodyPr/>
-                    <a:lstStyle/>
-                    <a:p>
-                      <a:pPr algn="ctr" rtl="0" fontAlgn="base"/>
-                      <a:r>
-                        <a:rPr lang="en-US" sz="1400" b="0" i="0" dirty="0">
-                          <a:solidFill>
-                            <a:srgbClr val="333F50"/>
-                          </a:solidFill>
-                          <a:effectLst/>
-                          <a:latin typeface="+mn-lt"/>
-                        </a:rPr>
-                        <a:t>2.3</a:t>
-                      </a:r>
-                      <a:r>
-                        <a:rPr lang="en-US" sz="1400" b="0" i="0" dirty="0">
-                          <a:solidFill>
-                            <a:srgbClr val="000000"/>
-                          </a:solidFill>
-                          <a:effectLst/>
-                          <a:latin typeface="+mn-lt"/>
-                        </a:rPr>
-                        <a:t>​</a:t>
-                      </a:r>
-                    </a:p>
-                  </a:txBody>
-                  <a:tcPr anchor="ctr"/>
-                </a:tc>
-                <a:tc>
-                  <a:txBody>
-                    <a:bodyPr/>
-                    <a:lstStyle/>
-                    <a:p>
-                      <a:pPr algn="ctr" rtl="0" fontAlgn="base"/>
-                      <a:r>
-                        <a:rPr lang="en-US" sz="1400" b="0" i="0" dirty="0">
-                          <a:solidFill>
-                            <a:srgbClr val="333F50"/>
-                          </a:solidFill>
-                          <a:effectLst/>
-                          <a:latin typeface="+mn-lt"/>
-                        </a:rPr>
-                        <a:t>1.7</a:t>
-                      </a:r>
-                      <a:r>
-                        <a:rPr lang="en-US" sz="1400" b="0" i="0" dirty="0">
-                          <a:solidFill>
-                            <a:srgbClr val="000000"/>
-                          </a:solidFill>
-                          <a:effectLst/>
-                          <a:latin typeface="+mn-lt"/>
-                        </a:rPr>
-                        <a:t>​</a:t>
-                      </a:r>
-                    </a:p>
-                  </a:txBody>
-                  <a:tcPr anchor="ctr">
-                    <a:lnR w="12700" cap="flat" cmpd="sng" algn="ctr">
-                      <a:noFill/>
-                      <a:prstDash val="solid"/>
-                      <a:round/>
-                      <a:headEnd type="none" w="med" len="med"/>
-                      <a:tailEnd type="none" w="med" len="med"/>
-                    </a:lnR>
-                  </a:tcPr>
-                </a:tc>
-                <a:tc>
-                  <a:txBody>
-                    <a:bodyPr/>
-                    <a:lstStyle/>
-                    <a:p>
-                      <a:pPr algn="ctr" rtl="0" fontAlgn="base"/>
-                      <a:r>
-                        <a:rPr lang="en-US" sz="1400" b="0" i="0" dirty="0">
-                          <a:solidFill>
-                            <a:srgbClr val="333F50"/>
-                          </a:solidFill>
-                          <a:effectLst/>
-                          <a:latin typeface="+mn-lt"/>
-                        </a:rPr>
-                        <a:t>5</a:t>
-                      </a:r>
-                      <a:r>
-                        <a:rPr lang="en-US" sz="1400" b="0" i="0" dirty="0">
-                          <a:solidFill>
-                            <a:srgbClr val="000000"/>
-                          </a:solidFill>
-                          <a:effectLst/>
-                          <a:latin typeface="+mn-lt"/>
-                        </a:rPr>
-                        <a:t>​.0</a:t>
-                      </a:r>
-                    </a:p>
-                  </a:txBody>
-                  <a:tcPr anchor="ctr">
-                    <a:lnL w="12700" cap="flat" cmpd="sng" algn="ctr">
-                      <a:noFill/>
-                      <a:prstDash val="solid"/>
-                      <a:round/>
-                      <a:headEnd type="none" w="med" len="med"/>
-                      <a:tailEnd type="none" w="med" len="med"/>
-                    </a:lnL>
-                    <a:lnR w="12700" cap="flat" cmpd="sng" algn="ctr">
-                      <a:noFill/>
-                      <a:prstDash val="solid"/>
-                      <a:round/>
-                      <a:headEnd type="none" w="med" len="med"/>
-                      <a:tailEnd type="none" w="med" len="med"/>
-                    </a:lnR>
-                  </a:tcPr>
-                </a:tc>
-                <a:extLst>
-                  <a:ext uri="{0D108BD9-81ED-4DB2-BD59-A6C34878D82A}">
-                    <a16:rowId xmlns:a16="http://schemas.microsoft.com/office/drawing/2014/main" val="3134841754"/>
-                  </a:ext>
-                </a:extLst>
-              </a:tr>
-              <a:tr h="714194">
-                <a:tc>
-                  <a:txBody>
-                    <a:bodyPr/>
-                    <a:lstStyle/>
-                    <a:p>
-                      <a:pPr algn="ctr" rtl="0" fontAlgn="base"/>
-                      <a:r>
-                        <a:rPr lang="en-US" sz="1400" b="0" i="0" dirty="0">
-                          <a:solidFill>
-                            <a:srgbClr val="333F50"/>
-                          </a:solidFill>
-                          <a:effectLst/>
-                          <a:latin typeface="+mn-lt"/>
-                        </a:rPr>
-                        <a:t>Q2</a:t>
-                      </a:r>
-                      <a:endParaRPr lang="en-US" sz="1400" b="0" i="0" dirty="0">
-                        <a:solidFill>
-                          <a:srgbClr val="000000"/>
-                        </a:solidFill>
-                        <a:effectLst/>
-                        <a:latin typeface="+mn-lt"/>
-                      </a:endParaRPr>
-                    </a:p>
-                  </a:txBody>
-                  <a:tcPr anchor="ctr">
-                    <a:lnL w="12700" cap="flat" cmpd="sng" algn="ctr">
-                      <a:noFill/>
-                      <a:prstDash val="solid"/>
-                      <a:round/>
-                      <a:headEnd type="none" w="med" len="med"/>
-                      <a:tailEnd type="none" w="med" len="med"/>
-                    </a:lnL>
-                  </a:tcPr>
-                </a:tc>
-                <a:tc>
-                  <a:txBody>
-                    <a:bodyPr/>
-                    <a:lstStyle/>
-                    <a:p>
-                      <a:pPr algn="ctr" rtl="0" fontAlgn="base"/>
-                      <a:r>
-                        <a:rPr lang="en-US" sz="1400" b="0" i="0" dirty="0">
-                          <a:solidFill>
-                            <a:srgbClr val="333F50"/>
-                          </a:solidFill>
-                          <a:effectLst/>
-                          <a:latin typeface="+mn-lt"/>
-                        </a:rPr>
-                        <a:t>3.2</a:t>
-                      </a:r>
-                      <a:r>
-                        <a:rPr lang="en-US" sz="1400" b="0" i="0" dirty="0">
-                          <a:solidFill>
-                            <a:srgbClr val="000000"/>
-                          </a:solidFill>
-                          <a:effectLst/>
-                          <a:latin typeface="+mn-lt"/>
-                        </a:rPr>
-                        <a:t>​</a:t>
-                      </a:r>
-                    </a:p>
-                  </a:txBody>
-                  <a:tcPr anchor="ctr"/>
-                </a:tc>
-                <a:tc>
-                  <a:txBody>
-                    <a:bodyPr/>
-                    <a:lstStyle/>
-                    <a:p>
-                      <a:pPr algn="ctr" rtl="0" fontAlgn="base"/>
-                      <a:r>
-                        <a:rPr lang="en-US" sz="1400" b="0" i="0" dirty="0">
-                          <a:solidFill>
-                            <a:srgbClr val="333F50"/>
-                          </a:solidFill>
-                          <a:effectLst/>
-                          <a:latin typeface="+mn-lt"/>
-                        </a:rPr>
-                        <a:t>5.1</a:t>
-                      </a:r>
-                      <a:r>
-                        <a:rPr lang="en-US" sz="1400" b="0" i="0" dirty="0">
-                          <a:solidFill>
-                            <a:srgbClr val="000000"/>
-                          </a:solidFill>
-                          <a:effectLst/>
-                          <a:latin typeface="+mn-lt"/>
-                        </a:rPr>
-                        <a:t>​</a:t>
-                      </a:r>
-                    </a:p>
-                  </a:txBody>
-                  <a:tcPr anchor="ctr"/>
-                </a:tc>
-                <a:tc>
-                  <a:txBody>
-                    <a:bodyPr/>
-                    <a:lstStyle/>
-                    <a:p>
-                      <a:pPr algn="ctr" rtl="0" fontAlgn="base"/>
-                      <a:r>
-                        <a:rPr lang="en-US" sz="1400" b="0" i="0" dirty="0">
-                          <a:solidFill>
-                            <a:srgbClr val="333F50"/>
-                          </a:solidFill>
-                          <a:effectLst/>
-                          <a:latin typeface="+mn-lt"/>
-                        </a:rPr>
-                        <a:t>4.4</a:t>
-                      </a:r>
-                      <a:r>
-                        <a:rPr lang="en-US" sz="1400" b="0" i="0" dirty="0">
-                          <a:solidFill>
-                            <a:srgbClr val="000000"/>
-                          </a:solidFill>
-                          <a:effectLst/>
-                          <a:latin typeface="+mn-lt"/>
-                        </a:rPr>
-                        <a:t>​</a:t>
-                      </a:r>
-                    </a:p>
-                  </a:txBody>
-                  <a:tcPr anchor="ctr"/>
-                </a:tc>
-                <a:tc>
-                  <a:txBody>
-                    <a:bodyPr/>
-                    <a:lstStyle/>
-                    <a:p>
-                      <a:pPr algn="ctr" rtl="0" fontAlgn="base"/>
-                      <a:r>
-                        <a:rPr lang="en-US" sz="1400" b="0" i="0" dirty="0">
-                          <a:solidFill>
-                            <a:srgbClr val="333F50"/>
-                          </a:solidFill>
-                          <a:effectLst/>
-                          <a:latin typeface="+mn-lt"/>
-                        </a:rPr>
-                        <a:t>3</a:t>
-                      </a:r>
-                      <a:r>
-                        <a:rPr lang="en-US" sz="1400" b="0" i="0" dirty="0">
-                          <a:solidFill>
-                            <a:srgbClr val="000000"/>
-                          </a:solidFill>
-                          <a:effectLst/>
-                          <a:latin typeface="+mn-lt"/>
-                        </a:rPr>
-                        <a:t>​.0</a:t>
-                      </a:r>
-                    </a:p>
-                  </a:txBody>
-                  <a:tcPr anchor="ctr">
-                    <a:lnR w="12700" cap="flat" cmpd="sng" algn="ctr">
-                      <a:noFill/>
-                      <a:prstDash val="solid"/>
-                      <a:round/>
-                      <a:headEnd type="none" w="med" len="med"/>
-                      <a:tailEnd type="none" w="med" len="med"/>
-                    </a:lnR>
-                  </a:tcPr>
-                </a:tc>
-                <a:extLst>
-                  <a:ext uri="{0D108BD9-81ED-4DB2-BD59-A6C34878D82A}">
-                    <a16:rowId xmlns:a16="http://schemas.microsoft.com/office/drawing/2014/main" val="4129140390"/>
-                  </a:ext>
-                </a:extLst>
-              </a:tr>
-              <a:tr h="714194">
-                <a:tc>
-                  <a:txBody>
-                    <a:bodyPr/>
-                    <a:lstStyle/>
-                    <a:p>
-                      <a:pPr algn="ctr" rtl="0" fontAlgn="base"/>
-                      <a:r>
-                        <a:rPr lang="en-US" sz="1400" b="0" i="0" dirty="0">
-                          <a:solidFill>
-                            <a:srgbClr val="333F50"/>
-                          </a:solidFill>
-                          <a:effectLst/>
-                          <a:latin typeface="+mn-lt"/>
-                        </a:rPr>
-                        <a:t>Q3</a:t>
-                      </a:r>
-                      <a:endParaRPr lang="en-US" sz="1400" b="0" i="0" dirty="0">
-                        <a:solidFill>
-                          <a:srgbClr val="000000"/>
-                        </a:solidFill>
-                        <a:effectLst/>
-                        <a:latin typeface="+mn-lt"/>
-                      </a:endParaRPr>
-                    </a:p>
-                  </a:txBody>
-                  <a:tcPr anchor="ctr">
-                    <a:lnL w="12700" cap="flat" cmpd="sng" algn="ctr">
-                      <a:noFill/>
-                      <a:prstDash val="solid"/>
-                      <a:round/>
-                      <a:headEnd type="none" w="med" len="med"/>
-                      <a:tailEnd type="none" w="med" len="med"/>
-                    </a:lnL>
-                  </a:tcPr>
-                </a:tc>
-                <a:tc>
-                  <a:txBody>
-                    <a:bodyPr/>
-                    <a:lstStyle/>
-                    <a:p>
-                      <a:pPr algn="ctr" rtl="0" fontAlgn="base"/>
-                      <a:r>
-                        <a:rPr lang="en-US" sz="1400" b="0" i="0" dirty="0">
-                          <a:solidFill>
-                            <a:srgbClr val="333F50"/>
-                          </a:solidFill>
-                          <a:effectLst/>
-                          <a:latin typeface="+mn-lt"/>
-                        </a:rPr>
-                        <a:t>2.1</a:t>
-                      </a:r>
-                      <a:r>
-                        <a:rPr lang="en-US" sz="1400" b="0" i="0" dirty="0">
-                          <a:solidFill>
-                            <a:srgbClr val="000000"/>
-                          </a:solidFill>
-                          <a:effectLst/>
-                          <a:latin typeface="+mn-lt"/>
-                        </a:rPr>
-                        <a:t>​</a:t>
-                      </a:r>
-                    </a:p>
-                  </a:txBody>
-                  <a:tcPr anchor="ctr"/>
-                </a:tc>
-                <a:tc>
-                  <a:txBody>
-                    <a:bodyPr/>
-                    <a:lstStyle/>
-                    <a:p>
-                      <a:pPr algn="ctr" rtl="0" fontAlgn="base"/>
-                      <a:r>
-                        <a:rPr lang="en-US" sz="1400" b="0" i="0" dirty="0">
-                          <a:solidFill>
-                            <a:srgbClr val="333F50"/>
-                          </a:solidFill>
-                          <a:effectLst/>
-                          <a:latin typeface="+mn-lt"/>
-                        </a:rPr>
-                        <a:t>1.7</a:t>
-                      </a:r>
-                      <a:r>
-                        <a:rPr lang="en-US" sz="1400" b="0" i="0" dirty="0">
-                          <a:solidFill>
-                            <a:srgbClr val="000000"/>
-                          </a:solidFill>
-                          <a:effectLst/>
-                          <a:latin typeface="+mn-lt"/>
-                        </a:rPr>
-                        <a:t>​</a:t>
-                      </a:r>
-                    </a:p>
-                  </a:txBody>
-                  <a:tcPr anchor="ctr"/>
-                </a:tc>
-                <a:tc>
-                  <a:txBody>
-                    <a:bodyPr/>
-                    <a:lstStyle/>
-                    <a:p>
-                      <a:pPr algn="ctr" rtl="0" fontAlgn="base"/>
-                      <a:r>
-                        <a:rPr lang="en-US" sz="1400" b="0" i="0" dirty="0">
-                          <a:solidFill>
-                            <a:srgbClr val="333F50"/>
-                          </a:solidFill>
-                          <a:effectLst/>
-                          <a:latin typeface="+mn-lt"/>
-                        </a:rPr>
-                        <a:t>2.5</a:t>
-                      </a:r>
-                      <a:r>
-                        <a:rPr lang="en-US" sz="1400" b="0" i="0" dirty="0">
-                          <a:solidFill>
-                            <a:srgbClr val="000000"/>
-                          </a:solidFill>
-                          <a:effectLst/>
-                          <a:latin typeface="+mn-lt"/>
-                        </a:rPr>
-                        <a:t>​</a:t>
-                      </a:r>
-                    </a:p>
-                  </a:txBody>
-                  <a:tcPr anchor="ctr"/>
-                </a:tc>
-                <a:tc>
-                  <a:txBody>
-                    <a:bodyPr/>
-                    <a:lstStyle/>
-                    <a:p>
-                      <a:pPr algn="ctr" rtl="0" fontAlgn="base"/>
-                      <a:r>
-                        <a:rPr lang="en-US" sz="1400" b="0" i="0" dirty="0">
-                          <a:solidFill>
-                            <a:srgbClr val="333F50"/>
-                          </a:solidFill>
-                          <a:effectLst/>
-                          <a:latin typeface="+mn-lt"/>
-                        </a:rPr>
-                        <a:t>2.8</a:t>
-                      </a:r>
-                      <a:r>
-                        <a:rPr lang="en-US" sz="1400" b="0" i="0" dirty="0">
-                          <a:solidFill>
-                            <a:srgbClr val="000000"/>
-                          </a:solidFill>
-                          <a:effectLst/>
-                          <a:latin typeface="+mn-lt"/>
-                        </a:rPr>
-                        <a:t>​</a:t>
-                      </a:r>
-                    </a:p>
-                  </a:txBody>
-                  <a:tcPr anchor="ctr">
-                    <a:lnR w="12700" cap="flat" cmpd="sng" algn="ctr">
-                      <a:noFill/>
-                      <a:prstDash val="solid"/>
-                      <a:round/>
-                      <a:headEnd type="none" w="med" len="med"/>
-                      <a:tailEnd type="none" w="med" len="med"/>
-                    </a:lnR>
-                  </a:tcPr>
-                </a:tc>
-                <a:extLst>
-                  <a:ext uri="{0D108BD9-81ED-4DB2-BD59-A6C34878D82A}">
-                    <a16:rowId xmlns:a16="http://schemas.microsoft.com/office/drawing/2014/main" val="1699990805"/>
-                  </a:ext>
-                </a:extLst>
-              </a:tr>
-              <a:tr h="714194">
-                <a:tc>
-                  <a:txBody>
-                    <a:bodyPr/>
-                    <a:lstStyle/>
-                    <a:p>
-                      <a:pPr algn="ctr" rtl="0" fontAlgn="base"/>
-                      <a:r>
-                        <a:rPr lang="en-US" sz="1400" b="0" i="0" dirty="0">
-                          <a:solidFill>
-                            <a:srgbClr val="333F50"/>
-                          </a:solidFill>
-                          <a:effectLst/>
-                          <a:latin typeface="+mn-lt"/>
-                        </a:rPr>
-                        <a:t>Q4</a:t>
-                      </a:r>
-                      <a:endParaRPr lang="en-US" sz="1400" b="0" i="0" dirty="0">
-                        <a:solidFill>
-                          <a:srgbClr val="000000"/>
-                        </a:solidFill>
-                        <a:effectLst/>
-                        <a:latin typeface="+mn-lt"/>
-                      </a:endParaRPr>
-                    </a:p>
-                  </a:txBody>
-                  <a:tcPr anchor="ctr">
-                    <a:lnL w="12700" cap="flat" cmpd="sng" algn="ctr">
-                      <a:noFill/>
-                      <a:prstDash val="solid"/>
-                      <a:round/>
-                      <a:headEnd type="none" w="med" len="med"/>
-                      <a:tailEnd type="none" w="med" len="med"/>
-                    </a:lnL>
-                  </a:tcPr>
-                </a:tc>
-                <a:tc>
-                  <a:txBody>
-                    <a:bodyPr/>
-                    <a:lstStyle/>
-                    <a:p>
-                      <a:pPr algn="ctr" rtl="0" fontAlgn="base"/>
-                      <a:r>
-                        <a:rPr lang="en-US" sz="1400" b="0" i="0" dirty="0">
-                          <a:solidFill>
-                            <a:srgbClr val="333F50"/>
-                          </a:solidFill>
-                          <a:effectLst/>
-                          <a:latin typeface="+mn-lt"/>
-                        </a:rPr>
-                        <a:t>4.5</a:t>
-                      </a:r>
-                      <a:r>
-                        <a:rPr lang="en-US" sz="1400" b="0" i="0" dirty="0">
-                          <a:solidFill>
-                            <a:srgbClr val="000000"/>
-                          </a:solidFill>
-                          <a:effectLst/>
-                          <a:latin typeface="+mn-lt"/>
-                        </a:rPr>
-                        <a:t>​</a:t>
-                      </a:r>
-                    </a:p>
-                  </a:txBody>
-                  <a:tcPr anchor="ctr"/>
-                </a:tc>
-                <a:tc>
-                  <a:txBody>
-                    <a:bodyPr/>
-                    <a:lstStyle/>
-                    <a:p>
-                      <a:pPr algn="ctr" rtl="0" fontAlgn="base"/>
-                      <a:r>
-                        <a:rPr lang="en-US" sz="1400" b="0" i="0" dirty="0">
-                          <a:solidFill>
-                            <a:srgbClr val="333F50"/>
-                          </a:solidFill>
-                          <a:effectLst/>
-                          <a:latin typeface="+mn-lt"/>
-                        </a:rPr>
-                        <a:t>2.2</a:t>
-                      </a:r>
-                      <a:r>
-                        <a:rPr lang="en-US" sz="1400" b="0" i="0" dirty="0">
-                          <a:solidFill>
-                            <a:srgbClr val="000000"/>
-                          </a:solidFill>
-                          <a:effectLst/>
-                          <a:latin typeface="+mn-lt"/>
-                        </a:rPr>
-                        <a:t>​</a:t>
-                      </a:r>
-                    </a:p>
-                  </a:txBody>
-                  <a:tcPr anchor="ctr"/>
-                </a:tc>
-                <a:tc>
-                  <a:txBody>
-                    <a:bodyPr/>
-                    <a:lstStyle/>
-                    <a:p>
-                      <a:pPr algn="ctr" rtl="0" fontAlgn="base"/>
-                      <a:r>
-                        <a:rPr lang="en-US" sz="1400" b="0" i="0" dirty="0">
-                          <a:solidFill>
-                            <a:srgbClr val="333F50"/>
-                          </a:solidFill>
-                          <a:effectLst/>
-                          <a:latin typeface="+mn-lt"/>
-                        </a:rPr>
-                        <a:t>1.7</a:t>
-                      </a:r>
-                      <a:r>
-                        <a:rPr lang="en-US" sz="1400" b="0" i="0" dirty="0">
-                          <a:solidFill>
-                            <a:srgbClr val="000000"/>
-                          </a:solidFill>
-                          <a:effectLst/>
-                          <a:latin typeface="+mn-lt"/>
-                        </a:rPr>
-                        <a:t>​</a:t>
-                      </a:r>
-                    </a:p>
-                  </a:txBody>
-                  <a:tcPr anchor="ctr"/>
-                </a:tc>
-                <a:tc>
-                  <a:txBody>
-                    <a:bodyPr/>
-                    <a:lstStyle/>
-                    <a:p>
-                      <a:pPr algn="ctr" rtl="0" fontAlgn="base"/>
-                      <a:r>
-                        <a:rPr lang="en-US" sz="1400" b="0" i="0" dirty="0">
-                          <a:solidFill>
-                            <a:srgbClr val="333F50"/>
-                          </a:solidFill>
-                          <a:effectLst/>
-                          <a:latin typeface="+mn-lt"/>
-                        </a:rPr>
-                        <a:t>7.0</a:t>
-                      </a:r>
-                      <a:endParaRPr lang="en-US" sz="1400" b="0" i="0" dirty="0">
-                        <a:solidFill>
-                          <a:srgbClr val="000000"/>
-                        </a:solidFill>
-                        <a:effectLst/>
-                        <a:latin typeface="+mn-lt"/>
-                      </a:endParaRPr>
-                    </a:p>
-                  </a:txBody>
-                  <a:tcPr anchor="ctr">
-                    <a:lnR w="12700" cap="flat" cmpd="sng" algn="ctr">
-                      <a:noFill/>
-                      <a:prstDash val="solid"/>
-                      <a:round/>
-                      <a:headEnd type="none" w="med" len="med"/>
-                      <a:tailEnd type="none" w="med" len="med"/>
-                    </a:lnR>
-                  </a:tcPr>
-                </a:tc>
-                <a:extLst>
-                  <a:ext uri="{0D108BD9-81ED-4DB2-BD59-A6C34878D82A}">
-                    <a16:rowId xmlns:a16="http://schemas.microsoft.com/office/drawing/2014/main" val="3388671141"/>
-                  </a:ext>
-                </a:extLst>
-              </a:tr>
-            </a:tbl>
-          </a:graphicData>
-        </a:graphic>
-      </p:graphicFrame>
-      <p:sp>
-        <p:nvSpPr>
-          <p:cNvPr id="7" name="Date Placeholder 6">
-            <a:extLst>
-              <a:ext uri="{FF2B5EF4-FFF2-40B4-BE49-F238E27FC236}">
-                <a16:creationId xmlns:a16="http://schemas.microsoft.com/office/drawing/2014/main" id="{E7F1AE66-47AA-4110-86B9-0626D4953989}"/>
+              <a:t>DEVICE FLOW DIAGRAM</a:t>
+            </a:r>
+          </a:p>
+        </p:txBody>
+      </p:sp>
+      <p:sp>
+        <p:nvSpPr>
+          <p:cNvPr id="9" name="Date Placeholder 8">
+            <a:extLst>
+              <a:ext uri="{FF2B5EF4-FFF2-40B4-BE49-F238E27FC236}">
+                <a16:creationId xmlns:a16="http://schemas.microsoft.com/office/drawing/2014/main" id="{A672774E-BCBF-4B44-9E79-28E9153ABA7E}"/>
               </a:ext>
             </a:extLst>
           </p:cNvPr>
@@ -17828,10 +18582,10 @@
       </p:sp>
       <p:sp>
         <p:nvSpPr>
-          <p:cNvPr id="8" name="Footer Placeholder 7">
-            <a:extLst>
-              <a:ext uri="{FF2B5EF4-FFF2-40B4-BE49-F238E27FC236}">
-                <a16:creationId xmlns:a16="http://schemas.microsoft.com/office/drawing/2014/main" id="{8BA5A93F-DCAE-40B8-8E94-3239A1A6A21A}"/>
+          <p:cNvPr id="10" name="Footer Placeholder 9">
+            <a:extLst>
+              <a:ext uri="{FF2B5EF4-FFF2-40B4-BE49-F238E27FC236}">
+                <a16:creationId xmlns:a16="http://schemas.microsoft.com/office/drawing/2014/main" id="{18FAD6D3-B1FB-463D-87D0-FA9A4AEA13D6}"/>
               </a:ext>
             </a:extLst>
           </p:cNvPr>
@@ -17861,10 +18615,10 @@
       </p:sp>
       <p:sp>
         <p:nvSpPr>
-          <p:cNvPr id="9" name="Slide Number Placeholder 8">
-            <a:extLst>
-              <a:ext uri="{FF2B5EF4-FFF2-40B4-BE49-F238E27FC236}">
-                <a16:creationId xmlns:a16="http://schemas.microsoft.com/office/drawing/2014/main" id="{03091613-153A-4005-9F4D-2F185AE5F7BF}"/>
+          <p:cNvPr id="11" name="Slide Number Placeholder 10">
+            <a:extLst>
+              <a:ext uri="{FF2B5EF4-FFF2-40B4-BE49-F238E27FC236}">
+                <a16:creationId xmlns:a16="http://schemas.microsoft.com/office/drawing/2014/main" id="{6D5843A7-CBF3-441B-919C-8467B2BB19B5}"/>
               </a:ext>
             </a:extLst>
           </p:cNvPr>
@@ -17894,10 +18648,2317 @@
           </a:p>
         </p:txBody>
       </p:sp>
+      <p:sp>
+        <p:nvSpPr>
+          <p:cNvPr id="21" name="TextBox 20">
+            <a:extLst>
+              <a:ext uri="{FF2B5EF4-FFF2-40B4-BE49-F238E27FC236}">
+                <a16:creationId xmlns:a16="http://schemas.microsoft.com/office/drawing/2014/main" id="{4515D1F4-AEEB-C58B-4729-5F55ABB689EA}"/>
+              </a:ext>
+            </a:extLst>
+          </p:cNvPr>
+          <p:cNvSpPr txBox="1"/>
+          <p:nvPr/>
+        </p:nvSpPr>
+        <p:spPr>
+          <a:xfrm>
+            <a:off x="1860114" y="2387788"/>
+            <a:ext cx="6096982" cy="307777"/>
+          </a:xfrm>
+          <a:prstGeom prst="rect">
+            <a:avLst/>
+          </a:prstGeom>
+          <a:noFill/>
+        </p:spPr>
+        <p:txBody>
+          <a:bodyPr wrap="square">
+            <a:spAutoFit/>
+          </a:bodyPr>
+          <a:lstStyle/>
+          <a:p>
+            <a:r>
+              <a:rPr kumimoji="0" lang="en-US" sz="1400" b="0" i="0" u="none" strike="noStrike" kern="1200" cap="none" spc="0" normalizeH="0" baseline="0" noProof="0" dirty="0">
+                <a:ln>
+                  <a:noFill/>
+                </a:ln>
+                <a:solidFill>
+                  <a:schemeClr val="bg2">
+                    <a:lumMod val="75000"/>
+                  </a:schemeClr>
+                </a:solidFill>
+                <a:effectLst/>
+                <a:uLnTx/>
+                <a:uFillTx/>
+                <a:latin typeface="Tenorite"/>
+                <a:ea typeface="+mn-ea"/>
+                <a:cs typeface="+mn-cs"/>
+              </a:rPr>
+              <a:t>GPIO PINS</a:t>
+            </a:r>
+            <a:endParaRPr lang="en-US" sz="1200" dirty="0">
+              <a:solidFill>
+                <a:schemeClr val="bg2">
+                  <a:lumMod val="75000"/>
+                </a:schemeClr>
+              </a:solidFill>
+            </a:endParaRPr>
+          </a:p>
+        </p:txBody>
+      </p:sp>
+      <p:sp>
+        <p:nvSpPr>
+          <p:cNvPr id="45" name="Rectangle: Rounded Corners 44">
+            <a:extLst>
+              <a:ext uri="{FF2B5EF4-FFF2-40B4-BE49-F238E27FC236}">
+                <a16:creationId xmlns:a16="http://schemas.microsoft.com/office/drawing/2014/main" id="{383B20EF-35EC-4857-DE54-919E9627F4C0}"/>
+              </a:ext>
+            </a:extLst>
+          </p:cNvPr>
+          <p:cNvSpPr/>
+          <p:nvPr/>
+        </p:nvSpPr>
+        <p:spPr>
+          <a:xfrm>
+            <a:off x="186812" y="5809473"/>
+            <a:ext cx="11641394" cy="504922"/>
+          </a:xfrm>
+          <a:prstGeom prst="roundRect">
+            <a:avLst/>
+          </a:prstGeom>
+          <a:ln>
+            <a:prstDash val="dashDot"/>
+          </a:ln>
+        </p:spPr>
+        <p:style>
+          <a:lnRef idx="2">
+            <a:schemeClr val="accent1">
+              <a:shade val="50000"/>
+            </a:schemeClr>
+          </a:lnRef>
+          <a:fillRef idx="1">
+            <a:schemeClr val="accent1"/>
+          </a:fillRef>
+          <a:effectRef idx="0">
+            <a:schemeClr val="accent1"/>
+          </a:effectRef>
+          <a:fontRef idx="minor">
+            <a:schemeClr val="lt1"/>
+          </a:fontRef>
+        </p:style>
+        <p:txBody>
+          <a:bodyPr rtlCol="0" anchor="ctr"/>
+          <a:lstStyle/>
+          <a:p>
+            <a:pPr marL="0" marR="0" lvl="0" indent="0" algn="l" defTabSz="914400" rtl="0" eaLnBrk="1" fontAlgn="auto" latinLnBrk="0" hangingPunct="1">
+              <a:lnSpc>
+                <a:spcPct val="100000"/>
+              </a:lnSpc>
+              <a:spcBef>
+                <a:spcPts val="0"/>
+              </a:spcBef>
+              <a:spcAft>
+                <a:spcPts val="0"/>
+              </a:spcAft>
+              <a:buClrTx/>
+              <a:buSzTx/>
+              <a:buFontTx/>
+              <a:buNone/>
+              <a:tabLst/>
+              <a:defRPr/>
+            </a:pPr>
+            <a:r>
+              <a:rPr kumimoji="0" lang="en-US" sz="1400" b="0" i="0" u="none" strike="noStrike" kern="1200" cap="none" spc="0" normalizeH="0" baseline="0" noProof="0" dirty="0">
+                <a:ln>
+                  <a:noFill/>
+                </a:ln>
+                <a:solidFill>
+                  <a:srgbClr val="E7E6E6">
+                    <a:lumMod val="75000"/>
+                  </a:srgbClr>
+                </a:solidFill>
+                <a:effectLst/>
+                <a:uLnTx/>
+                <a:uFillTx/>
+                <a:latin typeface="Tenorite"/>
+                <a:ea typeface="+mn-ea"/>
+                <a:cs typeface="+mn-cs"/>
+              </a:rPr>
+              <a:t>                                                                                                              </a:t>
+            </a:r>
+            <a:r>
+              <a:rPr kumimoji="0" lang="en-US" sz="2000" b="0" i="0" u="none" strike="noStrike" kern="1200" cap="none" spc="0" normalizeH="0" baseline="0" noProof="0" dirty="0">
+                <a:ln>
+                  <a:noFill/>
+                </a:ln>
+                <a:solidFill>
+                  <a:srgbClr val="E7E6E6">
+                    <a:lumMod val="75000"/>
+                  </a:srgbClr>
+                </a:solidFill>
+                <a:effectLst/>
+                <a:uLnTx/>
+                <a:uFillTx/>
+                <a:latin typeface="Tenorite"/>
+                <a:ea typeface="+mn-ea"/>
+                <a:cs typeface="+mn-cs"/>
+              </a:rPr>
+              <a:t>Internet</a:t>
+            </a:r>
+            <a:endParaRPr kumimoji="0" lang="en-US" sz="1200" b="0" i="0" u="none" strike="noStrike" kern="1200" cap="none" spc="0" normalizeH="0" baseline="0" noProof="0" dirty="0">
+              <a:ln>
+                <a:noFill/>
+              </a:ln>
+              <a:solidFill>
+                <a:srgbClr val="E7E6E6">
+                  <a:lumMod val="75000"/>
+                </a:srgbClr>
+              </a:solidFill>
+              <a:effectLst/>
+              <a:uLnTx/>
+              <a:uFillTx/>
+              <a:latin typeface="Tenorite"/>
+              <a:ea typeface="+mn-ea"/>
+              <a:cs typeface="+mn-cs"/>
+            </a:endParaRPr>
+          </a:p>
+        </p:txBody>
+      </p:sp>
+      <p:sp>
+        <p:nvSpPr>
+          <p:cNvPr id="3" name="Rectangle: Rounded Corners 2">
+            <a:extLst>
+              <a:ext uri="{FF2B5EF4-FFF2-40B4-BE49-F238E27FC236}">
+                <a16:creationId xmlns:a16="http://schemas.microsoft.com/office/drawing/2014/main" id="{81EB443C-334B-3324-C316-5EE985CD723A}"/>
+              </a:ext>
+            </a:extLst>
+          </p:cNvPr>
+          <p:cNvSpPr/>
+          <p:nvPr/>
+        </p:nvSpPr>
+        <p:spPr>
+          <a:xfrm>
+            <a:off x="1512053" y="2867658"/>
+            <a:ext cx="1581027" cy="725620"/>
+          </a:xfrm>
+          <a:prstGeom prst="roundRect">
+            <a:avLst/>
+          </a:prstGeom>
+          <a:solidFill>
+            <a:schemeClr val="accent2">
+              <a:lumMod val="60000"/>
+              <a:lumOff val="40000"/>
+            </a:schemeClr>
+          </a:solidFill>
+        </p:spPr>
+        <p:style>
+          <a:lnRef idx="2">
+            <a:schemeClr val="accent1">
+              <a:shade val="50000"/>
+            </a:schemeClr>
+          </a:lnRef>
+          <a:fillRef idx="1">
+            <a:schemeClr val="accent1"/>
+          </a:fillRef>
+          <a:effectRef idx="0">
+            <a:schemeClr val="accent1"/>
+          </a:effectRef>
+          <a:fontRef idx="minor">
+            <a:schemeClr val="lt1"/>
+          </a:fontRef>
+        </p:style>
+        <p:txBody>
+          <a:bodyPr rtlCol="0" anchor="ctr"/>
+          <a:lstStyle/>
+          <a:p>
+            <a:pPr algn="ctr"/>
+            <a:r>
+              <a:rPr lang="en-US" sz="2000" dirty="0">
+                <a:solidFill>
+                  <a:prstClr val="black"/>
+                </a:solidFill>
+                <a:latin typeface="Tenorite"/>
+              </a:rPr>
+              <a:t>Dev Board</a:t>
+            </a:r>
+            <a:endParaRPr lang="en-US" dirty="0"/>
+          </a:p>
+        </p:txBody>
+      </p:sp>
+      <p:sp>
+        <p:nvSpPr>
+          <p:cNvPr id="4" name="Hexagon 3">
+            <a:extLst>
+              <a:ext uri="{FF2B5EF4-FFF2-40B4-BE49-F238E27FC236}">
+                <a16:creationId xmlns:a16="http://schemas.microsoft.com/office/drawing/2014/main" id="{8289E968-042E-0116-175F-0D738B0848E2}"/>
+              </a:ext>
+            </a:extLst>
+          </p:cNvPr>
+          <p:cNvSpPr/>
+          <p:nvPr/>
+        </p:nvSpPr>
+        <p:spPr>
+          <a:xfrm>
+            <a:off x="1535231" y="1681793"/>
+            <a:ext cx="613533" cy="501445"/>
+          </a:xfrm>
+          <a:prstGeom prst="hexagon">
+            <a:avLst/>
+          </a:prstGeom>
+          <a:solidFill>
+            <a:schemeClr val="accent5">
+              <a:lumMod val="40000"/>
+              <a:lumOff val="60000"/>
+            </a:schemeClr>
+          </a:solidFill>
+        </p:spPr>
+        <p:style>
+          <a:lnRef idx="2">
+            <a:schemeClr val="accent1">
+              <a:shade val="50000"/>
+            </a:schemeClr>
+          </a:lnRef>
+          <a:fillRef idx="1">
+            <a:schemeClr val="accent1"/>
+          </a:fillRef>
+          <a:effectRef idx="0">
+            <a:schemeClr val="accent1"/>
+          </a:effectRef>
+          <a:fontRef idx="minor">
+            <a:schemeClr val="lt1"/>
+          </a:fontRef>
+        </p:style>
+        <p:txBody>
+          <a:bodyPr rtlCol="0" anchor="ctr"/>
+          <a:lstStyle/>
+          <a:p>
+            <a:pPr algn="ctr"/>
+            <a:endParaRPr lang="en-US"/>
+          </a:p>
+        </p:txBody>
+      </p:sp>
+      <p:sp>
+        <p:nvSpPr>
+          <p:cNvPr id="6" name="TextBox 5">
+            <a:extLst>
+              <a:ext uri="{FF2B5EF4-FFF2-40B4-BE49-F238E27FC236}">
+                <a16:creationId xmlns:a16="http://schemas.microsoft.com/office/drawing/2014/main" id="{BBA65AB2-BB7D-5637-FE15-A5E635F6BABE}"/>
+              </a:ext>
+            </a:extLst>
+          </p:cNvPr>
+          <p:cNvSpPr txBox="1"/>
+          <p:nvPr/>
+        </p:nvSpPr>
+        <p:spPr>
+          <a:xfrm>
+            <a:off x="1535409" y="1674956"/>
+            <a:ext cx="809686" cy="469359"/>
+          </a:xfrm>
+          <a:prstGeom prst="rect">
+            <a:avLst/>
+          </a:prstGeom>
+          <a:noFill/>
+        </p:spPr>
+        <p:txBody>
+          <a:bodyPr wrap="square">
+            <a:spAutoFit/>
+          </a:bodyPr>
+          <a:lstStyle/>
+          <a:p>
+            <a:r>
+              <a:rPr lang="en-US" sz="1400" dirty="0"/>
+              <a:t>Motor</a:t>
+            </a:r>
+            <a:br>
+              <a:rPr lang="en-US" sz="1400" dirty="0"/>
+            </a:br>
+            <a:r>
+              <a:rPr lang="en-US" sz="1050" dirty="0"/>
+              <a:t>&amp; Driver</a:t>
+            </a:r>
+            <a:endParaRPr lang="en-US" sz="1400" dirty="0"/>
+          </a:p>
+        </p:txBody>
+      </p:sp>
+      <p:sp>
+        <p:nvSpPr>
+          <p:cNvPr id="20" name="Diamond 19">
+            <a:extLst>
+              <a:ext uri="{FF2B5EF4-FFF2-40B4-BE49-F238E27FC236}">
+                <a16:creationId xmlns:a16="http://schemas.microsoft.com/office/drawing/2014/main" id="{816B4D81-B715-F16C-3262-295A1B100F9A}"/>
+              </a:ext>
+            </a:extLst>
+          </p:cNvPr>
+          <p:cNvSpPr/>
+          <p:nvPr/>
+        </p:nvSpPr>
+        <p:spPr>
+          <a:xfrm>
+            <a:off x="612579" y="1805101"/>
+            <a:ext cx="696124" cy="678427"/>
+          </a:xfrm>
+          <a:prstGeom prst="diamond">
+            <a:avLst/>
+          </a:prstGeom>
+          <a:solidFill>
+            <a:srgbClr val="CCFF99"/>
+          </a:solidFill>
+        </p:spPr>
+        <p:style>
+          <a:lnRef idx="2">
+            <a:schemeClr val="accent1">
+              <a:shade val="50000"/>
+            </a:schemeClr>
+          </a:lnRef>
+          <a:fillRef idx="1">
+            <a:schemeClr val="accent1"/>
+          </a:fillRef>
+          <a:effectRef idx="0">
+            <a:schemeClr val="accent1"/>
+          </a:effectRef>
+          <a:fontRef idx="minor">
+            <a:schemeClr val="lt1"/>
+          </a:fontRef>
+        </p:style>
+        <p:txBody>
+          <a:bodyPr rtlCol="0" anchor="ctr"/>
+          <a:lstStyle/>
+          <a:p>
+            <a:pPr algn="ctr"/>
+            <a:endParaRPr lang="en-US"/>
+          </a:p>
+        </p:txBody>
+      </p:sp>
+      <p:sp>
+        <p:nvSpPr>
+          <p:cNvPr id="15" name="TextBox 14">
+            <a:extLst>
+              <a:ext uri="{FF2B5EF4-FFF2-40B4-BE49-F238E27FC236}">
+                <a16:creationId xmlns:a16="http://schemas.microsoft.com/office/drawing/2014/main" id="{B13DC71C-179C-8B3A-F67D-DEFECF8E4F52}"/>
+              </a:ext>
+            </a:extLst>
+          </p:cNvPr>
+          <p:cNvSpPr txBox="1"/>
+          <p:nvPr/>
+        </p:nvSpPr>
+        <p:spPr>
+          <a:xfrm>
+            <a:off x="613795" y="1992787"/>
+            <a:ext cx="898177" cy="276999"/>
+          </a:xfrm>
+          <a:prstGeom prst="rect">
+            <a:avLst/>
+          </a:prstGeom>
+          <a:noFill/>
+        </p:spPr>
+        <p:txBody>
+          <a:bodyPr wrap="square">
+            <a:spAutoFit/>
+          </a:bodyPr>
+          <a:lstStyle/>
+          <a:p>
+            <a:r>
+              <a:rPr kumimoji="0" lang="en-US" sz="1200" b="0" i="0" u="none" strike="noStrike" kern="1200" cap="none" spc="0" normalizeH="0" baseline="0" noProof="0" dirty="0">
+                <a:ln>
+                  <a:noFill/>
+                </a:ln>
+                <a:solidFill>
+                  <a:prstClr val="black"/>
+                </a:solidFill>
+                <a:effectLst/>
+                <a:uLnTx/>
+                <a:uFillTx/>
+                <a:latin typeface="Tenorite"/>
+                <a:ea typeface="+mn-ea"/>
+                <a:cs typeface="+mn-cs"/>
+              </a:rPr>
+              <a:t>Camera</a:t>
+            </a:r>
+            <a:endParaRPr lang="en-US" sz="1100" dirty="0"/>
+          </a:p>
+        </p:txBody>
+      </p:sp>
+      <p:sp>
+        <p:nvSpPr>
+          <p:cNvPr id="22" name="Rectangle: Diagonal Corners Snipped 21">
+            <a:extLst>
+              <a:ext uri="{FF2B5EF4-FFF2-40B4-BE49-F238E27FC236}">
+                <a16:creationId xmlns:a16="http://schemas.microsoft.com/office/drawing/2014/main" id="{3A7E1BC4-AA9F-CF66-8275-1373EA9CC999}"/>
+              </a:ext>
+            </a:extLst>
+          </p:cNvPr>
+          <p:cNvSpPr/>
+          <p:nvPr/>
+        </p:nvSpPr>
+        <p:spPr>
+          <a:xfrm>
+            <a:off x="2541426" y="1864530"/>
+            <a:ext cx="626869" cy="307777"/>
+          </a:xfrm>
+          <a:prstGeom prst="snip2DiagRect">
+            <a:avLst/>
+          </a:prstGeom>
+          <a:solidFill>
+            <a:srgbClr val="D7875B"/>
+          </a:solidFill>
+        </p:spPr>
+        <p:style>
+          <a:lnRef idx="2">
+            <a:schemeClr val="accent1">
+              <a:shade val="50000"/>
+            </a:schemeClr>
+          </a:lnRef>
+          <a:fillRef idx="1">
+            <a:schemeClr val="accent1"/>
+          </a:fillRef>
+          <a:effectRef idx="0">
+            <a:schemeClr val="accent1"/>
+          </a:effectRef>
+          <a:fontRef idx="minor">
+            <a:schemeClr val="lt1"/>
+          </a:fontRef>
+        </p:style>
+        <p:txBody>
+          <a:bodyPr rtlCol="0" anchor="ctr"/>
+          <a:lstStyle/>
+          <a:p>
+            <a:pPr algn="ctr"/>
+            <a:r>
+              <a:rPr lang="en-US" sz="1050" dirty="0">
+                <a:solidFill>
+                  <a:prstClr val="black"/>
+                </a:solidFill>
+                <a:latin typeface="Tenorite"/>
+              </a:rPr>
+              <a:t>Sensor</a:t>
+            </a:r>
+            <a:endParaRPr lang="en-US" sz="1000" dirty="0"/>
+          </a:p>
+        </p:txBody>
+      </p:sp>
+      <p:sp>
+        <p:nvSpPr>
+          <p:cNvPr id="24" name="Rectangle: Diagonal Corners Snipped 23">
+            <a:extLst>
+              <a:ext uri="{FF2B5EF4-FFF2-40B4-BE49-F238E27FC236}">
+                <a16:creationId xmlns:a16="http://schemas.microsoft.com/office/drawing/2014/main" id="{970D674A-1AC7-3930-CFEB-D1310AA1C559}"/>
+              </a:ext>
+            </a:extLst>
+          </p:cNvPr>
+          <p:cNvSpPr/>
+          <p:nvPr/>
+        </p:nvSpPr>
+        <p:spPr>
+          <a:xfrm>
+            <a:off x="3312704" y="1932516"/>
+            <a:ext cx="626869" cy="307777"/>
+          </a:xfrm>
+          <a:prstGeom prst="snip2DiagRect">
+            <a:avLst/>
+          </a:prstGeom>
+          <a:solidFill>
+            <a:srgbClr val="D7875B"/>
+          </a:solidFill>
+        </p:spPr>
+        <p:style>
+          <a:lnRef idx="2">
+            <a:schemeClr val="accent1">
+              <a:shade val="50000"/>
+            </a:schemeClr>
+          </a:lnRef>
+          <a:fillRef idx="1">
+            <a:schemeClr val="accent1"/>
+          </a:fillRef>
+          <a:effectRef idx="0">
+            <a:schemeClr val="accent1"/>
+          </a:effectRef>
+          <a:fontRef idx="minor">
+            <a:schemeClr val="lt1"/>
+          </a:fontRef>
+        </p:style>
+        <p:txBody>
+          <a:bodyPr rtlCol="0" anchor="ctr"/>
+          <a:lstStyle/>
+          <a:p>
+            <a:pPr algn="ctr"/>
+            <a:r>
+              <a:rPr lang="en-US" sz="1050" dirty="0">
+                <a:solidFill>
+                  <a:prstClr val="black"/>
+                </a:solidFill>
+                <a:latin typeface="Tenorite"/>
+              </a:rPr>
+              <a:t>Sensor</a:t>
+            </a:r>
+            <a:endParaRPr lang="en-US" sz="1000" dirty="0"/>
+          </a:p>
+        </p:txBody>
+      </p:sp>
+      <p:sp>
+        <p:nvSpPr>
+          <p:cNvPr id="26" name="Rectangle: Diagonal Corners Snipped 25">
+            <a:extLst>
+              <a:ext uri="{FF2B5EF4-FFF2-40B4-BE49-F238E27FC236}">
+                <a16:creationId xmlns:a16="http://schemas.microsoft.com/office/drawing/2014/main" id="{1193C15E-96DA-0A7C-DD7C-5770AA0D3C9F}"/>
+              </a:ext>
+            </a:extLst>
+          </p:cNvPr>
+          <p:cNvSpPr/>
+          <p:nvPr/>
+        </p:nvSpPr>
+        <p:spPr>
+          <a:xfrm>
+            <a:off x="4083980" y="2008878"/>
+            <a:ext cx="626869" cy="307777"/>
+          </a:xfrm>
+          <a:prstGeom prst="snip2DiagRect">
+            <a:avLst/>
+          </a:prstGeom>
+          <a:solidFill>
+            <a:srgbClr val="D7875B"/>
+          </a:solidFill>
+        </p:spPr>
+        <p:style>
+          <a:lnRef idx="2">
+            <a:schemeClr val="accent1">
+              <a:shade val="50000"/>
+            </a:schemeClr>
+          </a:lnRef>
+          <a:fillRef idx="1">
+            <a:schemeClr val="accent1"/>
+          </a:fillRef>
+          <a:effectRef idx="0">
+            <a:schemeClr val="accent1"/>
+          </a:effectRef>
+          <a:fontRef idx="minor">
+            <a:schemeClr val="lt1"/>
+          </a:fontRef>
+        </p:style>
+        <p:txBody>
+          <a:bodyPr rtlCol="0" anchor="ctr"/>
+          <a:lstStyle/>
+          <a:p>
+            <a:pPr algn="ctr"/>
+            <a:r>
+              <a:rPr lang="en-US" sz="1050" dirty="0">
+                <a:solidFill>
+                  <a:prstClr val="black"/>
+                </a:solidFill>
+                <a:latin typeface="Tenorite"/>
+              </a:rPr>
+              <a:t>Sensor</a:t>
+            </a:r>
+            <a:endParaRPr lang="en-US" sz="1000" dirty="0"/>
+          </a:p>
+        </p:txBody>
+      </p:sp>
+      <p:sp>
+        <p:nvSpPr>
+          <p:cNvPr id="34" name="TextBox 33">
+            <a:extLst>
+              <a:ext uri="{FF2B5EF4-FFF2-40B4-BE49-F238E27FC236}">
+                <a16:creationId xmlns:a16="http://schemas.microsoft.com/office/drawing/2014/main" id="{B4A0E33A-19C8-047B-87C2-FEEE2143F899}"/>
+              </a:ext>
+            </a:extLst>
+          </p:cNvPr>
+          <p:cNvSpPr txBox="1"/>
+          <p:nvPr/>
+        </p:nvSpPr>
+        <p:spPr>
+          <a:xfrm>
+            <a:off x="2657906" y="1430278"/>
+            <a:ext cx="1936463" cy="446276"/>
+          </a:xfrm>
+          <a:prstGeom prst="rect">
+            <a:avLst/>
+          </a:prstGeom>
+          <a:noFill/>
+        </p:spPr>
+        <p:txBody>
+          <a:bodyPr wrap="square">
+            <a:spAutoFit/>
+          </a:bodyPr>
+          <a:lstStyle/>
+          <a:p>
+            <a:r>
+              <a:rPr kumimoji="0" lang="en-US" sz="1400" b="0" i="0" u="none" strike="noStrike" kern="1200" cap="none" spc="0" normalizeH="0" baseline="0" noProof="0" dirty="0">
+                <a:ln>
+                  <a:noFill/>
+                </a:ln>
+                <a:solidFill>
+                  <a:prstClr val="black"/>
+                </a:solidFill>
+                <a:effectLst/>
+                <a:uLnTx/>
+                <a:uFillTx/>
+                <a:latin typeface="Tenorite"/>
+                <a:ea typeface="+mn-ea"/>
+                <a:cs typeface="+mn-cs"/>
+              </a:rPr>
+              <a:t>Environmental Sensors </a:t>
+            </a:r>
+            <a:r>
+              <a:rPr kumimoji="0" lang="en-US" sz="900" b="0" i="0" u="none" strike="noStrike" kern="1200" cap="none" spc="0" normalizeH="0" baseline="0" noProof="0" dirty="0">
+                <a:ln>
+                  <a:noFill/>
+                </a:ln>
+                <a:solidFill>
+                  <a:prstClr val="black"/>
+                </a:solidFill>
+                <a:effectLst/>
+                <a:uLnTx/>
+                <a:uFillTx/>
+                <a:latin typeface="Tenorite"/>
+                <a:ea typeface="+mn-ea"/>
+                <a:cs typeface="+mn-cs"/>
+              </a:rPr>
+              <a:t>(Temp, Humidity, CO2 and more)</a:t>
+            </a:r>
+            <a:endParaRPr lang="en-US" sz="1200" dirty="0"/>
+          </a:p>
+        </p:txBody>
+      </p:sp>
+      <p:cxnSp>
+        <p:nvCxnSpPr>
+          <p:cNvPr id="48" name="Connector: Elbow 47">
+            <a:extLst>
+              <a:ext uri="{FF2B5EF4-FFF2-40B4-BE49-F238E27FC236}">
+                <a16:creationId xmlns:a16="http://schemas.microsoft.com/office/drawing/2014/main" id="{2FEAD689-0ED9-7807-6802-BA86E2A01ABC}"/>
+              </a:ext>
+            </a:extLst>
+          </p:cNvPr>
+          <p:cNvCxnSpPr>
+            <a:cxnSpLocks/>
+          </p:cNvCxnSpPr>
+          <p:nvPr/>
+        </p:nvCxnSpPr>
+        <p:spPr>
+          <a:xfrm rot="16200000" flipV="1">
+            <a:off x="1483197" y="2525447"/>
+            <a:ext cx="684420" cy="1"/>
+          </a:xfrm>
+          <a:prstGeom prst="bentConnector3">
+            <a:avLst>
+              <a:gd name="adj1" fmla="val 50000"/>
+            </a:avLst>
+          </a:prstGeom>
+          <a:ln>
+            <a:tailEnd type="triangle"/>
+          </a:ln>
+        </p:spPr>
+        <p:style>
+          <a:lnRef idx="1">
+            <a:schemeClr val="dk1"/>
+          </a:lnRef>
+          <a:fillRef idx="0">
+            <a:schemeClr val="dk1"/>
+          </a:fillRef>
+          <a:effectRef idx="0">
+            <a:schemeClr val="dk1"/>
+          </a:effectRef>
+          <a:fontRef idx="minor">
+            <a:schemeClr val="tx1"/>
+          </a:fontRef>
+        </p:style>
+      </p:cxnSp>
+      <p:cxnSp>
+        <p:nvCxnSpPr>
+          <p:cNvPr id="63" name="Connector: Elbow 62">
+            <a:extLst>
+              <a:ext uri="{FF2B5EF4-FFF2-40B4-BE49-F238E27FC236}">
+                <a16:creationId xmlns:a16="http://schemas.microsoft.com/office/drawing/2014/main" id="{F1E7DFC9-91C4-6D08-6365-9A43D76137BF}"/>
+              </a:ext>
+            </a:extLst>
+          </p:cNvPr>
+          <p:cNvCxnSpPr>
+            <a:cxnSpLocks/>
+            <a:stCxn id="22" idx="1"/>
+          </p:cNvCxnSpPr>
+          <p:nvPr/>
+        </p:nvCxnSpPr>
+        <p:spPr>
+          <a:xfrm rot="5400000">
+            <a:off x="2507186" y="2519982"/>
+            <a:ext cx="695351" cy="1"/>
+          </a:xfrm>
+          <a:prstGeom prst="bentConnector3">
+            <a:avLst/>
+          </a:prstGeom>
+          <a:ln>
+            <a:tailEnd type="triangle"/>
+          </a:ln>
+        </p:spPr>
+        <p:style>
+          <a:lnRef idx="1">
+            <a:schemeClr val="dk1"/>
+          </a:lnRef>
+          <a:fillRef idx="0">
+            <a:schemeClr val="dk1"/>
+          </a:fillRef>
+          <a:effectRef idx="0">
+            <a:schemeClr val="dk1"/>
+          </a:effectRef>
+          <a:fontRef idx="minor">
+            <a:schemeClr val="tx1"/>
+          </a:fontRef>
+        </p:style>
+      </p:cxnSp>
+      <p:cxnSp>
+        <p:nvCxnSpPr>
+          <p:cNvPr id="65" name="Connector: Elbow 64">
+            <a:extLst>
+              <a:ext uri="{FF2B5EF4-FFF2-40B4-BE49-F238E27FC236}">
+                <a16:creationId xmlns:a16="http://schemas.microsoft.com/office/drawing/2014/main" id="{85795771-CF47-06E0-B24C-0C3429D072E3}"/>
+              </a:ext>
+            </a:extLst>
+          </p:cNvPr>
+          <p:cNvCxnSpPr>
+            <a:cxnSpLocks/>
+          </p:cNvCxnSpPr>
+          <p:nvPr/>
+        </p:nvCxnSpPr>
+        <p:spPr>
+          <a:xfrm rot="5400000">
+            <a:off x="2864522" y="2454751"/>
+            <a:ext cx="990175" cy="533059"/>
+          </a:xfrm>
+          <a:prstGeom prst="bentConnector2">
+            <a:avLst/>
+          </a:prstGeom>
+          <a:ln>
+            <a:tailEnd type="triangle"/>
+          </a:ln>
+        </p:spPr>
+        <p:style>
+          <a:lnRef idx="1">
+            <a:schemeClr val="dk1"/>
+          </a:lnRef>
+          <a:fillRef idx="0">
+            <a:schemeClr val="dk1"/>
+          </a:fillRef>
+          <a:effectRef idx="0">
+            <a:schemeClr val="dk1"/>
+          </a:effectRef>
+          <a:fontRef idx="minor">
+            <a:schemeClr val="tx1"/>
+          </a:fontRef>
+        </p:style>
+      </p:cxnSp>
+      <p:cxnSp>
+        <p:nvCxnSpPr>
+          <p:cNvPr id="70" name="Connector: Elbow 69">
+            <a:extLst>
+              <a:ext uri="{FF2B5EF4-FFF2-40B4-BE49-F238E27FC236}">
+                <a16:creationId xmlns:a16="http://schemas.microsoft.com/office/drawing/2014/main" id="{27E44118-E674-50A7-1515-C7186B7066E5}"/>
+              </a:ext>
+            </a:extLst>
+          </p:cNvPr>
+          <p:cNvCxnSpPr>
+            <a:cxnSpLocks/>
+            <a:stCxn id="26" idx="1"/>
+          </p:cNvCxnSpPr>
+          <p:nvPr/>
+        </p:nvCxnSpPr>
+        <p:spPr>
+          <a:xfrm rot="5400000">
+            <a:off x="3191740" y="2217996"/>
+            <a:ext cx="1107017" cy="1304335"/>
+          </a:xfrm>
+          <a:prstGeom prst="bentConnector2">
+            <a:avLst/>
+          </a:prstGeom>
+          <a:ln>
+            <a:tailEnd type="triangle"/>
+          </a:ln>
+        </p:spPr>
+        <p:style>
+          <a:lnRef idx="1">
+            <a:schemeClr val="dk1"/>
+          </a:lnRef>
+          <a:fillRef idx="0">
+            <a:schemeClr val="dk1"/>
+          </a:fillRef>
+          <a:effectRef idx="0">
+            <a:schemeClr val="dk1"/>
+          </a:effectRef>
+          <a:fontRef idx="minor">
+            <a:schemeClr val="tx1"/>
+          </a:fontRef>
+        </p:style>
+      </p:cxnSp>
+      <p:sp>
+        <p:nvSpPr>
+          <p:cNvPr id="18" name="Rectangle: Rounded Corners 17">
+            <a:extLst>
+              <a:ext uri="{FF2B5EF4-FFF2-40B4-BE49-F238E27FC236}">
+                <a16:creationId xmlns:a16="http://schemas.microsoft.com/office/drawing/2014/main" id="{DA28770F-324A-0D09-5DA6-5EDE75509288}"/>
+              </a:ext>
+            </a:extLst>
+          </p:cNvPr>
+          <p:cNvSpPr/>
+          <p:nvPr/>
+        </p:nvSpPr>
+        <p:spPr>
+          <a:xfrm>
+            <a:off x="1606442" y="2383911"/>
+            <a:ext cx="2961475" cy="281771"/>
+          </a:xfrm>
+          <a:prstGeom prst="roundRect">
+            <a:avLst/>
+          </a:prstGeom>
+          <a:noFill/>
+          <a:ln>
+            <a:prstDash val="sysDash"/>
+          </a:ln>
+        </p:spPr>
+        <p:style>
+          <a:lnRef idx="2">
+            <a:schemeClr val="accent1">
+              <a:shade val="50000"/>
+            </a:schemeClr>
+          </a:lnRef>
+          <a:fillRef idx="1">
+            <a:schemeClr val="accent1"/>
+          </a:fillRef>
+          <a:effectRef idx="0">
+            <a:schemeClr val="accent1"/>
+          </a:effectRef>
+          <a:fontRef idx="minor">
+            <a:schemeClr val="lt1"/>
+          </a:fontRef>
+        </p:style>
+        <p:txBody>
+          <a:bodyPr rtlCol="0" anchor="ctr"/>
+          <a:lstStyle/>
+          <a:p>
+            <a:pPr algn="ctr"/>
+            <a:endParaRPr lang="en-US"/>
+          </a:p>
+        </p:txBody>
+      </p:sp>
+      <p:cxnSp>
+        <p:nvCxnSpPr>
+          <p:cNvPr id="32" name="Connector: Elbow 31">
+            <a:extLst>
+              <a:ext uri="{FF2B5EF4-FFF2-40B4-BE49-F238E27FC236}">
+                <a16:creationId xmlns:a16="http://schemas.microsoft.com/office/drawing/2014/main" id="{BCB650B2-727C-B0ED-F994-5797ED008533}"/>
+              </a:ext>
+            </a:extLst>
+          </p:cNvPr>
+          <p:cNvCxnSpPr>
+            <a:stCxn id="20" idx="2"/>
+            <a:endCxn id="3" idx="1"/>
+          </p:cNvCxnSpPr>
+          <p:nvPr/>
+        </p:nvCxnSpPr>
+        <p:spPr>
+          <a:xfrm rot="16200000" flipH="1">
+            <a:off x="862877" y="2581292"/>
+            <a:ext cx="746940" cy="551412"/>
+          </a:xfrm>
+          <a:prstGeom prst="bentConnector2">
+            <a:avLst/>
+          </a:prstGeom>
+          <a:ln>
+            <a:tailEnd type="triangle"/>
+          </a:ln>
+        </p:spPr>
+        <p:style>
+          <a:lnRef idx="1">
+            <a:schemeClr val="dk1"/>
+          </a:lnRef>
+          <a:fillRef idx="0">
+            <a:schemeClr val="dk1"/>
+          </a:fillRef>
+          <a:effectRef idx="0">
+            <a:schemeClr val="dk1"/>
+          </a:effectRef>
+          <a:fontRef idx="minor">
+            <a:schemeClr val="tx1"/>
+          </a:fontRef>
+        </p:style>
+      </p:cxnSp>
+      <p:sp>
+        <p:nvSpPr>
+          <p:cNvPr id="36" name="TextBox 35">
+            <a:extLst>
+              <a:ext uri="{FF2B5EF4-FFF2-40B4-BE49-F238E27FC236}">
+                <a16:creationId xmlns:a16="http://schemas.microsoft.com/office/drawing/2014/main" id="{29E05F07-A637-F3F9-A797-9D9683E4421B}"/>
+              </a:ext>
+            </a:extLst>
+          </p:cNvPr>
+          <p:cNvSpPr txBox="1"/>
+          <p:nvPr/>
+        </p:nvSpPr>
+        <p:spPr>
+          <a:xfrm>
+            <a:off x="939677" y="2950207"/>
+            <a:ext cx="533059" cy="307777"/>
+          </a:xfrm>
+          <a:prstGeom prst="rect">
+            <a:avLst/>
+          </a:prstGeom>
+          <a:noFill/>
+        </p:spPr>
+        <p:txBody>
+          <a:bodyPr wrap="square">
+            <a:spAutoFit/>
+          </a:bodyPr>
+          <a:lstStyle/>
+          <a:p>
+            <a:r>
+              <a:rPr kumimoji="0" lang="en-US" sz="1400" b="0" i="0" u="none" strike="noStrike" kern="1200" cap="none" spc="0" normalizeH="0" baseline="0" noProof="0" dirty="0">
+                <a:ln>
+                  <a:noFill/>
+                </a:ln>
+                <a:solidFill>
+                  <a:srgbClr val="E7E6E6">
+                    <a:lumMod val="75000"/>
+                  </a:srgbClr>
+                </a:solidFill>
+                <a:effectLst/>
+                <a:uLnTx/>
+                <a:uFillTx/>
+                <a:latin typeface="Tenorite"/>
+                <a:ea typeface="+mn-ea"/>
+                <a:cs typeface="+mn-cs"/>
+              </a:rPr>
+              <a:t>USB</a:t>
+            </a:r>
+            <a:endParaRPr lang="en-US" dirty="0"/>
+          </a:p>
+        </p:txBody>
+      </p:sp>
+      <p:sp>
+        <p:nvSpPr>
+          <p:cNvPr id="38" name="Rectangle: Top Corners Snipped 37">
+            <a:extLst>
+              <a:ext uri="{FF2B5EF4-FFF2-40B4-BE49-F238E27FC236}">
+                <a16:creationId xmlns:a16="http://schemas.microsoft.com/office/drawing/2014/main" id="{F97FFD08-28C8-A739-07BD-518A0ABD574E}"/>
+              </a:ext>
+            </a:extLst>
+          </p:cNvPr>
+          <p:cNvSpPr/>
+          <p:nvPr/>
+        </p:nvSpPr>
+        <p:spPr>
+          <a:xfrm>
+            <a:off x="1787838" y="4619658"/>
+            <a:ext cx="1029455" cy="490930"/>
+          </a:xfrm>
+          <a:prstGeom prst="snip2SameRect">
+            <a:avLst/>
+          </a:prstGeom>
+          <a:solidFill>
+            <a:schemeClr val="accent6">
+              <a:lumMod val="40000"/>
+              <a:lumOff val="60000"/>
+            </a:schemeClr>
+          </a:solidFill>
+        </p:spPr>
+        <p:style>
+          <a:lnRef idx="2">
+            <a:schemeClr val="accent1">
+              <a:shade val="50000"/>
+            </a:schemeClr>
+          </a:lnRef>
+          <a:fillRef idx="1">
+            <a:schemeClr val="accent1"/>
+          </a:fillRef>
+          <a:effectRef idx="0">
+            <a:schemeClr val="accent1"/>
+          </a:effectRef>
+          <a:fontRef idx="minor">
+            <a:schemeClr val="lt1"/>
+          </a:fontRef>
+        </p:style>
+        <p:txBody>
+          <a:bodyPr rtlCol="0" anchor="ctr"/>
+          <a:lstStyle/>
+          <a:p>
+            <a:pPr algn="ctr"/>
+            <a:endParaRPr lang="en-US" sz="1400" dirty="0"/>
+          </a:p>
+        </p:txBody>
+      </p:sp>
+      <p:sp>
+        <p:nvSpPr>
+          <p:cNvPr id="40" name="TextBox 39">
+            <a:extLst>
+              <a:ext uri="{FF2B5EF4-FFF2-40B4-BE49-F238E27FC236}">
+                <a16:creationId xmlns:a16="http://schemas.microsoft.com/office/drawing/2014/main" id="{C2DCD59B-D038-F20B-A9F1-41F8C25F7320}"/>
+              </a:ext>
+            </a:extLst>
+          </p:cNvPr>
+          <p:cNvSpPr txBox="1"/>
+          <p:nvPr/>
+        </p:nvSpPr>
+        <p:spPr>
+          <a:xfrm>
+            <a:off x="1550334" y="4572735"/>
+            <a:ext cx="1535306" cy="584775"/>
+          </a:xfrm>
+          <a:prstGeom prst="rect">
+            <a:avLst/>
+          </a:prstGeom>
+          <a:noFill/>
+        </p:spPr>
+        <p:txBody>
+          <a:bodyPr wrap="square">
+            <a:spAutoFit/>
+          </a:bodyPr>
+          <a:lstStyle/>
+          <a:p>
+            <a:pPr marL="0" marR="0" lvl="0" indent="0" algn="ctr" defTabSz="914400" rtl="0" eaLnBrk="1" fontAlgn="auto" latinLnBrk="0" hangingPunct="1">
+              <a:lnSpc>
+                <a:spcPct val="100000"/>
+              </a:lnSpc>
+              <a:spcBef>
+                <a:spcPts val="0"/>
+              </a:spcBef>
+              <a:spcAft>
+                <a:spcPts val="0"/>
+              </a:spcAft>
+              <a:buClrTx/>
+              <a:buSzTx/>
+              <a:buFontTx/>
+              <a:buNone/>
+              <a:tabLst/>
+              <a:defRPr/>
+            </a:pPr>
+            <a:r>
+              <a:rPr kumimoji="0" lang="en-US" sz="1600" b="0" i="0" u="none" strike="noStrike" kern="1200" cap="none" spc="0" normalizeH="0" baseline="0" noProof="0" dirty="0">
+                <a:ln>
+                  <a:noFill/>
+                </a:ln>
+                <a:solidFill>
+                  <a:prstClr val="black"/>
+                </a:solidFill>
+                <a:effectLst/>
+                <a:uLnTx/>
+                <a:uFillTx/>
+                <a:latin typeface="Tenorite"/>
+                <a:ea typeface="+mn-ea"/>
+                <a:cs typeface="+mn-cs"/>
+              </a:rPr>
+              <a:t>Access</a:t>
+            </a:r>
+            <a:br>
+              <a:rPr kumimoji="0" lang="en-US" sz="1600" b="0" i="0" u="none" strike="noStrike" kern="1200" cap="none" spc="0" normalizeH="0" baseline="0" noProof="0" dirty="0">
+                <a:ln>
+                  <a:noFill/>
+                </a:ln>
+                <a:solidFill>
+                  <a:prstClr val="black"/>
+                </a:solidFill>
+                <a:effectLst/>
+                <a:uLnTx/>
+                <a:uFillTx/>
+                <a:latin typeface="Tenorite"/>
+                <a:ea typeface="+mn-ea"/>
+                <a:cs typeface="+mn-cs"/>
+              </a:rPr>
+            </a:br>
+            <a:r>
+              <a:rPr kumimoji="0" lang="en-US" sz="1600" b="0" i="0" u="none" strike="noStrike" kern="1200" cap="none" spc="0" normalizeH="0" baseline="0" noProof="0" dirty="0">
+                <a:ln>
+                  <a:noFill/>
+                </a:ln>
+                <a:solidFill>
+                  <a:prstClr val="black"/>
+                </a:solidFill>
+                <a:effectLst/>
+                <a:uLnTx/>
+                <a:uFillTx/>
+                <a:latin typeface="Tenorite"/>
+                <a:ea typeface="+mn-ea"/>
+                <a:cs typeface="+mn-cs"/>
+              </a:rPr>
+              <a:t>point</a:t>
+            </a:r>
+            <a:endParaRPr kumimoji="0" lang="en-US" sz="1400" b="0" i="0" u="none" strike="noStrike" kern="1200" cap="none" spc="0" normalizeH="0" baseline="0" noProof="0" dirty="0">
+              <a:ln>
+                <a:noFill/>
+              </a:ln>
+              <a:solidFill>
+                <a:prstClr val="white"/>
+              </a:solidFill>
+              <a:effectLst/>
+              <a:uLnTx/>
+              <a:uFillTx/>
+              <a:latin typeface="Tenorite"/>
+              <a:ea typeface="+mn-ea"/>
+              <a:cs typeface="+mn-cs"/>
+            </a:endParaRPr>
+          </a:p>
+        </p:txBody>
+      </p:sp>
+      <p:cxnSp>
+        <p:nvCxnSpPr>
+          <p:cNvPr id="42" name="Straight Arrow Connector 41">
+            <a:extLst>
+              <a:ext uri="{FF2B5EF4-FFF2-40B4-BE49-F238E27FC236}">
+                <a16:creationId xmlns:a16="http://schemas.microsoft.com/office/drawing/2014/main" id="{09211800-EE2F-4138-E2AA-CCFDFBF1B3BE}"/>
+              </a:ext>
+            </a:extLst>
+          </p:cNvPr>
+          <p:cNvCxnSpPr>
+            <a:cxnSpLocks/>
+            <a:stCxn id="3" idx="2"/>
+          </p:cNvCxnSpPr>
+          <p:nvPr/>
+        </p:nvCxnSpPr>
+        <p:spPr>
+          <a:xfrm flipH="1">
+            <a:off x="2302565" y="3593278"/>
+            <a:ext cx="2" cy="1026380"/>
+          </a:xfrm>
+          <a:prstGeom prst="straightConnector1">
+            <a:avLst/>
+          </a:prstGeom>
+          <a:ln>
+            <a:headEnd type="triangle"/>
+            <a:tailEnd type="triangle"/>
+          </a:ln>
+        </p:spPr>
+        <p:style>
+          <a:lnRef idx="1">
+            <a:schemeClr val="dk1"/>
+          </a:lnRef>
+          <a:fillRef idx="0">
+            <a:schemeClr val="dk1"/>
+          </a:fillRef>
+          <a:effectRef idx="0">
+            <a:schemeClr val="dk1"/>
+          </a:effectRef>
+          <a:fontRef idx="minor">
+            <a:schemeClr val="tx1"/>
+          </a:fontRef>
+        </p:style>
+      </p:cxnSp>
+      <p:cxnSp>
+        <p:nvCxnSpPr>
+          <p:cNvPr id="47" name="Straight Arrow Connector 46">
+            <a:extLst>
+              <a:ext uri="{FF2B5EF4-FFF2-40B4-BE49-F238E27FC236}">
+                <a16:creationId xmlns:a16="http://schemas.microsoft.com/office/drawing/2014/main" id="{A717E40E-F76D-F276-6932-8D3A1A86DBB7}"/>
+              </a:ext>
+            </a:extLst>
+          </p:cNvPr>
+          <p:cNvCxnSpPr>
+            <a:cxnSpLocks/>
+          </p:cNvCxnSpPr>
+          <p:nvPr/>
+        </p:nvCxnSpPr>
+        <p:spPr>
+          <a:xfrm>
+            <a:off x="2317987" y="5110588"/>
+            <a:ext cx="0" cy="693557"/>
+          </a:xfrm>
+          <a:prstGeom prst="straightConnector1">
+            <a:avLst/>
+          </a:prstGeom>
+          <a:ln>
+            <a:headEnd type="triangle"/>
+            <a:tailEnd type="triangle"/>
+          </a:ln>
+        </p:spPr>
+        <p:style>
+          <a:lnRef idx="1">
+            <a:schemeClr val="dk1"/>
+          </a:lnRef>
+          <a:fillRef idx="0">
+            <a:schemeClr val="dk1"/>
+          </a:fillRef>
+          <a:effectRef idx="0">
+            <a:schemeClr val="dk1"/>
+          </a:effectRef>
+          <a:fontRef idx="minor">
+            <a:schemeClr val="tx1"/>
+          </a:fontRef>
+        </p:style>
+      </p:cxnSp>
+      <p:pic>
+        <p:nvPicPr>
+          <p:cNvPr id="55" name="Picture 54" descr="Background pattern&#10;&#10;Description automatically generated with medium confidence">
+            <a:extLst>
+              <a:ext uri="{FF2B5EF4-FFF2-40B4-BE49-F238E27FC236}">
+                <a16:creationId xmlns:a16="http://schemas.microsoft.com/office/drawing/2014/main" id="{108E453A-CFF9-41B1-A28C-E50836097B52}"/>
+              </a:ext>
+            </a:extLst>
+          </p:cNvPr>
+          <p:cNvPicPr>
+            <a:picLocks noChangeAspect="1"/>
+          </p:cNvPicPr>
+          <p:nvPr/>
+        </p:nvPicPr>
+        <p:blipFill>
+          <a:blip r:embed="rId2"/>
+          <a:stretch>
+            <a:fillRect/>
+          </a:stretch>
+        </p:blipFill>
+        <p:spPr>
+          <a:xfrm>
+            <a:off x="360271" y="4554561"/>
+            <a:ext cx="616659" cy="616659"/>
+          </a:xfrm>
+          <a:prstGeom prst="rect">
+            <a:avLst/>
+          </a:prstGeom>
+        </p:spPr>
+      </p:pic>
+      <p:cxnSp>
+        <p:nvCxnSpPr>
+          <p:cNvPr id="57" name="Straight Arrow Connector 56">
+            <a:extLst>
+              <a:ext uri="{FF2B5EF4-FFF2-40B4-BE49-F238E27FC236}">
+                <a16:creationId xmlns:a16="http://schemas.microsoft.com/office/drawing/2014/main" id="{99603D7C-6D01-E63E-F058-2355D932DF79}"/>
+              </a:ext>
+            </a:extLst>
+          </p:cNvPr>
+          <p:cNvCxnSpPr>
+            <a:cxnSpLocks/>
+          </p:cNvCxnSpPr>
+          <p:nvPr/>
+        </p:nvCxnSpPr>
+        <p:spPr>
+          <a:xfrm>
+            <a:off x="1020588" y="4874337"/>
+            <a:ext cx="767250" cy="0"/>
+          </a:xfrm>
+          <a:prstGeom prst="straightConnector1">
+            <a:avLst/>
+          </a:prstGeom>
+          <a:ln>
+            <a:headEnd type="triangle"/>
+            <a:tailEnd type="triangle"/>
+          </a:ln>
+        </p:spPr>
+        <p:style>
+          <a:lnRef idx="1">
+            <a:schemeClr val="dk1"/>
+          </a:lnRef>
+          <a:fillRef idx="0">
+            <a:schemeClr val="dk1"/>
+          </a:fillRef>
+          <a:effectRef idx="0">
+            <a:schemeClr val="dk1"/>
+          </a:effectRef>
+          <a:fontRef idx="minor">
+            <a:schemeClr val="tx1"/>
+          </a:fontRef>
+        </p:style>
+      </p:cxnSp>
+      <p:sp>
+        <p:nvSpPr>
+          <p:cNvPr id="61" name="TextBox 60">
+            <a:extLst>
+              <a:ext uri="{FF2B5EF4-FFF2-40B4-BE49-F238E27FC236}">
+                <a16:creationId xmlns:a16="http://schemas.microsoft.com/office/drawing/2014/main" id="{375602A0-98E3-F2C2-E33F-DD9BD32ABF72}"/>
+              </a:ext>
+            </a:extLst>
+          </p:cNvPr>
+          <p:cNvSpPr txBox="1"/>
+          <p:nvPr/>
+        </p:nvSpPr>
+        <p:spPr>
+          <a:xfrm>
+            <a:off x="2274972" y="3949071"/>
+            <a:ext cx="532908" cy="307777"/>
+          </a:xfrm>
+          <a:prstGeom prst="rect">
+            <a:avLst/>
+          </a:prstGeom>
+          <a:noFill/>
+        </p:spPr>
+        <p:txBody>
+          <a:bodyPr wrap="square">
+            <a:spAutoFit/>
+          </a:bodyPr>
+          <a:lstStyle/>
+          <a:p>
+            <a:pPr marL="0" marR="0" lvl="0" indent="0" algn="l" defTabSz="914400" rtl="0" eaLnBrk="1" fontAlgn="auto" latinLnBrk="0" hangingPunct="1">
+              <a:lnSpc>
+                <a:spcPct val="100000"/>
+              </a:lnSpc>
+              <a:spcBef>
+                <a:spcPts val="0"/>
+              </a:spcBef>
+              <a:spcAft>
+                <a:spcPts val="0"/>
+              </a:spcAft>
+              <a:buClrTx/>
+              <a:buSzTx/>
+              <a:buFontTx/>
+              <a:buNone/>
+              <a:tabLst/>
+              <a:defRPr/>
+            </a:pPr>
+            <a:r>
+              <a:rPr kumimoji="0" lang="en-US" sz="1400" b="0" i="0" u="none" strike="noStrike" kern="1200" cap="none" spc="0" normalizeH="0" baseline="0" noProof="0" dirty="0">
+                <a:ln>
+                  <a:noFill/>
+                </a:ln>
+                <a:solidFill>
+                  <a:srgbClr val="E7E6E6">
+                    <a:lumMod val="75000"/>
+                  </a:srgbClr>
+                </a:solidFill>
+                <a:effectLst/>
+                <a:uLnTx/>
+                <a:uFillTx/>
+                <a:latin typeface="Tenorite"/>
+                <a:ea typeface="+mn-ea"/>
+                <a:cs typeface="+mn-cs"/>
+              </a:rPr>
+              <a:t>LAN</a:t>
+            </a:r>
+            <a:endParaRPr kumimoji="0" lang="en-US" sz="1800" b="0" i="0" u="none" strike="noStrike" kern="1200" cap="none" spc="0" normalizeH="0" baseline="0" noProof="0" dirty="0">
+              <a:ln>
+                <a:noFill/>
+              </a:ln>
+              <a:solidFill>
+                <a:prstClr val="black"/>
+              </a:solidFill>
+              <a:effectLst/>
+              <a:uLnTx/>
+              <a:uFillTx/>
+              <a:latin typeface="Tenorite"/>
+              <a:ea typeface="+mn-ea"/>
+              <a:cs typeface="+mn-cs"/>
+            </a:endParaRPr>
+          </a:p>
+        </p:txBody>
+      </p:sp>
+      <p:sp>
+        <p:nvSpPr>
+          <p:cNvPr id="62" name="TextBox 61">
+            <a:extLst>
+              <a:ext uri="{FF2B5EF4-FFF2-40B4-BE49-F238E27FC236}">
+                <a16:creationId xmlns:a16="http://schemas.microsoft.com/office/drawing/2014/main" id="{A2BA2FA2-E695-DF01-BB3D-F00226F78129}"/>
+              </a:ext>
+            </a:extLst>
+          </p:cNvPr>
+          <p:cNvSpPr txBox="1"/>
+          <p:nvPr/>
+        </p:nvSpPr>
+        <p:spPr>
+          <a:xfrm>
+            <a:off x="1136178" y="4612175"/>
+            <a:ext cx="532908" cy="307777"/>
+          </a:xfrm>
+          <a:prstGeom prst="rect">
+            <a:avLst/>
+          </a:prstGeom>
+          <a:noFill/>
+        </p:spPr>
+        <p:txBody>
+          <a:bodyPr wrap="square">
+            <a:spAutoFit/>
+          </a:bodyPr>
+          <a:lstStyle/>
+          <a:p>
+            <a:pPr marL="0" marR="0" lvl="0" indent="0" algn="l" defTabSz="914400" rtl="0" eaLnBrk="1" fontAlgn="auto" latinLnBrk="0" hangingPunct="1">
+              <a:lnSpc>
+                <a:spcPct val="100000"/>
+              </a:lnSpc>
+              <a:spcBef>
+                <a:spcPts val="0"/>
+              </a:spcBef>
+              <a:spcAft>
+                <a:spcPts val="0"/>
+              </a:spcAft>
+              <a:buClrTx/>
+              <a:buSzTx/>
+              <a:buFontTx/>
+              <a:buNone/>
+              <a:tabLst/>
+              <a:defRPr/>
+            </a:pPr>
+            <a:r>
+              <a:rPr kumimoji="0" lang="en-US" sz="1400" b="0" i="0" u="none" strike="noStrike" kern="1200" cap="none" spc="0" normalizeH="0" baseline="0" noProof="0" dirty="0">
+                <a:ln>
+                  <a:noFill/>
+                </a:ln>
+                <a:solidFill>
+                  <a:srgbClr val="E7E6E6">
+                    <a:lumMod val="75000"/>
+                  </a:srgbClr>
+                </a:solidFill>
+                <a:effectLst/>
+                <a:uLnTx/>
+                <a:uFillTx/>
+                <a:latin typeface="Tenorite"/>
+                <a:ea typeface="+mn-ea"/>
+                <a:cs typeface="+mn-cs"/>
+              </a:rPr>
+              <a:t>LAN</a:t>
+            </a:r>
+            <a:endParaRPr kumimoji="0" lang="en-US" sz="1800" b="0" i="0" u="none" strike="noStrike" kern="1200" cap="none" spc="0" normalizeH="0" baseline="0" noProof="0" dirty="0">
+              <a:ln>
+                <a:noFill/>
+              </a:ln>
+              <a:solidFill>
+                <a:prstClr val="black"/>
+              </a:solidFill>
+              <a:effectLst/>
+              <a:uLnTx/>
+              <a:uFillTx/>
+              <a:latin typeface="Tenorite"/>
+              <a:ea typeface="+mn-ea"/>
+              <a:cs typeface="+mn-cs"/>
+            </a:endParaRPr>
+          </a:p>
+        </p:txBody>
+      </p:sp>
+      <p:grpSp>
+        <p:nvGrpSpPr>
+          <p:cNvPr id="80" name="Group 79">
+            <a:extLst>
+              <a:ext uri="{FF2B5EF4-FFF2-40B4-BE49-F238E27FC236}">
+                <a16:creationId xmlns:a16="http://schemas.microsoft.com/office/drawing/2014/main" id="{5FBBF3B1-4F28-7C7C-B4DE-D62C83E10CE4}"/>
+              </a:ext>
+            </a:extLst>
+          </p:cNvPr>
+          <p:cNvGrpSpPr/>
+          <p:nvPr/>
+        </p:nvGrpSpPr>
+        <p:grpSpPr>
+          <a:xfrm>
+            <a:off x="4513519" y="3861047"/>
+            <a:ext cx="2218153" cy="1945762"/>
+            <a:chOff x="3789356" y="3862619"/>
+            <a:chExt cx="2218153" cy="1945762"/>
+          </a:xfrm>
+        </p:grpSpPr>
+        <p:sp>
+          <p:nvSpPr>
+            <p:cNvPr id="64" name="Rectangle: Rounded Corners 63">
+              <a:extLst>
+                <a:ext uri="{FF2B5EF4-FFF2-40B4-BE49-F238E27FC236}">
+                  <a16:creationId xmlns:a16="http://schemas.microsoft.com/office/drawing/2014/main" id="{13268601-2AA1-7DD2-EC79-5712F7A4A84A}"/>
+                </a:ext>
+              </a:extLst>
+            </p:cNvPr>
+            <p:cNvSpPr/>
+            <p:nvPr/>
+          </p:nvSpPr>
+          <p:spPr>
+            <a:xfrm>
+              <a:off x="4904334" y="4698202"/>
+              <a:ext cx="1103175" cy="423113"/>
+            </a:xfrm>
+            <a:prstGeom prst="roundRect">
+              <a:avLst/>
+            </a:prstGeom>
+            <a:solidFill>
+              <a:schemeClr val="accent2">
+                <a:lumMod val="60000"/>
+                <a:lumOff val="40000"/>
+              </a:schemeClr>
+            </a:solidFill>
+          </p:spPr>
+          <p:style>
+            <a:lnRef idx="2">
+              <a:schemeClr val="accent1">
+                <a:shade val="50000"/>
+              </a:schemeClr>
+            </a:lnRef>
+            <a:fillRef idx="1">
+              <a:schemeClr val="accent1"/>
+            </a:fillRef>
+            <a:effectRef idx="0">
+              <a:schemeClr val="accent1"/>
+            </a:effectRef>
+            <a:fontRef idx="minor">
+              <a:schemeClr val="lt1"/>
+            </a:fontRef>
+          </p:style>
+          <p:txBody>
+            <a:bodyPr rtlCol="0" anchor="ctr"/>
+            <a:lstStyle/>
+            <a:p>
+              <a:pPr algn="ctr"/>
+              <a:r>
+                <a:rPr lang="en-US" sz="2000" dirty="0">
+                  <a:solidFill>
+                    <a:prstClr val="black"/>
+                  </a:solidFill>
+                  <a:latin typeface="Tenorite"/>
+                </a:rPr>
+                <a:t>Server</a:t>
+              </a:r>
+              <a:endParaRPr lang="en-US" dirty="0"/>
+            </a:p>
+          </p:txBody>
+        </p:sp>
+        <p:cxnSp>
+          <p:nvCxnSpPr>
+            <p:cNvPr id="66" name="Straight Arrow Connector 65">
+              <a:extLst>
+                <a:ext uri="{FF2B5EF4-FFF2-40B4-BE49-F238E27FC236}">
+                  <a16:creationId xmlns:a16="http://schemas.microsoft.com/office/drawing/2014/main" id="{E2F9E275-1F62-D177-5624-76508B9510E1}"/>
+                </a:ext>
+              </a:extLst>
+            </p:cNvPr>
+            <p:cNvCxnSpPr>
+              <a:cxnSpLocks/>
+            </p:cNvCxnSpPr>
+            <p:nvPr/>
+          </p:nvCxnSpPr>
+          <p:spPr>
+            <a:xfrm>
+              <a:off x="5455921" y="5114824"/>
+              <a:ext cx="0" cy="693557"/>
+            </a:xfrm>
+            <a:prstGeom prst="straightConnector1">
+              <a:avLst/>
+            </a:prstGeom>
+            <a:ln>
+              <a:headEnd type="triangle"/>
+              <a:tailEnd type="triangle"/>
+            </a:ln>
+          </p:spPr>
+          <p:style>
+            <a:lnRef idx="1">
+              <a:schemeClr val="dk1"/>
+            </a:lnRef>
+            <a:fillRef idx="0">
+              <a:schemeClr val="dk1"/>
+            </a:fillRef>
+            <a:effectRef idx="0">
+              <a:schemeClr val="dk1"/>
+            </a:effectRef>
+            <a:fontRef idx="minor">
+              <a:schemeClr val="tx1"/>
+            </a:fontRef>
+          </p:style>
+        </p:cxnSp>
+        <p:sp>
+          <p:nvSpPr>
+            <p:cNvPr id="68" name="Rectangle: Top Corners One Rounded and One Snipped 67">
+              <a:extLst>
+                <a:ext uri="{FF2B5EF4-FFF2-40B4-BE49-F238E27FC236}">
+                  <a16:creationId xmlns:a16="http://schemas.microsoft.com/office/drawing/2014/main" id="{1D1A8004-F184-6EFC-FF76-765E41ADC94C}"/>
+                </a:ext>
+              </a:extLst>
+            </p:cNvPr>
+            <p:cNvSpPr/>
+            <p:nvPr/>
+          </p:nvSpPr>
+          <p:spPr>
+            <a:xfrm>
+              <a:off x="3789356" y="3862619"/>
+              <a:ext cx="1114978" cy="415494"/>
+            </a:xfrm>
+            <a:prstGeom prst="snipRoundRect">
+              <a:avLst>
+                <a:gd name="adj1" fmla="val 18087"/>
+                <a:gd name="adj2" fmla="val 16667"/>
+              </a:avLst>
+            </a:prstGeom>
+            <a:solidFill>
+              <a:srgbClr val="E76767"/>
+            </a:solidFill>
+            <a:ln>
+              <a:solidFill>
+                <a:schemeClr val="tx1">
+                  <a:lumMod val="75000"/>
+                  <a:lumOff val="25000"/>
+                </a:schemeClr>
+              </a:solidFill>
+            </a:ln>
+          </p:spPr>
+          <p:style>
+            <a:lnRef idx="2">
+              <a:schemeClr val="accent1">
+                <a:shade val="50000"/>
+              </a:schemeClr>
+            </a:lnRef>
+            <a:fillRef idx="1">
+              <a:schemeClr val="accent1"/>
+            </a:fillRef>
+            <a:effectRef idx="0">
+              <a:schemeClr val="accent1"/>
+            </a:effectRef>
+            <a:fontRef idx="minor">
+              <a:schemeClr val="lt1"/>
+            </a:fontRef>
+          </p:style>
+          <p:txBody>
+            <a:bodyPr rtlCol="0" anchor="ctr"/>
+            <a:lstStyle/>
+            <a:p>
+              <a:pPr algn="ctr"/>
+              <a:r>
+                <a:rPr lang="en-US" sz="1400" dirty="0">
+                  <a:solidFill>
+                    <a:schemeClr val="tx1"/>
+                  </a:solidFill>
+                </a:rPr>
+                <a:t>Central Db</a:t>
+              </a:r>
+            </a:p>
+          </p:txBody>
+        </p:sp>
+        <p:cxnSp>
+          <p:nvCxnSpPr>
+            <p:cNvPr id="71" name="Connector: Elbow 70">
+              <a:extLst>
+                <a:ext uri="{FF2B5EF4-FFF2-40B4-BE49-F238E27FC236}">
+                  <a16:creationId xmlns:a16="http://schemas.microsoft.com/office/drawing/2014/main" id="{57C21025-38C8-226B-4CBA-3217FA29290C}"/>
+                </a:ext>
+              </a:extLst>
+            </p:cNvPr>
+            <p:cNvCxnSpPr>
+              <a:stCxn id="64" idx="0"/>
+              <a:endCxn id="68" idx="0"/>
+            </p:cNvCxnSpPr>
+            <p:nvPr/>
+          </p:nvCxnSpPr>
+          <p:spPr>
+            <a:xfrm rot="16200000" flipV="1">
+              <a:off x="4866210" y="4108490"/>
+              <a:ext cx="627836" cy="551588"/>
+            </a:xfrm>
+            <a:prstGeom prst="bentConnector2">
+              <a:avLst/>
+            </a:prstGeom>
+            <a:ln>
+              <a:headEnd type="triangle"/>
+              <a:tailEnd type="triangle"/>
+            </a:ln>
+          </p:spPr>
+          <p:style>
+            <a:lnRef idx="1">
+              <a:schemeClr val="dk1"/>
+            </a:lnRef>
+            <a:fillRef idx="0">
+              <a:schemeClr val="dk1"/>
+            </a:fillRef>
+            <a:effectRef idx="0">
+              <a:schemeClr val="dk1"/>
+            </a:effectRef>
+            <a:fontRef idx="minor">
+              <a:schemeClr val="tx1"/>
+            </a:fontRef>
+          </p:style>
+        </p:cxnSp>
+        <p:cxnSp>
+          <p:nvCxnSpPr>
+            <p:cNvPr id="75" name="Straight Arrow Connector 74">
+              <a:extLst>
+                <a:ext uri="{FF2B5EF4-FFF2-40B4-BE49-F238E27FC236}">
+                  <a16:creationId xmlns:a16="http://schemas.microsoft.com/office/drawing/2014/main" id="{6E7795A3-5EA8-2FF2-F994-0ED6D826D756}"/>
+                </a:ext>
+              </a:extLst>
+            </p:cNvPr>
+            <p:cNvCxnSpPr>
+              <a:stCxn id="68" idx="1"/>
+            </p:cNvCxnSpPr>
+            <p:nvPr/>
+          </p:nvCxnSpPr>
+          <p:spPr>
+            <a:xfrm flipH="1">
+              <a:off x="4341925" y="4278113"/>
+              <a:ext cx="4920" cy="1530268"/>
+            </a:xfrm>
+            <a:prstGeom prst="straightConnector1">
+              <a:avLst/>
+            </a:prstGeom>
+            <a:ln>
+              <a:prstDash val="dashDot"/>
+              <a:headEnd type="triangle"/>
+              <a:tailEnd type="triangle"/>
+            </a:ln>
+          </p:spPr>
+          <p:style>
+            <a:lnRef idx="1">
+              <a:schemeClr val="dk1"/>
+            </a:lnRef>
+            <a:fillRef idx="0">
+              <a:schemeClr val="dk1"/>
+            </a:fillRef>
+            <a:effectRef idx="0">
+              <a:schemeClr val="dk1"/>
+            </a:effectRef>
+            <a:fontRef idx="minor">
+              <a:schemeClr val="tx1"/>
+            </a:fontRef>
+          </p:style>
+        </p:cxnSp>
+      </p:grpSp>
+      <p:sp>
+        <p:nvSpPr>
+          <p:cNvPr id="83" name="Rectangle: Rounded Corners 82">
+            <a:extLst>
+              <a:ext uri="{FF2B5EF4-FFF2-40B4-BE49-F238E27FC236}">
+                <a16:creationId xmlns:a16="http://schemas.microsoft.com/office/drawing/2014/main" id="{EC92DD2D-01AB-9BA6-3D2F-6C0142FE3F92}"/>
+              </a:ext>
+            </a:extLst>
+          </p:cNvPr>
+          <p:cNvSpPr/>
+          <p:nvPr/>
+        </p:nvSpPr>
+        <p:spPr>
+          <a:xfrm>
+            <a:off x="7295063" y="3861047"/>
+            <a:ext cx="1010510" cy="318566"/>
+          </a:xfrm>
+          <a:prstGeom prst="roundRect">
+            <a:avLst/>
+          </a:prstGeom>
+          <a:solidFill>
+            <a:schemeClr val="accent5">
+              <a:lumMod val="20000"/>
+              <a:lumOff val="80000"/>
+            </a:schemeClr>
+          </a:solidFill>
+        </p:spPr>
+        <p:style>
+          <a:lnRef idx="2">
+            <a:schemeClr val="accent1">
+              <a:shade val="50000"/>
+            </a:schemeClr>
+          </a:lnRef>
+          <a:fillRef idx="1">
+            <a:schemeClr val="accent1"/>
+          </a:fillRef>
+          <a:effectRef idx="0">
+            <a:schemeClr val="accent1"/>
+          </a:effectRef>
+          <a:fontRef idx="minor">
+            <a:schemeClr val="lt1"/>
+          </a:fontRef>
+        </p:style>
+        <p:txBody>
+          <a:bodyPr rtlCol="0" anchor="ctr"/>
+          <a:lstStyle/>
+          <a:p>
+            <a:pPr algn="ctr"/>
+            <a:r>
+              <a:rPr lang="en-US" sz="1100" dirty="0">
+                <a:solidFill>
+                  <a:schemeClr val="tx1"/>
+                </a:solidFill>
+              </a:rPr>
+              <a:t>MQTT Broker</a:t>
+            </a:r>
+          </a:p>
+        </p:txBody>
+      </p:sp>
+      <p:cxnSp>
+        <p:nvCxnSpPr>
+          <p:cNvPr id="86" name="Straight Arrow Connector 85">
+            <a:extLst>
+              <a:ext uri="{FF2B5EF4-FFF2-40B4-BE49-F238E27FC236}">
+                <a16:creationId xmlns:a16="http://schemas.microsoft.com/office/drawing/2014/main" id="{EDBC6732-9791-D89B-52DB-523363A61393}"/>
+              </a:ext>
+            </a:extLst>
+          </p:cNvPr>
+          <p:cNvCxnSpPr>
+            <a:stCxn id="83" idx="2"/>
+          </p:cNvCxnSpPr>
+          <p:nvPr/>
+        </p:nvCxnSpPr>
+        <p:spPr>
+          <a:xfrm>
+            <a:off x="7800318" y="4179613"/>
+            <a:ext cx="0" cy="1624532"/>
+          </a:xfrm>
+          <a:prstGeom prst="straightConnector1">
+            <a:avLst/>
+          </a:prstGeom>
+          <a:ln>
+            <a:headEnd type="triangle"/>
+            <a:tailEnd type="triangle"/>
+          </a:ln>
+        </p:spPr>
+        <p:style>
+          <a:lnRef idx="1">
+            <a:schemeClr val="dk1"/>
+          </a:lnRef>
+          <a:fillRef idx="0">
+            <a:schemeClr val="dk1"/>
+          </a:fillRef>
+          <a:effectRef idx="0">
+            <a:schemeClr val="dk1"/>
+          </a:effectRef>
+          <a:fontRef idx="minor">
+            <a:schemeClr val="tx1"/>
+          </a:fontRef>
+        </p:style>
+      </p:cxnSp>
+      <p:grpSp>
+        <p:nvGrpSpPr>
+          <p:cNvPr id="87" name="Group 86">
+            <a:extLst>
+              <a:ext uri="{FF2B5EF4-FFF2-40B4-BE49-F238E27FC236}">
+                <a16:creationId xmlns:a16="http://schemas.microsoft.com/office/drawing/2014/main" id="{5FF95844-FB3F-74B0-13F5-41378D18EC6E}"/>
+              </a:ext>
+            </a:extLst>
+          </p:cNvPr>
+          <p:cNvGrpSpPr/>
+          <p:nvPr/>
+        </p:nvGrpSpPr>
+        <p:grpSpPr>
+          <a:xfrm>
+            <a:off x="10581968" y="2950207"/>
+            <a:ext cx="1246238" cy="365125"/>
+            <a:chOff x="477848" y="2338588"/>
+            <a:chExt cx="1246238" cy="365125"/>
+          </a:xfrm>
+        </p:grpSpPr>
+        <p:sp>
+          <p:nvSpPr>
+            <p:cNvPr id="88" name="Rectangle: Diagonal Corners Snipped 87">
+              <a:extLst>
+                <a:ext uri="{FF2B5EF4-FFF2-40B4-BE49-F238E27FC236}">
+                  <a16:creationId xmlns:a16="http://schemas.microsoft.com/office/drawing/2014/main" id="{C66B9CBF-BACC-ECC6-2669-62638BAF3443}"/>
+                </a:ext>
+              </a:extLst>
+            </p:cNvPr>
+            <p:cNvSpPr/>
+            <p:nvPr/>
+          </p:nvSpPr>
+          <p:spPr>
+            <a:xfrm>
+              <a:off x="477848" y="2338588"/>
+              <a:ext cx="1002890" cy="365125"/>
+            </a:xfrm>
+            <a:prstGeom prst="snip2DiagRect">
+              <a:avLst/>
+            </a:prstGeom>
+            <a:solidFill>
+              <a:schemeClr val="accent4">
+                <a:lumMod val="40000"/>
+                <a:lumOff val="60000"/>
+              </a:schemeClr>
+            </a:solidFill>
+          </p:spPr>
+          <p:style>
+            <a:lnRef idx="2">
+              <a:schemeClr val="accent1">
+                <a:shade val="50000"/>
+              </a:schemeClr>
+            </a:lnRef>
+            <a:fillRef idx="1">
+              <a:schemeClr val="accent1"/>
+            </a:fillRef>
+            <a:effectRef idx="0">
+              <a:schemeClr val="accent1"/>
+            </a:effectRef>
+            <a:fontRef idx="minor">
+              <a:schemeClr val="lt1"/>
+            </a:fontRef>
+          </p:style>
+          <p:txBody>
+            <a:bodyPr rtlCol="0" anchor="ctr"/>
+            <a:lstStyle/>
+            <a:p>
+              <a:pPr algn="ctr"/>
+              <a:endParaRPr lang="en-US"/>
+            </a:p>
+          </p:txBody>
+        </p:sp>
+        <p:sp>
+          <p:nvSpPr>
+            <p:cNvPr id="89" name="TextBox 88">
+              <a:extLst>
+                <a:ext uri="{FF2B5EF4-FFF2-40B4-BE49-F238E27FC236}">
+                  <a16:creationId xmlns:a16="http://schemas.microsoft.com/office/drawing/2014/main" id="{9E2C03F0-AA28-0F9A-0833-7E05CCD44D26}"/>
+                </a:ext>
+              </a:extLst>
+            </p:cNvPr>
+            <p:cNvSpPr txBox="1"/>
+            <p:nvPr/>
+          </p:nvSpPr>
+          <p:spPr>
+            <a:xfrm>
+              <a:off x="477848" y="2338588"/>
+              <a:ext cx="1246238" cy="307777"/>
+            </a:xfrm>
+            <a:prstGeom prst="rect">
+              <a:avLst/>
+            </a:prstGeom>
+            <a:noFill/>
+          </p:spPr>
+          <p:txBody>
+            <a:bodyPr wrap="square">
+              <a:spAutoFit/>
+            </a:bodyPr>
+            <a:lstStyle/>
+            <a:p>
+              <a:r>
+                <a:rPr lang="en-US" sz="1400" dirty="0"/>
+                <a:t>Front View</a:t>
+              </a:r>
+            </a:p>
+          </p:txBody>
+        </p:sp>
+      </p:grpSp>
+      <p:cxnSp>
+        <p:nvCxnSpPr>
+          <p:cNvPr id="90" name="Straight Arrow Connector 89">
+            <a:extLst>
+              <a:ext uri="{FF2B5EF4-FFF2-40B4-BE49-F238E27FC236}">
+                <a16:creationId xmlns:a16="http://schemas.microsoft.com/office/drawing/2014/main" id="{0A1DCDD6-CF73-1B9B-B2C9-B0B18151D6B2}"/>
+              </a:ext>
+            </a:extLst>
+          </p:cNvPr>
+          <p:cNvCxnSpPr>
+            <a:cxnSpLocks/>
+            <a:stCxn id="88" idx="1"/>
+          </p:cNvCxnSpPr>
+          <p:nvPr/>
+        </p:nvCxnSpPr>
+        <p:spPr>
+          <a:xfrm flipH="1">
+            <a:off x="11077514" y="3315332"/>
+            <a:ext cx="5899" cy="2488813"/>
+          </a:xfrm>
+          <a:prstGeom prst="straightConnector1">
+            <a:avLst/>
+          </a:prstGeom>
+          <a:ln>
+            <a:headEnd type="triangle"/>
+            <a:tailEnd type="triangle"/>
+          </a:ln>
+        </p:spPr>
+        <p:style>
+          <a:lnRef idx="1">
+            <a:schemeClr val="dk1"/>
+          </a:lnRef>
+          <a:fillRef idx="0">
+            <a:schemeClr val="dk1"/>
+          </a:fillRef>
+          <a:effectRef idx="0">
+            <a:schemeClr val="dk1"/>
+          </a:effectRef>
+          <a:fontRef idx="minor">
+            <a:schemeClr val="tx1"/>
+          </a:fontRef>
+        </p:style>
+      </p:cxnSp>
+      <p:pic>
+        <p:nvPicPr>
+          <p:cNvPr id="100" name="Picture 99" descr="A black rectangle with a black background&#10;&#10;Description automatically generated with low confidence">
+            <a:extLst>
+              <a:ext uri="{FF2B5EF4-FFF2-40B4-BE49-F238E27FC236}">
+                <a16:creationId xmlns:a16="http://schemas.microsoft.com/office/drawing/2014/main" id="{DA8B216F-3BC2-D573-EAF6-91A1A0CCE439}"/>
+              </a:ext>
+            </a:extLst>
+          </p:cNvPr>
+          <p:cNvPicPr>
+            <a:picLocks noChangeAspect="1"/>
+          </p:cNvPicPr>
+          <p:nvPr/>
+        </p:nvPicPr>
+        <p:blipFill>
+          <a:blip r:embed="rId3"/>
+          <a:stretch>
+            <a:fillRect/>
+          </a:stretch>
+        </p:blipFill>
+        <p:spPr>
+          <a:xfrm>
+            <a:off x="10872181" y="1681793"/>
+            <a:ext cx="410666" cy="410666"/>
+          </a:xfrm>
+          <a:prstGeom prst="rect">
+            <a:avLst/>
+          </a:prstGeom>
+        </p:spPr>
+      </p:pic>
+      <p:pic>
+        <p:nvPicPr>
+          <p:cNvPr id="101" name="Picture 100" descr="Background pattern&#10;&#10;Description automatically generated with medium confidence">
+            <a:extLst>
+              <a:ext uri="{FF2B5EF4-FFF2-40B4-BE49-F238E27FC236}">
+                <a16:creationId xmlns:a16="http://schemas.microsoft.com/office/drawing/2014/main" id="{6CE5606A-E9CC-65DA-1ABF-1F3E7A3ECB2E}"/>
+              </a:ext>
+            </a:extLst>
+          </p:cNvPr>
+          <p:cNvPicPr>
+            <a:picLocks noChangeAspect="1"/>
+          </p:cNvPicPr>
+          <p:nvPr/>
+        </p:nvPicPr>
+        <p:blipFill>
+          <a:blip r:embed="rId2"/>
+          <a:stretch>
+            <a:fillRect/>
+          </a:stretch>
+        </p:blipFill>
+        <p:spPr>
+          <a:xfrm>
+            <a:off x="11526089" y="1591017"/>
+            <a:ext cx="616659" cy="616659"/>
+          </a:xfrm>
+          <a:prstGeom prst="rect">
+            <a:avLst/>
+          </a:prstGeom>
+        </p:spPr>
+      </p:pic>
+      <p:sp>
+        <p:nvSpPr>
+          <p:cNvPr id="102" name="Rectangle: Rounded Corners 101">
+            <a:extLst>
+              <a:ext uri="{FF2B5EF4-FFF2-40B4-BE49-F238E27FC236}">
+                <a16:creationId xmlns:a16="http://schemas.microsoft.com/office/drawing/2014/main" id="{CCE61096-05A2-3FE4-B806-331EB44E253E}"/>
+              </a:ext>
+            </a:extLst>
+          </p:cNvPr>
+          <p:cNvSpPr/>
+          <p:nvPr/>
+        </p:nvSpPr>
+        <p:spPr>
+          <a:xfrm>
+            <a:off x="9019996" y="3861047"/>
+            <a:ext cx="1010510" cy="318566"/>
+          </a:xfrm>
+          <a:prstGeom prst="roundRect">
+            <a:avLst/>
+          </a:prstGeom>
+          <a:solidFill>
+            <a:srgbClr val="8DBAE3"/>
+          </a:solidFill>
+        </p:spPr>
+        <p:style>
+          <a:lnRef idx="2">
+            <a:schemeClr val="accent1">
+              <a:shade val="50000"/>
+            </a:schemeClr>
+          </a:lnRef>
+          <a:fillRef idx="1">
+            <a:schemeClr val="accent1"/>
+          </a:fillRef>
+          <a:effectRef idx="0">
+            <a:schemeClr val="accent1"/>
+          </a:effectRef>
+          <a:fontRef idx="minor">
+            <a:schemeClr val="lt1"/>
+          </a:fontRef>
+        </p:style>
+        <p:txBody>
+          <a:bodyPr rtlCol="0" anchor="ctr"/>
+          <a:lstStyle/>
+          <a:p>
+            <a:pPr algn="ctr"/>
+            <a:r>
+              <a:rPr lang="en-US" sz="1100" dirty="0">
+                <a:solidFill>
+                  <a:schemeClr val="tx1"/>
+                </a:solidFill>
+              </a:rPr>
+              <a:t>Mail Service</a:t>
+            </a:r>
+          </a:p>
+        </p:txBody>
+      </p:sp>
+      <p:cxnSp>
+        <p:nvCxnSpPr>
+          <p:cNvPr id="103" name="Straight Arrow Connector 102">
+            <a:extLst>
+              <a:ext uri="{FF2B5EF4-FFF2-40B4-BE49-F238E27FC236}">
+                <a16:creationId xmlns:a16="http://schemas.microsoft.com/office/drawing/2014/main" id="{F4BB391B-62AB-BBF1-A87D-927BD4C5BF23}"/>
+              </a:ext>
+            </a:extLst>
+          </p:cNvPr>
+          <p:cNvCxnSpPr>
+            <a:stCxn id="102" idx="2"/>
+          </p:cNvCxnSpPr>
+          <p:nvPr/>
+        </p:nvCxnSpPr>
+        <p:spPr>
+          <a:xfrm>
+            <a:off x="9525251" y="4179613"/>
+            <a:ext cx="0" cy="1624532"/>
+          </a:xfrm>
+          <a:prstGeom prst="straightConnector1">
+            <a:avLst/>
+          </a:prstGeom>
+          <a:ln>
+            <a:headEnd type="triangle"/>
+            <a:tailEnd type="triangle"/>
+          </a:ln>
+        </p:spPr>
+        <p:style>
+          <a:lnRef idx="1">
+            <a:schemeClr val="dk1"/>
+          </a:lnRef>
+          <a:fillRef idx="0">
+            <a:schemeClr val="dk1"/>
+          </a:fillRef>
+          <a:effectRef idx="0">
+            <a:schemeClr val="dk1"/>
+          </a:effectRef>
+          <a:fontRef idx="minor">
+            <a:schemeClr val="tx1"/>
+          </a:fontRef>
+        </p:style>
+      </p:cxnSp>
+      <p:pic>
+        <p:nvPicPr>
+          <p:cNvPr id="105" name="Picture 104" descr="A picture containing monitor, black&#10;&#10;Description automatically generated">
+            <a:extLst>
+              <a:ext uri="{FF2B5EF4-FFF2-40B4-BE49-F238E27FC236}">
+                <a16:creationId xmlns:a16="http://schemas.microsoft.com/office/drawing/2014/main" id="{68ADE855-AF83-E50F-0812-EC45DC83E75A}"/>
+              </a:ext>
+            </a:extLst>
+          </p:cNvPr>
+          <p:cNvPicPr>
+            <a:picLocks noChangeAspect="1"/>
+          </p:cNvPicPr>
+          <p:nvPr/>
+        </p:nvPicPr>
+        <p:blipFill>
+          <a:blip r:embed="rId4"/>
+          <a:stretch>
+            <a:fillRect/>
+          </a:stretch>
+        </p:blipFill>
+        <p:spPr>
+          <a:xfrm>
+            <a:off x="10030506" y="1654533"/>
+            <a:ext cx="598433" cy="550094"/>
+          </a:xfrm>
+          <a:prstGeom prst="rect">
+            <a:avLst/>
+          </a:prstGeom>
+        </p:spPr>
+      </p:pic>
+      <p:cxnSp>
+        <p:nvCxnSpPr>
+          <p:cNvPr id="107" name="Connector: Elbow 106">
+            <a:extLst>
+              <a:ext uri="{FF2B5EF4-FFF2-40B4-BE49-F238E27FC236}">
+                <a16:creationId xmlns:a16="http://schemas.microsoft.com/office/drawing/2014/main" id="{4359D9D3-5AC9-CDA8-4504-F3F7FA0BF38A}"/>
+              </a:ext>
+            </a:extLst>
+          </p:cNvPr>
+          <p:cNvCxnSpPr>
+            <a:stCxn id="105" idx="2"/>
+            <a:endCxn id="89" idx="1"/>
+          </p:cNvCxnSpPr>
+          <p:nvPr/>
+        </p:nvCxnSpPr>
+        <p:spPr>
+          <a:xfrm rot="16200000" flipH="1">
+            <a:off x="10006111" y="2528238"/>
+            <a:ext cx="899469" cy="252245"/>
+          </a:xfrm>
+          <a:prstGeom prst="bentConnector2">
+            <a:avLst/>
+          </a:prstGeom>
+          <a:ln>
+            <a:headEnd type="triangle"/>
+            <a:tailEnd type="triangle"/>
+          </a:ln>
+        </p:spPr>
+        <p:style>
+          <a:lnRef idx="1">
+            <a:schemeClr val="dk1"/>
+          </a:lnRef>
+          <a:fillRef idx="0">
+            <a:schemeClr val="dk1"/>
+          </a:fillRef>
+          <a:effectRef idx="0">
+            <a:schemeClr val="dk1"/>
+          </a:effectRef>
+          <a:fontRef idx="minor">
+            <a:schemeClr val="tx1"/>
+          </a:fontRef>
+        </p:style>
+      </p:cxnSp>
+      <p:cxnSp>
+        <p:nvCxnSpPr>
+          <p:cNvPr id="109" name="Straight Arrow Connector 108">
+            <a:extLst>
+              <a:ext uri="{FF2B5EF4-FFF2-40B4-BE49-F238E27FC236}">
+                <a16:creationId xmlns:a16="http://schemas.microsoft.com/office/drawing/2014/main" id="{A5553447-3DD7-24E8-F38C-5FB02BF67457}"/>
+              </a:ext>
+            </a:extLst>
+          </p:cNvPr>
+          <p:cNvCxnSpPr>
+            <a:cxnSpLocks/>
+          </p:cNvCxnSpPr>
+          <p:nvPr/>
+        </p:nvCxnSpPr>
+        <p:spPr>
+          <a:xfrm flipV="1">
+            <a:off x="11077514" y="2144314"/>
+            <a:ext cx="0" cy="805893"/>
+          </a:xfrm>
+          <a:prstGeom prst="straightConnector1">
+            <a:avLst/>
+          </a:prstGeom>
+          <a:ln>
+            <a:headEnd type="triangle"/>
+            <a:tailEnd type="triangle"/>
+          </a:ln>
+        </p:spPr>
+        <p:style>
+          <a:lnRef idx="1">
+            <a:schemeClr val="dk1"/>
+          </a:lnRef>
+          <a:fillRef idx="0">
+            <a:schemeClr val="dk1"/>
+          </a:fillRef>
+          <a:effectRef idx="0">
+            <a:schemeClr val="dk1"/>
+          </a:effectRef>
+          <a:fontRef idx="minor">
+            <a:schemeClr val="tx1"/>
+          </a:fontRef>
+        </p:style>
+      </p:cxnSp>
+      <p:cxnSp>
+        <p:nvCxnSpPr>
+          <p:cNvPr id="123" name="Connector: Elbow 122">
+            <a:extLst>
+              <a:ext uri="{FF2B5EF4-FFF2-40B4-BE49-F238E27FC236}">
+                <a16:creationId xmlns:a16="http://schemas.microsoft.com/office/drawing/2014/main" id="{21D5051F-3A68-4695-4080-2FE6EA260458}"/>
+              </a:ext>
+            </a:extLst>
+          </p:cNvPr>
+          <p:cNvCxnSpPr>
+            <a:endCxn id="101" idx="2"/>
+          </p:cNvCxnSpPr>
+          <p:nvPr/>
+        </p:nvCxnSpPr>
+        <p:spPr>
+          <a:xfrm rot="5400000" flipH="1" flipV="1">
+            <a:off x="11148488" y="2264276"/>
+            <a:ext cx="742531" cy="629332"/>
+          </a:xfrm>
+          <a:prstGeom prst="bentConnector3">
+            <a:avLst/>
+          </a:prstGeom>
+          <a:ln>
+            <a:headEnd type="triangle"/>
+            <a:tailEnd type="triangle"/>
+          </a:ln>
+        </p:spPr>
+        <p:style>
+          <a:lnRef idx="1">
+            <a:schemeClr val="dk1"/>
+          </a:lnRef>
+          <a:fillRef idx="0">
+            <a:schemeClr val="dk1"/>
+          </a:fillRef>
+          <a:effectRef idx="0">
+            <a:schemeClr val="dk1"/>
+          </a:effectRef>
+          <a:fontRef idx="minor">
+            <a:schemeClr val="tx1"/>
+          </a:fontRef>
+        </p:style>
+      </p:cxnSp>
     </p:spTree>
     <p:extLst>
       <p:ext uri="{BB962C8B-B14F-4D97-AF65-F5344CB8AC3E}">
-        <p14:creationId xmlns:p14="http://schemas.microsoft.com/office/powerpoint/2010/main" val="2499682613"/>
+        <p14:creationId xmlns:p14="http://schemas.microsoft.com/office/powerpoint/2010/main" val="2037671153"/>
       </p:ext>
     </p:extLst>
   </p:cSld>
@@ -17942,8 +21003,8 @@
         </p:nvSpPr>
         <p:spPr>
           <a:xfrm>
-            <a:off x="4657724" y="2809875"/>
-            <a:ext cx="6696075" cy="1909763"/>
+            <a:off x="115223" y="125613"/>
+            <a:ext cx="4244402" cy="653257"/>
           </a:xfrm>
         </p:spPr>
         <p:txBody>
@@ -17952,40 +21013,7 @@
           <a:p>
             <a:r>
               <a:rPr lang="en-US" dirty="0"/>
-              <a:t>BUSINESS OPPORTUNITIES ARE LIKE BUSES. THERE'S ALWAYS ANOTHER ONE COMING.​</a:t>
-            </a:r>
-          </a:p>
-        </p:txBody>
-      </p:sp>
-      <p:sp>
-        <p:nvSpPr>
-          <p:cNvPr id="3" name="Subtitle 2">
-            <a:extLst>
-              <a:ext uri="{FF2B5EF4-FFF2-40B4-BE49-F238E27FC236}">
-                <a16:creationId xmlns:a16="http://schemas.microsoft.com/office/drawing/2014/main" id="{45FD0450-A909-4CD9-8912-96A19ACEB7CB}"/>
-              </a:ext>
-            </a:extLst>
-          </p:cNvPr>
-          <p:cNvSpPr>
-            <a:spLocks noGrp="1"/>
-          </p:cNvSpPr>
-          <p:nvPr>
-            <p:ph type="subTitle" idx="1"/>
-          </p:nvPr>
-        </p:nvSpPr>
-        <p:spPr>
-          <a:xfrm>
-            <a:off x="4657725" y="5028803"/>
-            <a:ext cx="6696074" cy="365125"/>
-          </a:xfrm>
-        </p:spPr>
-        <p:txBody>
-          <a:bodyPr/>
-          <a:lstStyle/>
-          <a:p>
-            <a:r>
-              <a:rPr lang="en-US" dirty="0"/>
-              <a:t>Richard Branson</a:t>
+              <a:t>The INNER WORKINGS​</a:t>
             </a:r>
           </a:p>
         </p:txBody>

--- a/Report/Presentation_3_IoT.pptx
+++ b/Report/Presentation_3_IoT.pptx
@@ -19806,6 +19806,64 @@
                 <a:latin typeface="Tenorite"/>
               </a:rPr>
               <a:t>MQTT Front View</a:t>
+            </a:r>
+            <a:endParaRPr lang="en-US" sz="1600" dirty="0"/>
+          </a:p>
+        </p:txBody>
+      </p:sp>
+      <p:sp>
+        <p:nvSpPr>
+          <p:cNvPr id="3" name="TextBox 2">
+            <a:extLst>
+              <a:ext uri="{FF2B5EF4-FFF2-40B4-BE49-F238E27FC236}">
+                <a16:creationId xmlns:a16="http://schemas.microsoft.com/office/drawing/2014/main" id="{5F694D08-8F6E-C1BB-9CAF-841920DB1B22}"/>
+              </a:ext>
+            </a:extLst>
+          </p:cNvPr>
+          <p:cNvSpPr txBox="1"/>
+          <p:nvPr/>
+        </p:nvSpPr>
+        <p:spPr>
+          <a:xfrm>
+            <a:off x="2633385" y="4601565"/>
+            <a:ext cx="1442638" cy="461665"/>
+          </a:xfrm>
+          <a:prstGeom prst="rect">
+            <a:avLst/>
+          </a:prstGeom>
+          <a:noFill/>
+        </p:spPr>
+        <p:txBody>
+          <a:bodyPr wrap="square">
+            <a:spAutoFit/>
+          </a:bodyPr>
+          <a:lstStyle/>
+          <a:p>
+            <a:r>
+              <a:rPr lang="en-US" sz="1200" dirty="0">
+                <a:solidFill>
+                  <a:prstClr val="black"/>
+                </a:solidFill>
+                <a:latin typeface="Tenorite"/>
+              </a:rPr>
+              <a:t>Project</a:t>
+            </a:r>
+            <a:br>
+              <a:rPr lang="en-US" sz="1200" dirty="0">
+                <a:solidFill>
+                  <a:prstClr val="black"/>
+                </a:solidFill>
+                <a:latin typeface="Tenorite"/>
+              </a:rPr>
+            </a:br>
+            <a:r>
+              <a:rPr lang="en-US" sz="1200" dirty="0">
+                <a:solidFill>
+                  <a:prstClr val="black"/>
+                </a:solidFill>
+                <a:latin typeface="Tenorite"/>
+              </a:rPr>
+              <a:t>Planning</a:t>
             </a:r>
             <a:endParaRPr lang="en-US" sz="1600" dirty="0"/>
           </a:p>
@@ -20616,6 +20674,15 @@
 </file>
 
 <file path=customXml/item1.xml><?xml version="1.0" encoding="utf-8"?>
+<?mso-contentType ?>
+<FormTemplates xmlns="http://schemas.microsoft.com/sharepoint/v3/contenttype/forms">
+  <Display>DocumentLibraryForm</Display>
+  <Edit>DocumentLibraryForm</Edit>
+  <New>DocumentLibraryForm</New>
+</FormTemplates>
+</file>
+
+<file path=customXml/item2.xml><?xml version="1.0" encoding="utf-8"?>
 <p:properties xmlns:p="http://schemas.microsoft.com/office/2006/metadata/properties" xmlns:xsi="http://www.w3.org/2001/XMLSchema-instance" xmlns:pc="http://schemas.microsoft.com/office/infopath/2007/PartnerControls">
   <documentManagement>
     <_ip_UnifiedCompliancePolicyUIAction xmlns="http://schemas.microsoft.com/sharepoint/v3" xsi:nil="true"/>
@@ -20632,15 +20699,6 @@
     <MediaServiceKeyPoints xmlns="71af3243-3dd4-4a8d-8c0d-dd76da1f02a5" xsi:nil="true"/>
   </documentManagement>
 </p:properties>
-</file>
-
-<file path=customXml/item2.xml><?xml version="1.0" encoding="utf-8"?>
-<?mso-contentType ?>
-<FormTemplates xmlns="http://schemas.microsoft.com/sharepoint/v3/contenttype/forms">
-  <Display>DocumentLibraryForm</Display>
-  <Edit>DocumentLibraryForm</Edit>
-  <New>DocumentLibraryForm</New>
-</FormTemplates>
 </file>
 
 <file path=customXml/item3.xml><?xml version="1.0" encoding="utf-8"?>
@@ -20920,6 +20978,14 @@
 </file>
 
 <file path=customXml/itemProps1.xml><?xml version="1.0" encoding="utf-8"?>
+<ds:datastoreItem xmlns:ds="http://schemas.openxmlformats.org/officeDocument/2006/customXml" ds:itemID="{0FD6FE22-81A0-4500-AFD0-342D21BB9A2C}">
+  <ds:schemaRefs>
+    <ds:schemaRef ds:uri="http://schemas.microsoft.com/sharepoint/v3/contenttype/forms"/>
+  </ds:schemaRefs>
+</ds:datastoreItem>
+</file>
+
+<file path=customXml/itemProps2.xml><?xml version="1.0" encoding="utf-8"?>
 <ds:datastoreItem xmlns:ds="http://schemas.openxmlformats.org/officeDocument/2006/customXml" ds:itemID="{29C43685-694E-4579-B109-3C418D49DA65}">
   <ds:schemaRefs>
     <ds:schemaRef ds:uri="http://schemas.microsoft.com/office/2006/metadata/properties"/>
@@ -20927,14 +20993,6 @@
     <ds:schemaRef ds:uri="http://schemas.microsoft.com/sharepoint/v3"/>
     <ds:schemaRef ds:uri="71af3243-3dd4-4a8d-8c0d-dd76da1f02a5"/>
     <ds:schemaRef ds:uri="230e9df3-be65-4c73-a93b-d1236ebd677e"/>
-  </ds:schemaRefs>
-</ds:datastoreItem>
-</file>
-
-<file path=customXml/itemProps2.xml><?xml version="1.0" encoding="utf-8"?>
-<ds:datastoreItem xmlns:ds="http://schemas.openxmlformats.org/officeDocument/2006/customXml" ds:itemID="{0FD6FE22-81A0-4500-AFD0-342D21BB9A2C}">
-  <ds:schemaRefs>
-    <ds:schemaRef ds:uri="http://schemas.microsoft.com/sharepoint/v3/contenttype/forms"/>
   </ds:schemaRefs>
 </ds:datastoreItem>
 </file>

--- a/Report/Presentation_3_IoT.pptx
+++ b/Report/Presentation_3_IoT.pptx
@@ -224,7 +224,7 @@
           <a:p>
             <a:fld id="{B56F32FC-4BD9-442A-A8C6-51598C909FE3}" type="datetimeFigureOut">
               <a:rPr lang="en-US" smtClean="0"/>
-              <a:t>2/16/2023</a:t>
+              <a:t>2/17/2023</a:t>
             </a:fld>
             <a:endParaRPr lang="en-US" dirty="0"/>
           </a:p>
@@ -401,7 +401,7 @@
           <a:p>
             <a:fld id="{056371FA-A98D-41E8-93F4-09945841298A}" type="datetimeFigureOut">
               <a:rPr lang="en-US" smtClean="0"/>
-              <a:t>2/16/2023</a:t>
+              <a:t>2/17/2023</a:t>
             </a:fld>
             <a:endParaRPr lang="en-US" dirty="0"/>
           </a:p>
@@ -16086,10 +16086,10 @@
       </p:pic>
       <p:pic>
         <p:nvPicPr>
-          <p:cNvPr id="14" name="Picture 13" descr="Chart, line chart&#10;&#10;Description automatically generated">
-            <a:extLst>
-              <a:ext uri="{FF2B5EF4-FFF2-40B4-BE49-F238E27FC236}">
-                <a16:creationId xmlns:a16="http://schemas.microsoft.com/office/drawing/2014/main" id="{D1A4A6C5-9B5C-6712-FD44-027F4E59D65B}"/>
+          <p:cNvPr id="18" name="Picture 17" descr="Chart, line chart, histogram&#10;&#10;Description automatically generated">
+            <a:extLst>
+              <a:ext uri="{FF2B5EF4-FFF2-40B4-BE49-F238E27FC236}">
+                <a16:creationId xmlns:a16="http://schemas.microsoft.com/office/drawing/2014/main" id="{87877037-8DA9-9035-DEC2-58F765BC34F4}"/>
               </a:ext>
             </a:extLst>
           </p:cNvPr>
@@ -16106,8 +16106,8 @@
         </p:blipFill>
         <p:spPr>
           <a:xfrm>
-            <a:off x="5333268" y="1110870"/>
-            <a:ext cx="1672717" cy="1270026"/>
+            <a:off x="7235702" y="1142937"/>
+            <a:ext cx="2713256" cy="1205892"/>
           </a:xfrm>
           <a:prstGeom prst="rect">
             <a:avLst/>
@@ -16116,10 +16116,10 @@
       </p:pic>
       <p:pic>
         <p:nvPicPr>
-          <p:cNvPr id="18" name="Picture 17" descr="Chart, line chart, histogram&#10;&#10;Description automatically generated">
-            <a:extLst>
-              <a:ext uri="{FF2B5EF4-FFF2-40B4-BE49-F238E27FC236}">
-                <a16:creationId xmlns:a16="http://schemas.microsoft.com/office/drawing/2014/main" id="{87877037-8DA9-9035-DEC2-58F765BC34F4}"/>
+          <p:cNvPr id="20" name="Picture 19" descr="Chart, line chart&#10;&#10;Description automatically generated">
+            <a:extLst>
+              <a:ext uri="{FF2B5EF4-FFF2-40B4-BE49-F238E27FC236}">
+                <a16:creationId xmlns:a16="http://schemas.microsoft.com/office/drawing/2014/main" id="{C189426B-5042-8B16-776B-F0C6D0E61603}"/>
               </a:ext>
             </a:extLst>
           </p:cNvPr>
@@ -16136,8 +16136,8 @@
         </p:blipFill>
         <p:spPr>
           <a:xfrm>
-            <a:off x="7235702" y="1142937"/>
-            <a:ext cx="2713256" cy="1205892"/>
+            <a:off x="7320742" y="2699256"/>
+            <a:ext cx="2543175" cy="1450325"/>
           </a:xfrm>
           <a:prstGeom prst="rect">
             <a:avLst/>
@@ -16146,10 +16146,10 @@
       </p:pic>
       <p:pic>
         <p:nvPicPr>
-          <p:cNvPr id="20" name="Picture 19" descr="Chart, line chart&#10;&#10;Description automatically generated">
-            <a:extLst>
-              <a:ext uri="{FF2B5EF4-FFF2-40B4-BE49-F238E27FC236}">
-                <a16:creationId xmlns:a16="http://schemas.microsoft.com/office/drawing/2014/main" id="{C189426B-5042-8B16-776B-F0C6D0E61603}"/>
+          <p:cNvPr id="22" name="Picture 21" descr="Chart, line chart&#10;&#10;Description automatically generated">
+            <a:extLst>
+              <a:ext uri="{FF2B5EF4-FFF2-40B4-BE49-F238E27FC236}">
+                <a16:creationId xmlns:a16="http://schemas.microsoft.com/office/drawing/2014/main" id="{C1CB84C5-228B-B309-3554-5E59330267F7}"/>
               </a:ext>
             </a:extLst>
           </p:cNvPr>
@@ -16166,8 +16166,8 @@
         </p:blipFill>
         <p:spPr>
           <a:xfrm>
-            <a:off x="7320742" y="2699256"/>
-            <a:ext cx="2543175" cy="1450325"/>
+            <a:off x="2881915" y="4920195"/>
+            <a:ext cx="1962515" cy="1618717"/>
           </a:xfrm>
           <a:prstGeom prst="rect">
             <a:avLst/>
@@ -16176,10 +16176,10 @@
       </p:pic>
       <p:pic>
         <p:nvPicPr>
-          <p:cNvPr id="22" name="Picture 21" descr="Chart, line chart&#10;&#10;Description automatically generated">
-            <a:extLst>
-              <a:ext uri="{FF2B5EF4-FFF2-40B4-BE49-F238E27FC236}">
-                <a16:creationId xmlns:a16="http://schemas.microsoft.com/office/drawing/2014/main" id="{C1CB84C5-228B-B309-3554-5E59330267F7}"/>
+          <p:cNvPr id="24" name="Picture 23" descr="Chart, line chart&#10;&#10;Description automatically generated">
+            <a:extLst>
+              <a:ext uri="{FF2B5EF4-FFF2-40B4-BE49-F238E27FC236}">
+                <a16:creationId xmlns:a16="http://schemas.microsoft.com/office/drawing/2014/main" id="{539F82ED-935C-4FEC-73BD-625779E0D33D}"/>
               </a:ext>
             </a:extLst>
           </p:cNvPr>
@@ -16190,36 +16190,6 @@
         </p:nvPicPr>
         <p:blipFill>
           <a:blip r:embed="rId8"/>
-          <a:stretch>
-            <a:fillRect/>
-          </a:stretch>
-        </p:blipFill>
-        <p:spPr>
-          <a:xfrm>
-            <a:off x="2881915" y="4920195"/>
-            <a:ext cx="1962515" cy="1618717"/>
-          </a:xfrm>
-          <a:prstGeom prst="rect">
-            <a:avLst/>
-          </a:prstGeom>
-        </p:spPr>
-      </p:pic>
-      <p:pic>
-        <p:nvPicPr>
-          <p:cNvPr id="24" name="Picture 23" descr="Chart, line chart&#10;&#10;Description automatically generated">
-            <a:extLst>
-              <a:ext uri="{FF2B5EF4-FFF2-40B4-BE49-F238E27FC236}">
-                <a16:creationId xmlns:a16="http://schemas.microsoft.com/office/drawing/2014/main" id="{539F82ED-935C-4FEC-73BD-625779E0D33D}"/>
-              </a:ext>
-            </a:extLst>
-          </p:cNvPr>
-          <p:cNvPicPr>
-            <a:picLocks noChangeAspect="1"/>
-          </p:cNvPicPr>
-          <p:nvPr/>
-        </p:nvPicPr>
-        <p:blipFill>
-          <a:blip r:embed="rId9"/>
           <a:stretch>
             <a:fillRect/>
           </a:stretch>
@@ -16269,7 +16239,7 @@
             <p:nvPr/>
           </p:nvPicPr>
           <p:blipFill>
-            <a:blip r:embed="rId10"/>
+            <a:blip r:embed="rId9"/>
             <a:stretch>
               <a:fillRect/>
             </a:stretch>
@@ -16352,7 +16322,7 @@
           <p:nvPr/>
         </p:nvPicPr>
         <p:blipFill>
-          <a:blip r:embed="rId11"/>
+          <a:blip r:embed="rId10"/>
           <a:stretch>
             <a:fillRect/>
           </a:stretch>
@@ -16553,8 +16523,8 @@
             </a:extLst>
           </p:cNvPr>
           <p:cNvCxnSpPr>
+            <a:cxnSpLocks/>
             <a:stCxn id="9" idx="3"/>
-            <a:endCxn id="14" idx="1"/>
           </p:cNvCxnSpPr>
           <p:nvPr/>
         </p:nvCxnSpPr>
@@ -16992,7 +16962,7 @@
             </a:extLst>
           </p:cNvPr>
           <p:cNvCxnSpPr>
-            <a:stCxn id="14" idx="3"/>
+            <a:cxnSpLocks/>
             <a:endCxn id="18" idx="1"/>
           </p:cNvCxnSpPr>
           <p:nvPr/>
@@ -18921,6 +18891,36 @@
           </a:fontRef>
         </p:style>
       </p:cxnSp>
+      <p:pic>
+        <p:nvPicPr>
+          <p:cNvPr id="4" name="Picture 3" descr="Chart, line chart&#10;&#10;Description automatically generated">
+            <a:extLst>
+              <a:ext uri="{FF2B5EF4-FFF2-40B4-BE49-F238E27FC236}">
+                <a16:creationId xmlns:a16="http://schemas.microsoft.com/office/drawing/2014/main" id="{D1F1A770-792B-F6D5-5B41-0CED475446AB}"/>
+              </a:ext>
+            </a:extLst>
+          </p:cNvPr>
+          <p:cNvPicPr>
+            <a:picLocks noChangeAspect="1"/>
+          </p:cNvPicPr>
+          <p:nvPr/>
+        </p:nvPicPr>
+        <p:blipFill>
+          <a:blip r:embed="rId11"/>
+          <a:stretch>
+            <a:fillRect/>
+          </a:stretch>
+        </p:blipFill>
+        <p:spPr>
+          <a:xfrm>
+            <a:off x="5342229" y="1043497"/>
+            <a:ext cx="1695121" cy="1275508"/>
+          </a:xfrm>
+          <a:prstGeom prst="rect">
+            <a:avLst/>
+          </a:prstGeom>
+        </p:spPr>
+      </p:pic>
     </p:spTree>
     <p:extLst>
       <p:ext uri="{BB962C8B-B14F-4D97-AF65-F5344CB8AC3E}">
@@ -20674,15 +20674,6 @@
 </file>
 
 <file path=customXml/item1.xml><?xml version="1.0" encoding="utf-8"?>
-<?mso-contentType ?>
-<FormTemplates xmlns="http://schemas.microsoft.com/sharepoint/v3/contenttype/forms">
-  <Display>DocumentLibraryForm</Display>
-  <Edit>DocumentLibraryForm</Edit>
-  <New>DocumentLibraryForm</New>
-</FormTemplates>
-</file>
-
-<file path=customXml/item2.xml><?xml version="1.0" encoding="utf-8"?>
 <p:properties xmlns:p="http://schemas.microsoft.com/office/2006/metadata/properties" xmlns:xsi="http://www.w3.org/2001/XMLSchema-instance" xmlns:pc="http://schemas.microsoft.com/office/infopath/2007/PartnerControls">
   <documentManagement>
     <_ip_UnifiedCompliancePolicyUIAction xmlns="http://schemas.microsoft.com/sharepoint/v3" xsi:nil="true"/>
@@ -20699,6 +20690,15 @@
     <MediaServiceKeyPoints xmlns="71af3243-3dd4-4a8d-8c0d-dd76da1f02a5" xsi:nil="true"/>
   </documentManagement>
 </p:properties>
+</file>
+
+<file path=customXml/item2.xml><?xml version="1.0" encoding="utf-8"?>
+<?mso-contentType ?>
+<FormTemplates xmlns="http://schemas.microsoft.com/sharepoint/v3/contenttype/forms">
+  <Display>DocumentLibraryForm</Display>
+  <Edit>DocumentLibraryForm</Edit>
+  <New>DocumentLibraryForm</New>
+</FormTemplates>
 </file>
 
 <file path=customXml/item3.xml><?xml version="1.0" encoding="utf-8"?>
@@ -20978,14 +20978,6 @@
 </file>
 
 <file path=customXml/itemProps1.xml><?xml version="1.0" encoding="utf-8"?>
-<ds:datastoreItem xmlns:ds="http://schemas.openxmlformats.org/officeDocument/2006/customXml" ds:itemID="{0FD6FE22-81A0-4500-AFD0-342D21BB9A2C}">
-  <ds:schemaRefs>
-    <ds:schemaRef ds:uri="http://schemas.microsoft.com/sharepoint/v3/contenttype/forms"/>
-  </ds:schemaRefs>
-</ds:datastoreItem>
-</file>
-
-<file path=customXml/itemProps2.xml><?xml version="1.0" encoding="utf-8"?>
 <ds:datastoreItem xmlns:ds="http://schemas.openxmlformats.org/officeDocument/2006/customXml" ds:itemID="{29C43685-694E-4579-B109-3C418D49DA65}">
   <ds:schemaRefs>
     <ds:schemaRef ds:uri="http://schemas.microsoft.com/office/2006/metadata/properties"/>
@@ -20993,6 +20985,14 @@
     <ds:schemaRef ds:uri="http://schemas.microsoft.com/sharepoint/v3"/>
     <ds:schemaRef ds:uri="71af3243-3dd4-4a8d-8c0d-dd76da1f02a5"/>
     <ds:schemaRef ds:uri="230e9df3-be65-4c73-a93b-d1236ebd677e"/>
+  </ds:schemaRefs>
+</ds:datastoreItem>
+</file>
+
+<file path=customXml/itemProps2.xml><?xml version="1.0" encoding="utf-8"?>
+<ds:datastoreItem xmlns:ds="http://schemas.openxmlformats.org/officeDocument/2006/customXml" ds:itemID="{0FD6FE22-81A0-4500-AFD0-342D21BB9A2C}">
+  <ds:schemaRefs>
+    <ds:schemaRef ds:uri="http://schemas.microsoft.com/sharepoint/v3/contenttype/forms"/>
   </ds:schemaRefs>
 </ds:datastoreItem>
 </file>

--- a/Report/Presentation_3_IoT.pptx
+++ b/Report/Presentation_3_IoT.pptx
@@ -15949,12 +15949,14 @@
           </a:xfrm>
         </p:spPr>
         <p:txBody>
-          <a:bodyPr/>
+          <a:bodyPr>
+            <a:normAutofit/>
+          </a:bodyPr>
           <a:lstStyle/>
           <a:p>
             <a:r>
               <a:rPr lang="en-US" dirty="0"/>
-              <a:t>The INNER WORKINGS​</a:t>
+              <a:t>Our MODEL​</a:t>
             </a:r>
           </a:p>
         </p:txBody>
@@ -20674,6 +20676,15 @@
 </file>
 
 <file path=customXml/item1.xml><?xml version="1.0" encoding="utf-8"?>
+<?mso-contentType ?>
+<FormTemplates xmlns="http://schemas.microsoft.com/sharepoint/v3/contenttype/forms">
+  <Display>DocumentLibraryForm</Display>
+  <Edit>DocumentLibraryForm</Edit>
+  <New>DocumentLibraryForm</New>
+</FormTemplates>
+</file>
+
+<file path=customXml/item2.xml><?xml version="1.0" encoding="utf-8"?>
 <p:properties xmlns:p="http://schemas.microsoft.com/office/2006/metadata/properties" xmlns:xsi="http://www.w3.org/2001/XMLSchema-instance" xmlns:pc="http://schemas.microsoft.com/office/infopath/2007/PartnerControls">
   <documentManagement>
     <_ip_UnifiedCompliancePolicyUIAction xmlns="http://schemas.microsoft.com/sharepoint/v3" xsi:nil="true"/>
@@ -20690,15 +20701,6 @@
     <MediaServiceKeyPoints xmlns="71af3243-3dd4-4a8d-8c0d-dd76da1f02a5" xsi:nil="true"/>
   </documentManagement>
 </p:properties>
-</file>
-
-<file path=customXml/item2.xml><?xml version="1.0" encoding="utf-8"?>
-<?mso-contentType ?>
-<FormTemplates xmlns="http://schemas.microsoft.com/sharepoint/v3/contenttype/forms">
-  <Display>DocumentLibraryForm</Display>
-  <Edit>DocumentLibraryForm</Edit>
-  <New>DocumentLibraryForm</New>
-</FormTemplates>
 </file>
 
 <file path=customXml/item3.xml><?xml version="1.0" encoding="utf-8"?>
@@ -20978,6 +20980,14 @@
 </file>
 
 <file path=customXml/itemProps1.xml><?xml version="1.0" encoding="utf-8"?>
+<ds:datastoreItem xmlns:ds="http://schemas.openxmlformats.org/officeDocument/2006/customXml" ds:itemID="{0FD6FE22-81A0-4500-AFD0-342D21BB9A2C}">
+  <ds:schemaRefs>
+    <ds:schemaRef ds:uri="http://schemas.microsoft.com/sharepoint/v3/contenttype/forms"/>
+  </ds:schemaRefs>
+</ds:datastoreItem>
+</file>
+
+<file path=customXml/itemProps2.xml><?xml version="1.0" encoding="utf-8"?>
 <ds:datastoreItem xmlns:ds="http://schemas.openxmlformats.org/officeDocument/2006/customXml" ds:itemID="{29C43685-694E-4579-B109-3C418D49DA65}">
   <ds:schemaRefs>
     <ds:schemaRef ds:uri="http://schemas.microsoft.com/office/2006/metadata/properties"/>
@@ -20985,14 +20995,6 @@
     <ds:schemaRef ds:uri="http://schemas.microsoft.com/sharepoint/v3"/>
     <ds:schemaRef ds:uri="71af3243-3dd4-4a8d-8c0d-dd76da1f02a5"/>
     <ds:schemaRef ds:uri="230e9df3-be65-4c73-a93b-d1236ebd677e"/>
-  </ds:schemaRefs>
-</ds:datastoreItem>
-</file>
-
-<file path=customXml/itemProps2.xml><?xml version="1.0" encoding="utf-8"?>
-<ds:datastoreItem xmlns:ds="http://schemas.openxmlformats.org/officeDocument/2006/customXml" ds:itemID="{0FD6FE22-81A0-4500-AFD0-342D21BB9A2C}">
-  <ds:schemaRefs>
-    <ds:schemaRef ds:uri="http://schemas.microsoft.com/sharepoint/v3/contenttype/forms"/>
   </ds:schemaRefs>
 </ds:datastoreItem>
 </file>
